--- a/_v_images/FYN architecture.pptx
+++ b/_v_images/FYN architecture.pptx
@@ -3,10 +3,12 @@
 <p:presentation xmlns:a="http://schemas.openxmlformats.org/drawingml/2006/main" xmlns:r="http://schemas.openxmlformats.org/officeDocument/2006/relationships" xmlns:p="http://schemas.openxmlformats.org/presentationml/2006/main" saveSubsetFonts="1">
   <p:sldMasterIdLst>
     <p:sldMasterId id="2147483648" r:id="rId1"/>
+    <p:sldMasterId id="2147483660" r:id="rId2"/>
   </p:sldMasterIdLst>
   <p:sldIdLst>
-    <p:sldId id="256" r:id="rId2"/>
-    <p:sldId id="257" r:id="rId3"/>
+    <p:sldId id="256" r:id="rId3"/>
+    <p:sldId id="257" r:id="rId4"/>
+    <p:sldId id="258" r:id="rId5"/>
   </p:sldIdLst>
   <p:sldSz cx="12192000" cy="6858000"/>
   <p:notesSz cx="6858000" cy="9144000"/>
@@ -739,6 +741,1937 @@
 </p:sldLayout>
 </file>
 
+<file path=ppt/slideLayouts/slideLayout12.xml><?xml version="1.0" encoding="utf-8"?>
+<p:sldLayout xmlns:a="http://schemas.openxmlformats.org/drawingml/2006/main" xmlns:r="http://schemas.openxmlformats.org/officeDocument/2006/relationships" xmlns:p="http://schemas.openxmlformats.org/presentationml/2006/main" type="title" preserve="1">
+  <p:cSld name="标题幻灯片">
+    <p:spTree>
+      <p:nvGrpSpPr>
+        <p:cNvPr id="1" name=""/>
+        <p:cNvGrpSpPr/>
+        <p:nvPr/>
+      </p:nvGrpSpPr>
+      <p:grpSpPr>
+        <a:xfrm>
+          <a:off x="0" y="0"/>
+          <a:ext cx="0" cy="0"/>
+          <a:chOff x="0" y="0"/>
+          <a:chExt cx="0" cy="0"/>
+        </a:xfrm>
+      </p:grpSpPr>
+      <p:sp>
+        <p:nvSpPr>
+          <p:cNvPr id="2" name="Title 1"/>
+          <p:cNvSpPr>
+            <a:spLocks noGrp="1"/>
+          </p:cNvSpPr>
+          <p:nvPr>
+            <p:ph type="ctrTitle"/>
+          </p:nvPr>
+        </p:nvSpPr>
+        <p:spPr>
+          <a:xfrm>
+            <a:off x="2417779" y="802298"/>
+            <a:ext cx="8637073" cy="2541431"/>
+          </a:xfrm>
+        </p:spPr>
+        <p:txBody>
+          <a:bodyPr bIns="0" anchor="b">
+            <a:normAutofit/>
+          </a:bodyPr>
+          <a:lstStyle>
+            <a:lvl1pPr algn="l">
+              <a:defRPr sz="6600"/>
+            </a:lvl1pPr>
+          </a:lstStyle>
+          <a:p>
+            <a:r>
+              <a:rPr lang="zh-CN" altLang="en-US"/>
+              <a:t>单击此处编辑母版标题样式</a:t>
+            </a:r>
+            <a:endParaRPr lang="en-US" dirty="0"/>
+          </a:p>
+        </p:txBody>
+      </p:sp>
+      <p:sp>
+        <p:nvSpPr>
+          <p:cNvPr id="3" name="Subtitle 2"/>
+          <p:cNvSpPr>
+            <a:spLocks noGrp="1"/>
+          </p:cNvSpPr>
+          <p:nvPr>
+            <p:ph type="subTitle" idx="1"/>
+          </p:nvPr>
+        </p:nvSpPr>
+        <p:spPr>
+          <a:xfrm>
+            <a:off x="2417780" y="3531204"/>
+            <a:ext cx="8637072" cy="977621"/>
+          </a:xfrm>
+        </p:spPr>
+        <p:txBody>
+          <a:bodyPr tIns="91440" bIns="91440">
+            <a:normAutofit/>
+          </a:bodyPr>
+          <a:lstStyle>
+            <a:lvl1pPr marL="0" indent="0" algn="l">
+              <a:buNone/>
+              <a:defRPr sz="1800" b="0" cap="all" baseline="0">
+                <a:solidFill>
+                  <a:schemeClr val="tx1"/>
+                </a:solidFill>
+              </a:defRPr>
+            </a:lvl1pPr>
+            <a:lvl2pPr marL="457200" indent="0" algn="ctr">
+              <a:buNone/>
+              <a:defRPr sz="1800"/>
+            </a:lvl2pPr>
+            <a:lvl3pPr marL="914400" indent="0" algn="ctr">
+              <a:buNone/>
+              <a:defRPr sz="1800"/>
+            </a:lvl3pPr>
+            <a:lvl4pPr marL="1371600" indent="0" algn="ctr">
+              <a:buNone/>
+              <a:defRPr sz="1600"/>
+            </a:lvl4pPr>
+            <a:lvl5pPr marL="1828800" indent="0" algn="ctr">
+              <a:buNone/>
+              <a:defRPr sz="1600"/>
+            </a:lvl5pPr>
+            <a:lvl6pPr marL="2286000" indent="0" algn="ctr">
+              <a:buNone/>
+              <a:defRPr sz="1600"/>
+            </a:lvl6pPr>
+            <a:lvl7pPr marL="2743200" indent="0" algn="ctr">
+              <a:buNone/>
+              <a:defRPr sz="1600"/>
+            </a:lvl7pPr>
+            <a:lvl8pPr marL="3200400" indent="0" algn="ctr">
+              <a:buNone/>
+              <a:defRPr sz="1600"/>
+            </a:lvl8pPr>
+            <a:lvl9pPr marL="3657600" indent="0" algn="ctr">
+              <a:buNone/>
+              <a:defRPr sz="1600"/>
+            </a:lvl9pPr>
+          </a:lstStyle>
+          <a:p>
+            <a:r>
+              <a:rPr lang="zh-CN" altLang="en-US"/>
+              <a:t>单击此处编辑母版副标题样式</a:t>
+            </a:r>
+            <a:endParaRPr lang="en-US" dirty="0"/>
+          </a:p>
+        </p:txBody>
+      </p:sp>
+      <p:sp>
+        <p:nvSpPr>
+          <p:cNvPr id="4" name="Date Placeholder 3"/>
+          <p:cNvSpPr>
+            <a:spLocks noGrp="1"/>
+          </p:cNvSpPr>
+          <p:nvPr>
+            <p:ph type="dt" sz="half" idx="10"/>
+          </p:nvPr>
+        </p:nvSpPr>
+        <p:spPr/>
+        <p:txBody>
+          <a:bodyPr/>
+          <a:lstStyle/>
+          <a:p>
+            <a:fld id="{9F2E0E96-8939-4B42-AD6D-D7AB4B81F72E}" type="datetimeFigureOut">
+              <a:rPr lang="zh-CN" altLang="en-US" smtClean="0"/>
+              <a:t>2019/11/1</a:t>
+            </a:fld>
+            <a:endParaRPr lang="zh-CN" altLang="en-US"/>
+          </a:p>
+        </p:txBody>
+      </p:sp>
+      <p:sp>
+        <p:nvSpPr>
+          <p:cNvPr id="5" name="Footer Placeholder 4"/>
+          <p:cNvSpPr>
+            <a:spLocks noGrp="1"/>
+          </p:cNvSpPr>
+          <p:nvPr>
+            <p:ph type="ftr" sz="quarter" idx="11"/>
+          </p:nvPr>
+        </p:nvSpPr>
+        <p:spPr>
+          <a:xfrm>
+            <a:off x="2416500" y="329307"/>
+            <a:ext cx="4973915" cy="309201"/>
+          </a:xfrm>
+        </p:spPr>
+        <p:txBody>
+          <a:bodyPr/>
+          <a:lstStyle/>
+          <a:p>
+            <a:endParaRPr lang="zh-CN" altLang="en-US"/>
+          </a:p>
+        </p:txBody>
+      </p:sp>
+      <p:sp>
+        <p:nvSpPr>
+          <p:cNvPr id="6" name="Slide Number Placeholder 5"/>
+          <p:cNvSpPr>
+            <a:spLocks noGrp="1"/>
+          </p:cNvSpPr>
+          <p:nvPr>
+            <p:ph type="sldNum" sz="quarter" idx="12"/>
+          </p:nvPr>
+        </p:nvSpPr>
+        <p:spPr>
+          <a:xfrm>
+            <a:off x="1437664" y="798973"/>
+            <a:ext cx="811019" cy="503578"/>
+          </a:xfrm>
+        </p:spPr>
+        <p:txBody>
+          <a:bodyPr/>
+          <a:lstStyle/>
+          <a:p>
+            <a:fld id="{5B0FB5BB-E043-451F-907C-BF55034C2A75}" type="slidenum">
+              <a:rPr lang="zh-CN" altLang="en-US" smtClean="0"/>
+              <a:t>‹#›</a:t>
+            </a:fld>
+            <a:endParaRPr lang="zh-CN" altLang="en-US"/>
+          </a:p>
+        </p:txBody>
+      </p:sp>
+      <p:cxnSp>
+        <p:nvCxnSpPr>
+          <p:cNvPr id="15" name="Straight Connector 14"/>
+          <p:cNvCxnSpPr/>
+          <p:nvPr/>
+        </p:nvCxnSpPr>
+        <p:spPr>
+          <a:xfrm>
+            <a:off x="2417780" y="3528542"/>
+            <a:ext cx="8637072" cy="0"/>
+          </a:xfrm>
+          <a:prstGeom prst="line">
+            <a:avLst/>
+          </a:prstGeom>
+          <a:ln w="31750"/>
+        </p:spPr>
+        <p:style>
+          <a:lnRef idx="3">
+            <a:schemeClr val="accent1"/>
+          </a:lnRef>
+          <a:fillRef idx="0">
+            <a:schemeClr val="accent1"/>
+          </a:fillRef>
+          <a:effectRef idx="2">
+            <a:schemeClr val="accent1"/>
+          </a:effectRef>
+          <a:fontRef idx="minor">
+            <a:schemeClr val="tx1"/>
+          </a:fontRef>
+        </p:style>
+      </p:cxnSp>
+    </p:spTree>
+    <p:extLst>
+      <p:ext uri="{BB962C8B-B14F-4D97-AF65-F5344CB8AC3E}">
+        <p14:creationId xmlns:p14="http://schemas.microsoft.com/office/powerpoint/2010/main" val="1522138865"/>
+      </p:ext>
+    </p:extLst>
+  </p:cSld>
+  <p:clrMapOvr>
+    <a:masterClrMapping/>
+  </p:clrMapOvr>
+</p:sldLayout>
+</file>
+
+<file path=ppt/slideLayouts/slideLayout13.xml><?xml version="1.0" encoding="utf-8"?>
+<p:sldLayout xmlns:a="http://schemas.openxmlformats.org/drawingml/2006/main" xmlns:r="http://schemas.openxmlformats.org/officeDocument/2006/relationships" xmlns:p="http://schemas.openxmlformats.org/presentationml/2006/main" type="obj" preserve="1">
+  <p:cSld name="标题和内容">
+    <p:spTree>
+      <p:nvGrpSpPr>
+        <p:cNvPr id="1" name=""/>
+        <p:cNvGrpSpPr/>
+        <p:nvPr/>
+      </p:nvGrpSpPr>
+      <p:grpSpPr>
+        <a:xfrm>
+          <a:off x="0" y="0"/>
+          <a:ext cx="0" cy="0"/>
+          <a:chOff x="0" y="0"/>
+          <a:chExt cx="0" cy="0"/>
+        </a:xfrm>
+      </p:grpSpPr>
+      <p:sp>
+        <p:nvSpPr>
+          <p:cNvPr id="2" name="Title 1"/>
+          <p:cNvSpPr>
+            <a:spLocks noGrp="1"/>
+          </p:cNvSpPr>
+          <p:nvPr>
+            <p:ph type="title"/>
+          </p:nvPr>
+        </p:nvSpPr>
+        <p:spPr/>
+        <p:txBody>
+          <a:bodyPr/>
+          <a:lstStyle/>
+          <a:p>
+            <a:r>
+              <a:rPr lang="zh-CN" altLang="en-US"/>
+              <a:t>单击此处编辑母版标题样式</a:t>
+            </a:r>
+            <a:endParaRPr lang="en-US" dirty="0"/>
+          </a:p>
+        </p:txBody>
+      </p:sp>
+      <p:sp>
+        <p:nvSpPr>
+          <p:cNvPr id="3" name="Content Placeholder 2"/>
+          <p:cNvSpPr>
+            <a:spLocks noGrp="1"/>
+          </p:cNvSpPr>
+          <p:nvPr>
+            <p:ph idx="1"/>
+          </p:nvPr>
+        </p:nvSpPr>
+        <p:spPr/>
+        <p:txBody>
+          <a:bodyPr anchor="t"/>
+          <a:lstStyle/>
+          <a:p>
+            <a:pPr lvl="0"/>
+            <a:r>
+              <a:rPr lang="zh-CN" altLang="en-US"/>
+              <a:t>单击此处编辑母版文本样式</a:t>
+            </a:r>
+          </a:p>
+          <a:p>
+            <a:pPr lvl="1"/>
+            <a:r>
+              <a:rPr lang="zh-CN" altLang="en-US"/>
+              <a:t>二级</a:t>
+            </a:r>
+          </a:p>
+          <a:p>
+            <a:pPr lvl="2"/>
+            <a:r>
+              <a:rPr lang="zh-CN" altLang="en-US"/>
+              <a:t>三级</a:t>
+            </a:r>
+          </a:p>
+          <a:p>
+            <a:pPr lvl="3"/>
+            <a:r>
+              <a:rPr lang="zh-CN" altLang="en-US"/>
+              <a:t>四级</a:t>
+            </a:r>
+          </a:p>
+          <a:p>
+            <a:pPr lvl="4"/>
+            <a:r>
+              <a:rPr lang="zh-CN" altLang="en-US"/>
+              <a:t>五级</a:t>
+            </a:r>
+            <a:endParaRPr lang="en-US" dirty="0"/>
+          </a:p>
+        </p:txBody>
+      </p:sp>
+      <p:sp>
+        <p:nvSpPr>
+          <p:cNvPr id="4" name="Date Placeholder 3"/>
+          <p:cNvSpPr>
+            <a:spLocks noGrp="1"/>
+          </p:cNvSpPr>
+          <p:nvPr>
+            <p:ph type="dt" sz="half" idx="10"/>
+          </p:nvPr>
+        </p:nvSpPr>
+        <p:spPr/>
+        <p:txBody>
+          <a:bodyPr/>
+          <a:lstStyle/>
+          <a:p>
+            <a:fld id="{9F2E0E96-8939-4B42-AD6D-D7AB4B81F72E}" type="datetimeFigureOut">
+              <a:rPr lang="zh-CN" altLang="en-US" smtClean="0"/>
+              <a:t>2019/11/1</a:t>
+            </a:fld>
+            <a:endParaRPr lang="zh-CN" altLang="en-US"/>
+          </a:p>
+        </p:txBody>
+      </p:sp>
+      <p:sp>
+        <p:nvSpPr>
+          <p:cNvPr id="5" name="Footer Placeholder 4"/>
+          <p:cNvSpPr>
+            <a:spLocks noGrp="1"/>
+          </p:cNvSpPr>
+          <p:nvPr>
+            <p:ph type="ftr" sz="quarter" idx="11"/>
+          </p:nvPr>
+        </p:nvSpPr>
+        <p:spPr/>
+        <p:txBody>
+          <a:bodyPr/>
+          <a:lstStyle/>
+          <a:p>
+            <a:endParaRPr lang="zh-CN" altLang="en-US"/>
+          </a:p>
+        </p:txBody>
+      </p:sp>
+      <p:sp>
+        <p:nvSpPr>
+          <p:cNvPr id="6" name="Slide Number Placeholder 5"/>
+          <p:cNvSpPr>
+            <a:spLocks noGrp="1"/>
+          </p:cNvSpPr>
+          <p:nvPr>
+            <p:ph type="sldNum" sz="quarter" idx="12"/>
+          </p:nvPr>
+        </p:nvSpPr>
+        <p:spPr/>
+        <p:txBody>
+          <a:bodyPr/>
+          <a:lstStyle/>
+          <a:p>
+            <a:fld id="{5B0FB5BB-E043-451F-907C-BF55034C2A75}" type="slidenum">
+              <a:rPr lang="zh-CN" altLang="en-US" smtClean="0"/>
+              <a:t>‹#›</a:t>
+            </a:fld>
+            <a:endParaRPr lang="zh-CN" altLang="en-US"/>
+          </a:p>
+        </p:txBody>
+      </p:sp>
+      <p:cxnSp>
+        <p:nvCxnSpPr>
+          <p:cNvPr id="33" name="Straight Connector 32"/>
+          <p:cNvCxnSpPr/>
+          <p:nvPr/>
+        </p:nvCxnSpPr>
+        <p:spPr>
+          <a:xfrm>
+            <a:off x="1453896" y="1847088"/>
+            <a:ext cx="9607522" cy="0"/>
+          </a:xfrm>
+          <a:prstGeom prst="line">
+            <a:avLst/>
+          </a:prstGeom>
+          <a:ln w="31750"/>
+        </p:spPr>
+        <p:style>
+          <a:lnRef idx="3">
+            <a:schemeClr val="accent1"/>
+          </a:lnRef>
+          <a:fillRef idx="0">
+            <a:schemeClr val="accent1"/>
+          </a:fillRef>
+          <a:effectRef idx="2">
+            <a:schemeClr val="accent1"/>
+          </a:effectRef>
+          <a:fontRef idx="minor">
+            <a:schemeClr val="tx1"/>
+          </a:fontRef>
+        </p:style>
+      </p:cxnSp>
+    </p:spTree>
+    <p:extLst>
+      <p:ext uri="{BB962C8B-B14F-4D97-AF65-F5344CB8AC3E}">
+        <p14:creationId xmlns:p14="http://schemas.microsoft.com/office/powerpoint/2010/main" val="2230244333"/>
+      </p:ext>
+    </p:extLst>
+  </p:cSld>
+  <p:clrMapOvr>
+    <a:masterClrMapping/>
+  </p:clrMapOvr>
+</p:sldLayout>
+</file>
+
+<file path=ppt/slideLayouts/slideLayout14.xml><?xml version="1.0" encoding="utf-8"?>
+<p:sldLayout xmlns:a="http://schemas.openxmlformats.org/drawingml/2006/main" xmlns:r="http://schemas.openxmlformats.org/officeDocument/2006/relationships" xmlns:p="http://schemas.openxmlformats.org/presentationml/2006/main" type="secHead" preserve="1">
+  <p:cSld name="节标题">
+    <p:spTree>
+      <p:nvGrpSpPr>
+        <p:cNvPr id="1" name=""/>
+        <p:cNvGrpSpPr/>
+        <p:nvPr/>
+      </p:nvGrpSpPr>
+      <p:grpSpPr>
+        <a:xfrm>
+          <a:off x="0" y="0"/>
+          <a:ext cx="0" cy="0"/>
+          <a:chOff x="0" y="0"/>
+          <a:chExt cx="0" cy="0"/>
+        </a:xfrm>
+      </p:grpSpPr>
+      <p:sp>
+        <p:nvSpPr>
+          <p:cNvPr id="2" name="Title 1"/>
+          <p:cNvSpPr>
+            <a:spLocks noGrp="1"/>
+          </p:cNvSpPr>
+          <p:nvPr>
+            <p:ph type="title"/>
+          </p:nvPr>
+        </p:nvSpPr>
+        <p:spPr>
+          <a:xfrm>
+            <a:off x="1454239" y="1756130"/>
+            <a:ext cx="8643154" cy="1887950"/>
+          </a:xfrm>
+        </p:spPr>
+        <p:txBody>
+          <a:bodyPr anchor="b">
+            <a:normAutofit/>
+          </a:bodyPr>
+          <a:lstStyle>
+            <a:lvl1pPr algn="l">
+              <a:defRPr sz="3600"/>
+            </a:lvl1pPr>
+          </a:lstStyle>
+          <a:p>
+            <a:r>
+              <a:rPr lang="zh-CN" altLang="en-US"/>
+              <a:t>单击此处编辑母版标题样式</a:t>
+            </a:r>
+            <a:endParaRPr lang="en-US" dirty="0"/>
+          </a:p>
+        </p:txBody>
+      </p:sp>
+      <p:sp>
+        <p:nvSpPr>
+          <p:cNvPr id="3" name="Text Placeholder 2"/>
+          <p:cNvSpPr>
+            <a:spLocks noGrp="1"/>
+          </p:cNvSpPr>
+          <p:nvPr>
+            <p:ph type="body" idx="1"/>
+          </p:nvPr>
+        </p:nvSpPr>
+        <p:spPr>
+          <a:xfrm>
+            <a:off x="1454239" y="3806195"/>
+            <a:ext cx="8630446" cy="1012929"/>
+          </a:xfrm>
+        </p:spPr>
+        <p:txBody>
+          <a:bodyPr tIns="91440">
+            <a:normAutofit/>
+          </a:bodyPr>
+          <a:lstStyle>
+            <a:lvl1pPr marL="0" indent="0" algn="l">
+              <a:buNone/>
+              <a:defRPr sz="1800">
+                <a:solidFill>
+                  <a:schemeClr val="tx1"/>
+                </a:solidFill>
+              </a:defRPr>
+            </a:lvl1pPr>
+            <a:lvl2pPr marL="457200" indent="0">
+              <a:buNone/>
+              <a:defRPr sz="1800">
+                <a:solidFill>
+                  <a:schemeClr val="tx1">
+                    <a:tint val="75000"/>
+                  </a:schemeClr>
+                </a:solidFill>
+              </a:defRPr>
+            </a:lvl2pPr>
+            <a:lvl3pPr marL="914400" indent="0">
+              <a:buNone/>
+              <a:defRPr sz="1800">
+                <a:solidFill>
+                  <a:schemeClr val="tx1">
+                    <a:tint val="75000"/>
+                  </a:schemeClr>
+                </a:solidFill>
+              </a:defRPr>
+            </a:lvl3pPr>
+            <a:lvl4pPr marL="1371600" indent="0">
+              <a:buNone/>
+              <a:defRPr sz="1600">
+                <a:solidFill>
+                  <a:schemeClr val="tx1">
+                    <a:tint val="75000"/>
+                  </a:schemeClr>
+                </a:solidFill>
+              </a:defRPr>
+            </a:lvl4pPr>
+            <a:lvl5pPr marL="1828800" indent="0">
+              <a:buNone/>
+              <a:defRPr sz="1600">
+                <a:solidFill>
+                  <a:schemeClr val="tx1">
+                    <a:tint val="75000"/>
+                  </a:schemeClr>
+                </a:solidFill>
+              </a:defRPr>
+            </a:lvl5pPr>
+            <a:lvl6pPr marL="2286000" indent="0">
+              <a:buNone/>
+              <a:defRPr sz="1600">
+                <a:solidFill>
+                  <a:schemeClr val="tx1">
+                    <a:tint val="75000"/>
+                  </a:schemeClr>
+                </a:solidFill>
+              </a:defRPr>
+            </a:lvl6pPr>
+            <a:lvl7pPr marL="2743200" indent="0">
+              <a:buNone/>
+              <a:defRPr sz="1600">
+                <a:solidFill>
+                  <a:schemeClr val="tx1">
+                    <a:tint val="75000"/>
+                  </a:schemeClr>
+                </a:solidFill>
+              </a:defRPr>
+            </a:lvl7pPr>
+            <a:lvl8pPr marL="3200400" indent="0">
+              <a:buNone/>
+              <a:defRPr sz="1600">
+                <a:solidFill>
+                  <a:schemeClr val="tx1">
+                    <a:tint val="75000"/>
+                  </a:schemeClr>
+                </a:solidFill>
+              </a:defRPr>
+            </a:lvl8pPr>
+            <a:lvl9pPr marL="3657600" indent="0">
+              <a:buNone/>
+              <a:defRPr sz="1600">
+                <a:solidFill>
+                  <a:schemeClr val="tx1">
+                    <a:tint val="75000"/>
+                  </a:schemeClr>
+                </a:solidFill>
+              </a:defRPr>
+            </a:lvl9pPr>
+          </a:lstStyle>
+          <a:p>
+            <a:pPr lvl="0"/>
+            <a:r>
+              <a:rPr lang="zh-CN" altLang="en-US"/>
+              <a:t>单击此处编辑母版文本样式</a:t>
+            </a:r>
+          </a:p>
+        </p:txBody>
+      </p:sp>
+      <p:sp>
+        <p:nvSpPr>
+          <p:cNvPr id="4" name="Date Placeholder 3"/>
+          <p:cNvSpPr>
+            <a:spLocks noGrp="1"/>
+          </p:cNvSpPr>
+          <p:nvPr>
+            <p:ph type="dt" sz="half" idx="10"/>
+          </p:nvPr>
+        </p:nvSpPr>
+        <p:spPr/>
+        <p:txBody>
+          <a:bodyPr/>
+          <a:lstStyle/>
+          <a:p>
+            <a:fld id="{9F2E0E96-8939-4B42-AD6D-D7AB4B81F72E}" type="datetimeFigureOut">
+              <a:rPr lang="zh-CN" altLang="en-US" smtClean="0"/>
+              <a:t>2019/11/1</a:t>
+            </a:fld>
+            <a:endParaRPr lang="zh-CN" altLang="en-US"/>
+          </a:p>
+        </p:txBody>
+      </p:sp>
+      <p:sp>
+        <p:nvSpPr>
+          <p:cNvPr id="5" name="Footer Placeholder 4"/>
+          <p:cNvSpPr>
+            <a:spLocks noGrp="1"/>
+          </p:cNvSpPr>
+          <p:nvPr>
+            <p:ph type="ftr" sz="quarter" idx="11"/>
+          </p:nvPr>
+        </p:nvSpPr>
+        <p:spPr/>
+        <p:txBody>
+          <a:bodyPr/>
+          <a:lstStyle/>
+          <a:p>
+            <a:endParaRPr lang="zh-CN" altLang="en-US"/>
+          </a:p>
+        </p:txBody>
+      </p:sp>
+      <p:sp>
+        <p:nvSpPr>
+          <p:cNvPr id="6" name="Slide Number Placeholder 5"/>
+          <p:cNvSpPr>
+            <a:spLocks noGrp="1"/>
+          </p:cNvSpPr>
+          <p:nvPr>
+            <p:ph type="sldNum" sz="quarter" idx="12"/>
+          </p:nvPr>
+        </p:nvSpPr>
+        <p:spPr/>
+        <p:txBody>
+          <a:bodyPr/>
+          <a:lstStyle/>
+          <a:p>
+            <a:fld id="{5B0FB5BB-E043-451F-907C-BF55034C2A75}" type="slidenum">
+              <a:rPr lang="zh-CN" altLang="en-US" smtClean="0"/>
+              <a:t>‹#›</a:t>
+            </a:fld>
+            <a:endParaRPr lang="zh-CN" altLang="en-US"/>
+          </a:p>
+        </p:txBody>
+      </p:sp>
+      <p:cxnSp>
+        <p:nvCxnSpPr>
+          <p:cNvPr id="15" name="Straight Connector 14"/>
+          <p:cNvCxnSpPr/>
+          <p:nvPr/>
+        </p:nvCxnSpPr>
+        <p:spPr>
+          <a:xfrm>
+            <a:off x="1454239" y="3804985"/>
+            <a:ext cx="8630446" cy="0"/>
+          </a:xfrm>
+          <a:prstGeom prst="line">
+            <a:avLst/>
+          </a:prstGeom>
+          <a:ln w="31750"/>
+        </p:spPr>
+        <p:style>
+          <a:lnRef idx="3">
+            <a:schemeClr val="accent1"/>
+          </a:lnRef>
+          <a:fillRef idx="0">
+            <a:schemeClr val="accent1"/>
+          </a:fillRef>
+          <a:effectRef idx="2">
+            <a:schemeClr val="accent1"/>
+          </a:effectRef>
+          <a:fontRef idx="minor">
+            <a:schemeClr val="tx1"/>
+          </a:fontRef>
+        </p:style>
+      </p:cxnSp>
+    </p:spTree>
+    <p:extLst>
+      <p:ext uri="{BB962C8B-B14F-4D97-AF65-F5344CB8AC3E}">
+        <p14:creationId xmlns:p14="http://schemas.microsoft.com/office/powerpoint/2010/main" val="3490031666"/>
+      </p:ext>
+    </p:extLst>
+  </p:cSld>
+  <p:clrMapOvr>
+    <a:masterClrMapping/>
+  </p:clrMapOvr>
+</p:sldLayout>
+</file>
+
+<file path=ppt/slideLayouts/slideLayout15.xml><?xml version="1.0" encoding="utf-8"?>
+<p:sldLayout xmlns:a="http://schemas.openxmlformats.org/drawingml/2006/main" xmlns:r="http://schemas.openxmlformats.org/officeDocument/2006/relationships" xmlns:p="http://schemas.openxmlformats.org/presentationml/2006/main" type="twoObj" preserve="1">
+  <p:cSld name="两栏内容">
+    <p:spTree>
+      <p:nvGrpSpPr>
+        <p:cNvPr id="1" name=""/>
+        <p:cNvGrpSpPr/>
+        <p:nvPr/>
+      </p:nvGrpSpPr>
+      <p:grpSpPr>
+        <a:xfrm>
+          <a:off x="0" y="0"/>
+          <a:ext cx="0" cy="0"/>
+          <a:chOff x="0" y="0"/>
+          <a:chExt cx="0" cy="0"/>
+        </a:xfrm>
+      </p:grpSpPr>
+      <p:sp>
+        <p:nvSpPr>
+          <p:cNvPr id="2" name="Title 1"/>
+          <p:cNvSpPr>
+            <a:spLocks noGrp="1"/>
+          </p:cNvSpPr>
+          <p:nvPr>
+            <p:ph type="title"/>
+          </p:nvPr>
+        </p:nvSpPr>
+        <p:spPr>
+          <a:xfrm>
+            <a:off x="1449217" y="804889"/>
+            <a:ext cx="9605635" cy="1059305"/>
+          </a:xfrm>
+        </p:spPr>
+        <p:txBody>
+          <a:bodyPr/>
+          <a:lstStyle/>
+          <a:p>
+            <a:r>
+              <a:rPr lang="zh-CN" altLang="en-US"/>
+              <a:t>单击此处编辑母版标题样式</a:t>
+            </a:r>
+            <a:endParaRPr lang="en-US" dirty="0"/>
+          </a:p>
+        </p:txBody>
+      </p:sp>
+      <p:sp>
+        <p:nvSpPr>
+          <p:cNvPr id="3" name="Content Placeholder 2"/>
+          <p:cNvSpPr>
+            <a:spLocks noGrp="1"/>
+          </p:cNvSpPr>
+          <p:nvPr>
+            <p:ph sz="half" idx="1"/>
+          </p:nvPr>
+        </p:nvSpPr>
+        <p:spPr>
+          <a:xfrm>
+            <a:off x="1447331" y="2010878"/>
+            <a:ext cx="4645152" cy="3448595"/>
+          </a:xfrm>
+        </p:spPr>
+        <p:txBody>
+          <a:bodyPr/>
+          <a:lstStyle/>
+          <a:p>
+            <a:pPr lvl="0"/>
+            <a:r>
+              <a:rPr lang="zh-CN" altLang="en-US"/>
+              <a:t>单击此处编辑母版文本样式</a:t>
+            </a:r>
+          </a:p>
+          <a:p>
+            <a:pPr lvl="1"/>
+            <a:r>
+              <a:rPr lang="zh-CN" altLang="en-US"/>
+              <a:t>二级</a:t>
+            </a:r>
+          </a:p>
+          <a:p>
+            <a:pPr lvl="2"/>
+            <a:r>
+              <a:rPr lang="zh-CN" altLang="en-US"/>
+              <a:t>三级</a:t>
+            </a:r>
+          </a:p>
+          <a:p>
+            <a:pPr lvl="3"/>
+            <a:r>
+              <a:rPr lang="zh-CN" altLang="en-US"/>
+              <a:t>四级</a:t>
+            </a:r>
+          </a:p>
+          <a:p>
+            <a:pPr lvl="4"/>
+            <a:r>
+              <a:rPr lang="zh-CN" altLang="en-US"/>
+              <a:t>五级</a:t>
+            </a:r>
+            <a:endParaRPr lang="en-US" dirty="0"/>
+          </a:p>
+        </p:txBody>
+      </p:sp>
+      <p:sp>
+        <p:nvSpPr>
+          <p:cNvPr id="4" name="Content Placeholder 3"/>
+          <p:cNvSpPr>
+            <a:spLocks noGrp="1"/>
+          </p:cNvSpPr>
+          <p:nvPr>
+            <p:ph sz="half" idx="2"/>
+          </p:nvPr>
+        </p:nvSpPr>
+        <p:spPr>
+          <a:xfrm>
+            <a:off x="6413771" y="2017343"/>
+            <a:ext cx="4645152" cy="3441520"/>
+          </a:xfrm>
+        </p:spPr>
+        <p:txBody>
+          <a:bodyPr/>
+          <a:lstStyle/>
+          <a:p>
+            <a:pPr lvl="0"/>
+            <a:r>
+              <a:rPr lang="zh-CN" altLang="en-US"/>
+              <a:t>单击此处编辑母版文本样式</a:t>
+            </a:r>
+          </a:p>
+          <a:p>
+            <a:pPr lvl="1"/>
+            <a:r>
+              <a:rPr lang="zh-CN" altLang="en-US"/>
+              <a:t>二级</a:t>
+            </a:r>
+          </a:p>
+          <a:p>
+            <a:pPr lvl="2"/>
+            <a:r>
+              <a:rPr lang="zh-CN" altLang="en-US"/>
+              <a:t>三级</a:t>
+            </a:r>
+          </a:p>
+          <a:p>
+            <a:pPr lvl="3"/>
+            <a:r>
+              <a:rPr lang="zh-CN" altLang="en-US"/>
+              <a:t>四级</a:t>
+            </a:r>
+          </a:p>
+          <a:p>
+            <a:pPr lvl="4"/>
+            <a:r>
+              <a:rPr lang="zh-CN" altLang="en-US"/>
+              <a:t>五级</a:t>
+            </a:r>
+            <a:endParaRPr lang="en-US" dirty="0"/>
+          </a:p>
+        </p:txBody>
+      </p:sp>
+      <p:sp>
+        <p:nvSpPr>
+          <p:cNvPr id="5" name="Date Placeholder 4"/>
+          <p:cNvSpPr>
+            <a:spLocks noGrp="1"/>
+          </p:cNvSpPr>
+          <p:nvPr>
+            <p:ph type="dt" sz="half" idx="10"/>
+          </p:nvPr>
+        </p:nvSpPr>
+        <p:spPr/>
+        <p:txBody>
+          <a:bodyPr/>
+          <a:lstStyle/>
+          <a:p>
+            <a:fld id="{9F2E0E96-8939-4B42-AD6D-D7AB4B81F72E}" type="datetimeFigureOut">
+              <a:rPr lang="zh-CN" altLang="en-US" smtClean="0"/>
+              <a:t>2019/11/1</a:t>
+            </a:fld>
+            <a:endParaRPr lang="zh-CN" altLang="en-US"/>
+          </a:p>
+        </p:txBody>
+      </p:sp>
+      <p:sp>
+        <p:nvSpPr>
+          <p:cNvPr id="6" name="Footer Placeholder 5"/>
+          <p:cNvSpPr>
+            <a:spLocks noGrp="1"/>
+          </p:cNvSpPr>
+          <p:nvPr>
+            <p:ph type="ftr" sz="quarter" idx="11"/>
+          </p:nvPr>
+        </p:nvSpPr>
+        <p:spPr/>
+        <p:txBody>
+          <a:bodyPr/>
+          <a:lstStyle/>
+          <a:p>
+            <a:endParaRPr lang="zh-CN" altLang="en-US"/>
+          </a:p>
+        </p:txBody>
+      </p:sp>
+      <p:sp>
+        <p:nvSpPr>
+          <p:cNvPr id="7" name="Slide Number Placeholder 6"/>
+          <p:cNvSpPr>
+            <a:spLocks noGrp="1"/>
+          </p:cNvSpPr>
+          <p:nvPr>
+            <p:ph type="sldNum" sz="quarter" idx="12"/>
+          </p:nvPr>
+        </p:nvSpPr>
+        <p:spPr/>
+        <p:txBody>
+          <a:bodyPr/>
+          <a:lstStyle/>
+          <a:p>
+            <a:fld id="{5B0FB5BB-E043-451F-907C-BF55034C2A75}" type="slidenum">
+              <a:rPr lang="zh-CN" altLang="en-US" smtClean="0"/>
+              <a:t>‹#›</a:t>
+            </a:fld>
+            <a:endParaRPr lang="zh-CN" altLang="en-US"/>
+          </a:p>
+        </p:txBody>
+      </p:sp>
+      <p:cxnSp>
+        <p:nvCxnSpPr>
+          <p:cNvPr id="35" name="Straight Connector 34"/>
+          <p:cNvCxnSpPr/>
+          <p:nvPr/>
+        </p:nvCxnSpPr>
+        <p:spPr>
+          <a:xfrm>
+            <a:off x="1453896" y="1847088"/>
+            <a:ext cx="9607522" cy="0"/>
+          </a:xfrm>
+          <a:prstGeom prst="line">
+            <a:avLst/>
+          </a:prstGeom>
+          <a:ln w="31750"/>
+        </p:spPr>
+        <p:style>
+          <a:lnRef idx="3">
+            <a:schemeClr val="accent1"/>
+          </a:lnRef>
+          <a:fillRef idx="0">
+            <a:schemeClr val="accent1"/>
+          </a:fillRef>
+          <a:effectRef idx="2">
+            <a:schemeClr val="accent1"/>
+          </a:effectRef>
+          <a:fontRef idx="minor">
+            <a:schemeClr val="tx1"/>
+          </a:fontRef>
+        </p:style>
+      </p:cxnSp>
+    </p:spTree>
+    <p:extLst>
+      <p:ext uri="{BB962C8B-B14F-4D97-AF65-F5344CB8AC3E}">
+        <p14:creationId xmlns:p14="http://schemas.microsoft.com/office/powerpoint/2010/main" val="2673729594"/>
+      </p:ext>
+    </p:extLst>
+  </p:cSld>
+  <p:clrMapOvr>
+    <a:masterClrMapping/>
+  </p:clrMapOvr>
+</p:sldLayout>
+</file>
+
+<file path=ppt/slideLayouts/slideLayout16.xml><?xml version="1.0" encoding="utf-8"?>
+<p:sldLayout xmlns:a="http://schemas.openxmlformats.org/drawingml/2006/main" xmlns:r="http://schemas.openxmlformats.org/officeDocument/2006/relationships" xmlns:p="http://schemas.openxmlformats.org/presentationml/2006/main" type="twoTxTwoObj" preserve="1">
+  <p:cSld name="比较">
+    <p:spTree>
+      <p:nvGrpSpPr>
+        <p:cNvPr id="1" name=""/>
+        <p:cNvGrpSpPr/>
+        <p:nvPr/>
+      </p:nvGrpSpPr>
+      <p:grpSpPr>
+        <a:xfrm>
+          <a:off x="0" y="0"/>
+          <a:ext cx="0" cy="0"/>
+          <a:chOff x="0" y="0"/>
+          <a:chExt cx="0" cy="0"/>
+        </a:xfrm>
+      </p:grpSpPr>
+      <p:sp>
+        <p:nvSpPr>
+          <p:cNvPr id="2" name="Title 1"/>
+          <p:cNvSpPr>
+            <a:spLocks noGrp="1"/>
+          </p:cNvSpPr>
+          <p:nvPr>
+            <p:ph type="title"/>
+          </p:nvPr>
+        </p:nvSpPr>
+        <p:spPr>
+          <a:xfrm>
+            <a:off x="1447191" y="804163"/>
+            <a:ext cx="9607661" cy="1056319"/>
+          </a:xfrm>
+        </p:spPr>
+        <p:txBody>
+          <a:bodyPr/>
+          <a:lstStyle/>
+          <a:p>
+            <a:r>
+              <a:rPr lang="zh-CN" altLang="en-US"/>
+              <a:t>单击此处编辑母版标题样式</a:t>
+            </a:r>
+            <a:endParaRPr lang="en-US" dirty="0"/>
+          </a:p>
+        </p:txBody>
+      </p:sp>
+      <p:sp>
+        <p:nvSpPr>
+          <p:cNvPr id="3" name="Text Placeholder 2"/>
+          <p:cNvSpPr>
+            <a:spLocks noGrp="1"/>
+          </p:cNvSpPr>
+          <p:nvPr>
+            <p:ph type="body" idx="1"/>
+          </p:nvPr>
+        </p:nvSpPr>
+        <p:spPr>
+          <a:xfrm>
+            <a:off x="1447191" y="2019549"/>
+            <a:ext cx="4645152" cy="801943"/>
+          </a:xfrm>
+        </p:spPr>
+        <p:txBody>
+          <a:bodyPr anchor="b">
+            <a:normAutofit/>
+          </a:bodyPr>
+          <a:lstStyle>
+            <a:lvl1pPr marL="0" indent="0">
+              <a:lnSpc>
+                <a:spcPct val="100000"/>
+              </a:lnSpc>
+              <a:buNone/>
+              <a:defRPr sz="2200" b="0" cap="all" baseline="0">
+                <a:solidFill>
+                  <a:schemeClr val="accent1"/>
+                </a:solidFill>
+              </a:defRPr>
+            </a:lvl1pPr>
+            <a:lvl2pPr marL="457200" indent="0">
+              <a:buNone/>
+              <a:defRPr sz="2000" b="1"/>
+            </a:lvl2pPr>
+            <a:lvl3pPr marL="914400" indent="0">
+              <a:buNone/>
+              <a:defRPr sz="1800" b="1"/>
+            </a:lvl3pPr>
+            <a:lvl4pPr marL="1371600" indent="0">
+              <a:buNone/>
+              <a:defRPr sz="1600" b="1"/>
+            </a:lvl4pPr>
+            <a:lvl5pPr marL="1828800" indent="0">
+              <a:buNone/>
+              <a:defRPr sz="1600" b="1"/>
+            </a:lvl5pPr>
+            <a:lvl6pPr marL="2286000" indent="0">
+              <a:buNone/>
+              <a:defRPr sz="1600" b="1"/>
+            </a:lvl6pPr>
+            <a:lvl7pPr marL="2743200" indent="0">
+              <a:buNone/>
+              <a:defRPr sz="1600" b="1"/>
+            </a:lvl7pPr>
+            <a:lvl8pPr marL="3200400" indent="0">
+              <a:buNone/>
+              <a:defRPr sz="1600" b="1"/>
+            </a:lvl8pPr>
+            <a:lvl9pPr marL="3657600" indent="0">
+              <a:buNone/>
+              <a:defRPr sz="1600" b="1"/>
+            </a:lvl9pPr>
+          </a:lstStyle>
+          <a:p>
+            <a:pPr lvl="0"/>
+            <a:r>
+              <a:rPr lang="zh-CN" altLang="en-US"/>
+              <a:t>单击此处编辑母版文本样式</a:t>
+            </a:r>
+          </a:p>
+        </p:txBody>
+      </p:sp>
+      <p:sp>
+        <p:nvSpPr>
+          <p:cNvPr id="4" name="Content Placeholder 3"/>
+          <p:cNvSpPr>
+            <a:spLocks noGrp="1"/>
+          </p:cNvSpPr>
+          <p:nvPr>
+            <p:ph sz="half" idx="2"/>
+          </p:nvPr>
+        </p:nvSpPr>
+        <p:spPr>
+          <a:xfrm>
+            <a:off x="1447191" y="2824269"/>
+            <a:ext cx="4645152" cy="2644457"/>
+          </a:xfrm>
+        </p:spPr>
+        <p:txBody>
+          <a:bodyPr/>
+          <a:lstStyle/>
+          <a:p>
+            <a:pPr lvl="0"/>
+            <a:r>
+              <a:rPr lang="zh-CN" altLang="en-US"/>
+              <a:t>单击此处编辑母版文本样式</a:t>
+            </a:r>
+          </a:p>
+          <a:p>
+            <a:pPr lvl="1"/>
+            <a:r>
+              <a:rPr lang="zh-CN" altLang="en-US"/>
+              <a:t>二级</a:t>
+            </a:r>
+          </a:p>
+          <a:p>
+            <a:pPr lvl="2"/>
+            <a:r>
+              <a:rPr lang="zh-CN" altLang="en-US"/>
+              <a:t>三级</a:t>
+            </a:r>
+          </a:p>
+          <a:p>
+            <a:pPr lvl="3"/>
+            <a:r>
+              <a:rPr lang="zh-CN" altLang="en-US"/>
+              <a:t>四级</a:t>
+            </a:r>
+          </a:p>
+          <a:p>
+            <a:pPr lvl="4"/>
+            <a:r>
+              <a:rPr lang="zh-CN" altLang="en-US"/>
+              <a:t>五级</a:t>
+            </a:r>
+            <a:endParaRPr lang="en-US" dirty="0"/>
+          </a:p>
+        </p:txBody>
+      </p:sp>
+      <p:sp>
+        <p:nvSpPr>
+          <p:cNvPr id="5" name="Text Placeholder 4"/>
+          <p:cNvSpPr>
+            <a:spLocks noGrp="1"/>
+          </p:cNvSpPr>
+          <p:nvPr>
+            <p:ph type="body" sz="quarter" idx="3"/>
+          </p:nvPr>
+        </p:nvSpPr>
+        <p:spPr>
+          <a:xfrm>
+            <a:off x="6412362" y="2023003"/>
+            <a:ext cx="4645152" cy="802237"/>
+          </a:xfrm>
+        </p:spPr>
+        <p:txBody>
+          <a:bodyPr anchor="b">
+            <a:normAutofit/>
+          </a:bodyPr>
+          <a:lstStyle>
+            <a:lvl1pPr marL="0" indent="0">
+              <a:lnSpc>
+                <a:spcPct val="100000"/>
+              </a:lnSpc>
+              <a:buNone/>
+              <a:defRPr sz="2200" b="0" cap="all" baseline="0">
+                <a:solidFill>
+                  <a:schemeClr val="accent1"/>
+                </a:solidFill>
+              </a:defRPr>
+            </a:lvl1pPr>
+            <a:lvl2pPr marL="457200" indent="0">
+              <a:buNone/>
+              <a:defRPr sz="2000" b="1"/>
+            </a:lvl2pPr>
+            <a:lvl3pPr marL="914400" indent="0">
+              <a:buNone/>
+              <a:defRPr sz="1800" b="1"/>
+            </a:lvl3pPr>
+            <a:lvl4pPr marL="1371600" indent="0">
+              <a:buNone/>
+              <a:defRPr sz="1600" b="1"/>
+            </a:lvl4pPr>
+            <a:lvl5pPr marL="1828800" indent="0">
+              <a:buNone/>
+              <a:defRPr sz="1600" b="1"/>
+            </a:lvl5pPr>
+            <a:lvl6pPr marL="2286000" indent="0">
+              <a:buNone/>
+              <a:defRPr sz="1600" b="1"/>
+            </a:lvl6pPr>
+            <a:lvl7pPr marL="2743200" indent="0">
+              <a:buNone/>
+              <a:defRPr sz="1600" b="1"/>
+            </a:lvl7pPr>
+            <a:lvl8pPr marL="3200400" indent="0">
+              <a:buNone/>
+              <a:defRPr sz="1600" b="1"/>
+            </a:lvl8pPr>
+            <a:lvl9pPr marL="3657600" indent="0">
+              <a:buNone/>
+              <a:defRPr sz="1600" b="1"/>
+            </a:lvl9pPr>
+          </a:lstStyle>
+          <a:p>
+            <a:pPr lvl="0"/>
+            <a:r>
+              <a:rPr lang="zh-CN" altLang="en-US"/>
+              <a:t>单击此处编辑母版文本样式</a:t>
+            </a:r>
+          </a:p>
+        </p:txBody>
+      </p:sp>
+      <p:sp>
+        <p:nvSpPr>
+          <p:cNvPr id="6" name="Content Placeholder 5"/>
+          <p:cNvSpPr>
+            <a:spLocks noGrp="1"/>
+          </p:cNvSpPr>
+          <p:nvPr>
+            <p:ph sz="quarter" idx="4"/>
+          </p:nvPr>
+        </p:nvSpPr>
+        <p:spPr>
+          <a:xfrm>
+            <a:off x="6412362" y="2821491"/>
+            <a:ext cx="4645152" cy="2637371"/>
+          </a:xfrm>
+        </p:spPr>
+        <p:txBody>
+          <a:bodyPr/>
+          <a:lstStyle/>
+          <a:p>
+            <a:pPr lvl="0"/>
+            <a:r>
+              <a:rPr lang="zh-CN" altLang="en-US"/>
+              <a:t>单击此处编辑母版文本样式</a:t>
+            </a:r>
+          </a:p>
+          <a:p>
+            <a:pPr lvl="1"/>
+            <a:r>
+              <a:rPr lang="zh-CN" altLang="en-US"/>
+              <a:t>二级</a:t>
+            </a:r>
+          </a:p>
+          <a:p>
+            <a:pPr lvl="2"/>
+            <a:r>
+              <a:rPr lang="zh-CN" altLang="en-US"/>
+              <a:t>三级</a:t>
+            </a:r>
+          </a:p>
+          <a:p>
+            <a:pPr lvl="3"/>
+            <a:r>
+              <a:rPr lang="zh-CN" altLang="en-US"/>
+              <a:t>四级</a:t>
+            </a:r>
+          </a:p>
+          <a:p>
+            <a:pPr lvl="4"/>
+            <a:r>
+              <a:rPr lang="zh-CN" altLang="en-US"/>
+              <a:t>五级</a:t>
+            </a:r>
+            <a:endParaRPr lang="en-US" dirty="0"/>
+          </a:p>
+        </p:txBody>
+      </p:sp>
+      <p:sp>
+        <p:nvSpPr>
+          <p:cNvPr id="7" name="Date Placeholder 6"/>
+          <p:cNvSpPr>
+            <a:spLocks noGrp="1"/>
+          </p:cNvSpPr>
+          <p:nvPr>
+            <p:ph type="dt" sz="half" idx="10"/>
+          </p:nvPr>
+        </p:nvSpPr>
+        <p:spPr/>
+        <p:txBody>
+          <a:bodyPr/>
+          <a:lstStyle/>
+          <a:p>
+            <a:fld id="{9F2E0E96-8939-4B42-AD6D-D7AB4B81F72E}" type="datetimeFigureOut">
+              <a:rPr lang="zh-CN" altLang="en-US" smtClean="0"/>
+              <a:t>2019/11/1</a:t>
+            </a:fld>
+            <a:endParaRPr lang="zh-CN" altLang="en-US"/>
+          </a:p>
+        </p:txBody>
+      </p:sp>
+      <p:sp>
+        <p:nvSpPr>
+          <p:cNvPr id="8" name="Footer Placeholder 7"/>
+          <p:cNvSpPr>
+            <a:spLocks noGrp="1"/>
+          </p:cNvSpPr>
+          <p:nvPr>
+            <p:ph type="ftr" sz="quarter" idx="11"/>
+          </p:nvPr>
+        </p:nvSpPr>
+        <p:spPr/>
+        <p:txBody>
+          <a:bodyPr/>
+          <a:lstStyle/>
+          <a:p>
+            <a:endParaRPr lang="zh-CN" altLang="en-US"/>
+          </a:p>
+        </p:txBody>
+      </p:sp>
+      <p:sp>
+        <p:nvSpPr>
+          <p:cNvPr id="9" name="Slide Number Placeholder 8"/>
+          <p:cNvSpPr>
+            <a:spLocks noGrp="1"/>
+          </p:cNvSpPr>
+          <p:nvPr>
+            <p:ph type="sldNum" sz="quarter" idx="12"/>
+          </p:nvPr>
+        </p:nvSpPr>
+        <p:spPr/>
+        <p:txBody>
+          <a:bodyPr/>
+          <a:lstStyle/>
+          <a:p>
+            <a:fld id="{5B0FB5BB-E043-451F-907C-BF55034C2A75}" type="slidenum">
+              <a:rPr lang="zh-CN" altLang="en-US" smtClean="0"/>
+              <a:t>‹#›</a:t>
+            </a:fld>
+            <a:endParaRPr lang="zh-CN" altLang="en-US"/>
+          </a:p>
+        </p:txBody>
+      </p:sp>
+      <p:cxnSp>
+        <p:nvCxnSpPr>
+          <p:cNvPr id="29" name="Straight Connector 28"/>
+          <p:cNvCxnSpPr/>
+          <p:nvPr/>
+        </p:nvCxnSpPr>
+        <p:spPr>
+          <a:xfrm>
+            <a:off x="1453896" y="1847088"/>
+            <a:ext cx="9607522" cy="0"/>
+          </a:xfrm>
+          <a:prstGeom prst="line">
+            <a:avLst/>
+          </a:prstGeom>
+          <a:ln w="31750"/>
+        </p:spPr>
+        <p:style>
+          <a:lnRef idx="3">
+            <a:schemeClr val="accent1"/>
+          </a:lnRef>
+          <a:fillRef idx="0">
+            <a:schemeClr val="accent1"/>
+          </a:fillRef>
+          <a:effectRef idx="2">
+            <a:schemeClr val="accent1"/>
+          </a:effectRef>
+          <a:fontRef idx="minor">
+            <a:schemeClr val="tx1"/>
+          </a:fontRef>
+        </p:style>
+      </p:cxnSp>
+    </p:spTree>
+    <p:extLst>
+      <p:ext uri="{BB962C8B-B14F-4D97-AF65-F5344CB8AC3E}">
+        <p14:creationId xmlns:p14="http://schemas.microsoft.com/office/powerpoint/2010/main" val="2713732371"/>
+      </p:ext>
+    </p:extLst>
+  </p:cSld>
+  <p:clrMapOvr>
+    <a:masterClrMapping/>
+  </p:clrMapOvr>
+</p:sldLayout>
+</file>
+
+<file path=ppt/slideLayouts/slideLayout17.xml><?xml version="1.0" encoding="utf-8"?>
+<p:sldLayout xmlns:a="http://schemas.openxmlformats.org/drawingml/2006/main" xmlns:r="http://schemas.openxmlformats.org/officeDocument/2006/relationships" xmlns:p="http://schemas.openxmlformats.org/presentationml/2006/main" type="titleOnly" preserve="1">
+  <p:cSld name="仅标题">
+    <p:spTree>
+      <p:nvGrpSpPr>
+        <p:cNvPr id="1" name=""/>
+        <p:cNvGrpSpPr/>
+        <p:nvPr/>
+      </p:nvGrpSpPr>
+      <p:grpSpPr>
+        <a:xfrm>
+          <a:off x="0" y="0"/>
+          <a:ext cx="0" cy="0"/>
+          <a:chOff x="0" y="0"/>
+          <a:chExt cx="0" cy="0"/>
+        </a:xfrm>
+      </p:grpSpPr>
+      <p:sp>
+        <p:nvSpPr>
+          <p:cNvPr id="2" name="Title 1"/>
+          <p:cNvSpPr>
+            <a:spLocks noGrp="1"/>
+          </p:cNvSpPr>
+          <p:nvPr>
+            <p:ph type="title"/>
+          </p:nvPr>
+        </p:nvSpPr>
+        <p:spPr/>
+        <p:txBody>
+          <a:bodyPr/>
+          <a:lstStyle/>
+          <a:p>
+            <a:r>
+              <a:rPr lang="zh-CN" altLang="en-US"/>
+              <a:t>单击此处编辑母版标题样式</a:t>
+            </a:r>
+            <a:endParaRPr lang="en-US" dirty="0"/>
+          </a:p>
+        </p:txBody>
+      </p:sp>
+      <p:sp>
+        <p:nvSpPr>
+          <p:cNvPr id="3" name="Date Placeholder 2"/>
+          <p:cNvSpPr>
+            <a:spLocks noGrp="1"/>
+          </p:cNvSpPr>
+          <p:nvPr>
+            <p:ph type="dt" sz="half" idx="10"/>
+          </p:nvPr>
+        </p:nvSpPr>
+        <p:spPr/>
+        <p:txBody>
+          <a:bodyPr/>
+          <a:lstStyle/>
+          <a:p>
+            <a:fld id="{9F2E0E96-8939-4B42-AD6D-D7AB4B81F72E}" type="datetimeFigureOut">
+              <a:rPr lang="zh-CN" altLang="en-US" smtClean="0"/>
+              <a:t>2019/11/1</a:t>
+            </a:fld>
+            <a:endParaRPr lang="zh-CN" altLang="en-US"/>
+          </a:p>
+        </p:txBody>
+      </p:sp>
+      <p:sp>
+        <p:nvSpPr>
+          <p:cNvPr id="4" name="Footer Placeholder 3"/>
+          <p:cNvSpPr>
+            <a:spLocks noGrp="1"/>
+          </p:cNvSpPr>
+          <p:nvPr>
+            <p:ph type="ftr" sz="quarter" idx="11"/>
+          </p:nvPr>
+        </p:nvSpPr>
+        <p:spPr/>
+        <p:txBody>
+          <a:bodyPr/>
+          <a:lstStyle/>
+          <a:p>
+            <a:endParaRPr lang="zh-CN" altLang="en-US"/>
+          </a:p>
+        </p:txBody>
+      </p:sp>
+      <p:sp>
+        <p:nvSpPr>
+          <p:cNvPr id="5" name="Slide Number Placeholder 4"/>
+          <p:cNvSpPr>
+            <a:spLocks noGrp="1"/>
+          </p:cNvSpPr>
+          <p:nvPr>
+            <p:ph type="sldNum" sz="quarter" idx="12"/>
+          </p:nvPr>
+        </p:nvSpPr>
+        <p:spPr/>
+        <p:txBody>
+          <a:bodyPr/>
+          <a:lstStyle/>
+          <a:p>
+            <a:fld id="{5B0FB5BB-E043-451F-907C-BF55034C2A75}" type="slidenum">
+              <a:rPr lang="zh-CN" altLang="en-US" smtClean="0"/>
+              <a:t>‹#›</a:t>
+            </a:fld>
+            <a:endParaRPr lang="zh-CN" altLang="en-US"/>
+          </a:p>
+        </p:txBody>
+      </p:sp>
+      <p:cxnSp>
+        <p:nvCxnSpPr>
+          <p:cNvPr id="25" name="Straight Connector 24"/>
+          <p:cNvCxnSpPr/>
+          <p:nvPr/>
+        </p:nvCxnSpPr>
+        <p:spPr>
+          <a:xfrm>
+            <a:off x="1453896" y="1847088"/>
+            <a:ext cx="9607522" cy="0"/>
+          </a:xfrm>
+          <a:prstGeom prst="line">
+            <a:avLst/>
+          </a:prstGeom>
+          <a:ln w="31750"/>
+        </p:spPr>
+        <p:style>
+          <a:lnRef idx="3">
+            <a:schemeClr val="accent1"/>
+          </a:lnRef>
+          <a:fillRef idx="0">
+            <a:schemeClr val="accent1"/>
+          </a:fillRef>
+          <a:effectRef idx="2">
+            <a:schemeClr val="accent1"/>
+          </a:effectRef>
+          <a:fontRef idx="minor">
+            <a:schemeClr val="tx1"/>
+          </a:fontRef>
+        </p:style>
+      </p:cxnSp>
+    </p:spTree>
+    <p:extLst>
+      <p:ext uri="{BB962C8B-B14F-4D97-AF65-F5344CB8AC3E}">
+        <p14:creationId xmlns:p14="http://schemas.microsoft.com/office/powerpoint/2010/main" val="3549898923"/>
+      </p:ext>
+    </p:extLst>
+  </p:cSld>
+  <p:clrMapOvr>
+    <a:masterClrMapping/>
+  </p:clrMapOvr>
+</p:sldLayout>
+</file>
+
+<file path=ppt/slideLayouts/slideLayout18.xml><?xml version="1.0" encoding="utf-8"?>
+<p:sldLayout xmlns:a="http://schemas.openxmlformats.org/drawingml/2006/main" xmlns:r="http://schemas.openxmlformats.org/officeDocument/2006/relationships" xmlns:p="http://schemas.openxmlformats.org/presentationml/2006/main" type="blank" preserve="1">
+  <p:cSld name="空白">
+    <p:spTree>
+      <p:nvGrpSpPr>
+        <p:cNvPr id="1" name=""/>
+        <p:cNvGrpSpPr/>
+        <p:nvPr/>
+      </p:nvGrpSpPr>
+      <p:grpSpPr>
+        <a:xfrm>
+          <a:off x="0" y="0"/>
+          <a:ext cx="0" cy="0"/>
+          <a:chOff x="0" y="0"/>
+          <a:chExt cx="0" cy="0"/>
+        </a:xfrm>
+      </p:grpSpPr>
+      <p:sp>
+        <p:nvSpPr>
+          <p:cNvPr id="2" name="Date Placeholder 1"/>
+          <p:cNvSpPr>
+            <a:spLocks noGrp="1"/>
+          </p:cNvSpPr>
+          <p:nvPr>
+            <p:ph type="dt" sz="half" idx="10"/>
+          </p:nvPr>
+        </p:nvSpPr>
+        <p:spPr/>
+        <p:txBody>
+          <a:bodyPr/>
+          <a:lstStyle/>
+          <a:p>
+            <a:fld id="{9F2E0E96-8939-4B42-AD6D-D7AB4B81F72E}" type="datetimeFigureOut">
+              <a:rPr lang="zh-CN" altLang="en-US" smtClean="0"/>
+              <a:t>2019/11/1</a:t>
+            </a:fld>
+            <a:endParaRPr lang="zh-CN" altLang="en-US"/>
+          </a:p>
+        </p:txBody>
+      </p:sp>
+      <p:sp>
+        <p:nvSpPr>
+          <p:cNvPr id="3" name="Footer Placeholder 2"/>
+          <p:cNvSpPr>
+            <a:spLocks noGrp="1"/>
+          </p:cNvSpPr>
+          <p:nvPr>
+            <p:ph type="ftr" sz="quarter" idx="11"/>
+          </p:nvPr>
+        </p:nvSpPr>
+        <p:spPr/>
+        <p:txBody>
+          <a:bodyPr/>
+          <a:lstStyle/>
+          <a:p>
+            <a:endParaRPr lang="zh-CN" altLang="en-US"/>
+          </a:p>
+        </p:txBody>
+      </p:sp>
+      <p:sp>
+        <p:nvSpPr>
+          <p:cNvPr id="4" name="Slide Number Placeholder 3"/>
+          <p:cNvSpPr>
+            <a:spLocks noGrp="1"/>
+          </p:cNvSpPr>
+          <p:nvPr>
+            <p:ph type="sldNum" sz="quarter" idx="12"/>
+          </p:nvPr>
+        </p:nvSpPr>
+        <p:spPr/>
+        <p:txBody>
+          <a:bodyPr/>
+          <a:lstStyle/>
+          <a:p>
+            <a:fld id="{5B0FB5BB-E043-451F-907C-BF55034C2A75}" type="slidenum">
+              <a:rPr lang="zh-CN" altLang="en-US" smtClean="0"/>
+              <a:t>‹#›</a:t>
+            </a:fld>
+            <a:endParaRPr lang="zh-CN" altLang="en-US"/>
+          </a:p>
+        </p:txBody>
+      </p:sp>
+    </p:spTree>
+    <p:extLst>
+      <p:ext uri="{BB962C8B-B14F-4D97-AF65-F5344CB8AC3E}">
+        <p14:creationId xmlns:p14="http://schemas.microsoft.com/office/powerpoint/2010/main" val="812765649"/>
+      </p:ext>
+    </p:extLst>
+  </p:cSld>
+  <p:clrMapOvr>
+    <a:masterClrMapping/>
+  </p:clrMapOvr>
+</p:sldLayout>
+</file>
+
+<file path=ppt/slideLayouts/slideLayout19.xml><?xml version="1.0" encoding="utf-8"?>
+<p:sldLayout xmlns:a="http://schemas.openxmlformats.org/drawingml/2006/main" xmlns:r="http://schemas.openxmlformats.org/officeDocument/2006/relationships" xmlns:p="http://schemas.openxmlformats.org/presentationml/2006/main" type="objTx" preserve="1">
+  <p:cSld name="内容与标题">
+    <p:spTree>
+      <p:nvGrpSpPr>
+        <p:cNvPr id="1" name=""/>
+        <p:cNvGrpSpPr/>
+        <p:nvPr/>
+      </p:nvGrpSpPr>
+      <p:grpSpPr>
+        <a:xfrm>
+          <a:off x="0" y="0"/>
+          <a:ext cx="0" cy="0"/>
+          <a:chOff x="0" y="0"/>
+          <a:chExt cx="0" cy="0"/>
+        </a:xfrm>
+      </p:grpSpPr>
+      <p:sp>
+        <p:nvSpPr>
+          <p:cNvPr id="2" name="Title 1"/>
+          <p:cNvSpPr>
+            <a:spLocks noGrp="1"/>
+          </p:cNvSpPr>
+          <p:nvPr>
+            <p:ph type="title"/>
+          </p:nvPr>
+        </p:nvSpPr>
+        <p:spPr>
+          <a:xfrm>
+            <a:off x="1444671" y="798973"/>
+            <a:ext cx="3273099" cy="2247117"/>
+          </a:xfrm>
+        </p:spPr>
+        <p:txBody>
+          <a:bodyPr anchor="b">
+            <a:normAutofit/>
+          </a:bodyPr>
+          <a:lstStyle>
+            <a:lvl1pPr algn="l">
+              <a:defRPr sz="2400"/>
+            </a:lvl1pPr>
+          </a:lstStyle>
+          <a:p>
+            <a:r>
+              <a:rPr lang="zh-CN" altLang="en-US"/>
+              <a:t>单击此处编辑母版标题样式</a:t>
+            </a:r>
+            <a:endParaRPr lang="en-US" dirty="0"/>
+          </a:p>
+        </p:txBody>
+      </p:sp>
+      <p:sp>
+        <p:nvSpPr>
+          <p:cNvPr id="3" name="Content Placeholder 2"/>
+          <p:cNvSpPr>
+            <a:spLocks noGrp="1"/>
+          </p:cNvSpPr>
+          <p:nvPr>
+            <p:ph idx="1"/>
+          </p:nvPr>
+        </p:nvSpPr>
+        <p:spPr>
+          <a:xfrm>
+            <a:off x="5043714" y="798974"/>
+            <a:ext cx="6012470" cy="4658826"/>
+          </a:xfrm>
+        </p:spPr>
+        <p:txBody>
+          <a:bodyPr anchor="ctr"/>
+          <a:lstStyle/>
+          <a:p>
+            <a:pPr lvl="0"/>
+            <a:r>
+              <a:rPr lang="zh-CN" altLang="en-US"/>
+              <a:t>单击此处编辑母版文本样式</a:t>
+            </a:r>
+          </a:p>
+          <a:p>
+            <a:pPr lvl="1"/>
+            <a:r>
+              <a:rPr lang="zh-CN" altLang="en-US"/>
+              <a:t>二级</a:t>
+            </a:r>
+          </a:p>
+          <a:p>
+            <a:pPr lvl="2"/>
+            <a:r>
+              <a:rPr lang="zh-CN" altLang="en-US"/>
+              <a:t>三级</a:t>
+            </a:r>
+          </a:p>
+          <a:p>
+            <a:pPr lvl="3"/>
+            <a:r>
+              <a:rPr lang="zh-CN" altLang="en-US"/>
+              <a:t>四级</a:t>
+            </a:r>
+          </a:p>
+          <a:p>
+            <a:pPr lvl="4"/>
+            <a:r>
+              <a:rPr lang="zh-CN" altLang="en-US"/>
+              <a:t>五级</a:t>
+            </a:r>
+            <a:endParaRPr lang="en-US" dirty="0"/>
+          </a:p>
+        </p:txBody>
+      </p:sp>
+      <p:sp>
+        <p:nvSpPr>
+          <p:cNvPr id="4" name="Text Placeholder 3"/>
+          <p:cNvSpPr>
+            <a:spLocks noGrp="1"/>
+          </p:cNvSpPr>
+          <p:nvPr>
+            <p:ph type="body" sz="half" idx="2"/>
+          </p:nvPr>
+        </p:nvSpPr>
+        <p:spPr>
+          <a:xfrm>
+            <a:off x="1444671" y="3205491"/>
+            <a:ext cx="3275013" cy="2248181"/>
+          </a:xfrm>
+        </p:spPr>
+        <p:txBody>
+          <a:bodyPr/>
+          <a:lstStyle>
+            <a:lvl1pPr marL="0" indent="0" algn="l">
+              <a:buNone/>
+              <a:defRPr sz="1600"/>
+            </a:lvl1pPr>
+            <a:lvl2pPr marL="457200" indent="0">
+              <a:buNone/>
+              <a:defRPr sz="1400"/>
+            </a:lvl2pPr>
+            <a:lvl3pPr marL="914400" indent="0">
+              <a:buNone/>
+              <a:defRPr sz="1200"/>
+            </a:lvl3pPr>
+            <a:lvl4pPr marL="1371600" indent="0">
+              <a:buNone/>
+              <a:defRPr sz="1000"/>
+            </a:lvl4pPr>
+            <a:lvl5pPr marL="1828800" indent="0">
+              <a:buNone/>
+              <a:defRPr sz="1000"/>
+            </a:lvl5pPr>
+            <a:lvl6pPr marL="2286000" indent="0">
+              <a:buNone/>
+              <a:defRPr sz="1000"/>
+            </a:lvl6pPr>
+            <a:lvl7pPr marL="2743200" indent="0">
+              <a:buNone/>
+              <a:defRPr sz="1000"/>
+            </a:lvl7pPr>
+            <a:lvl8pPr marL="3200400" indent="0">
+              <a:buNone/>
+              <a:defRPr sz="1000"/>
+            </a:lvl8pPr>
+            <a:lvl9pPr marL="3657600" indent="0">
+              <a:buNone/>
+              <a:defRPr sz="1000"/>
+            </a:lvl9pPr>
+          </a:lstStyle>
+          <a:p>
+            <a:pPr lvl="0"/>
+            <a:r>
+              <a:rPr lang="zh-CN" altLang="en-US"/>
+              <a:t>单击此处编辑母版文本样式</a:t>
+            </a:r>
+          </a:p>
+        </p:txBody>
+      </p:sp>
+      <p:sp>
+        <p:nvSpPr>
+          <p:cNvPr id="5" name="Date Placeholder 4"/>
+          <p:cNvSpPr>
+            <a:spLocks noGrp="1"/>
+          </p:cNvSpPr>
+          <p:nvPr>
+            <p:ph type="dt" sz="half" idx="10"/>
+          </p:nvPr>
+        </p:nvSpPr>
+        <p:spPr/>
+        <p:txBody>
+          <a:bodyPr/>
+          <a:lstStyle/>
+          <a:p>
+            <a:fld id="{9F2E0E96-8939-4B42-AD6D-D7AB4B81F72E}" type="datetimeFigureOut">
+              <a:rPr lang="zh-CN" altLang="en-US" smtClean="0"/>
+              <a:t>2019/11/1</a:t>
+            </a:fld>
+            <a:endParaRPr lang="zh-CN" altLang="en-US"/>
+          </a:p>
+        </p:txBody>
+      </p:sp>
+      <p:sp>
+        <p:nvSpPr>
+          <p:cNvPr id="6" name="Footer Placeholder 5"/>
+          <p:cNvSpPr>
+            <a:spLocks noGrp="1"/>
+          </p:cNvSpPr>
+          <p:nvPr>
+            <p:ph type="ftr" sz="quarter" idx="11"/>
+          </p:nvPr>
+        </p:nvSpPr>
+        <p:spPr/>
+        <p:txBody>
+          <a:bodyPr/>
+          <a:lstStyle/>
+          <a:p>
+            <a:endParaRPr lang="zh-CN" altLang="en-US"/>
+          </a:p>
+        </p:txBody>
+      </p:sp>
+      <p:sp>
+        <p:nvSpPr>
+          <p:cNvPr id="7" name="Slide Number Placeholder 6"/>
+          <p:cNvSpPr>
+            <a:spLocks noGrp="1"/>
+          </p:cNvSpPr>
+          <p:nvPr>
+            <p:ph type="sldNum" sz="quarter" idx="12"/>
+          </p:nvPr>
+        </p:nvSpPr>
+        <p:spPr/>
+        <p:txBody>
+          <a:bodyPr/>
+          <a:lstStyle/>
+          <a:p>
+            <a:fld id="{5B0FB5BB-E043-451F-907C-BF55034C2A75}" type="slidenum">
+              <a:rPr lang="zh-CN" altLang="en-US" smtClean="0"/>
+              <a:t>‹#›</a:t>
+            </a:fld>
+            <a:endParaRPr lang="zh-CN" altLang="en-US"/>
+          </a:p>
+        </p:txBody>
+      </p:sp>
+      <p:cxnSp>
+        <p:nvCxnSpPr>
+          <p:cNvPr id="17" name="Straight Connector 16"/>
+          <p:cNvCxnSpPr/>
+          <p:nvPr/>
+        </p:nvCxnSpPr>
+        <p:spPr>
+          <a:xfrm>
+            <a:off x="1448280" y="3205491"/>
+            <a:ext cx="3269490" cy="0"/>
+          </a:xfrm>
+          <a:prstGeom prst="line">
+            <a:avLst/>
+          </a:prstGeom>
+          <a:ln w="31750"/>
+        </p:spPr>
+        <p:style>
+          <a:lnRef idx="3">
+            <a:schemeClr val="accent1"/>
+          </a:lnRef>
+          <a:fillRef idx="0">
+            <a:schemeClr val="accent1"/>
+          </a:fillRef>
+          <a:effectRef idx="2">
+            <a:schemeClr val="accent1"/>
+          </a:effectRef>
+          <a:fontRef idx="minor">
+            <a:schemeClr val="tx1"/>
+          </a:fontRef>
+        </p:style>
+      </p:cxnSp>
+    </p:spTree>
+    <p:extLst>
+      <p:ext uri="{BB962C8B-B14F-4D97-AF65-F5344CB8AC3E}">
+        <p14:creationId xmlns:p14="http://schemas.microsoft.com/office/powerpoint/2010/main" val="781737162"/>
+      </p:ext>
+    </p:extLst>
+  </p:cSld>
+  <p:clrMapOvr>
+    <a:masterClrMapping/>
+  </p:clrMapOvr>
+</p:sldLayout>
+</file>
+
 <file path=ppt/slideLayouts/slideLayout2.xml><?xml version="1.0" encoding="utf-8"?>
 <p:sldLayout xmlns:a="http://schemas.openxmlformats.org/drawingml/2006/main" xmlns:r="http://schemas.openxmlformats.org/officeDocument/2006/relationships" xmlns:p="http://schemas.openxmlformats.org/presentationml/2006/main" type="obj" preserve="1">
   <p:cSld name="标题和内容">
@@ -928,6 +2861,872 @@
     <p:extLst>
       <p:ext uri="{BB962C8B-B14F-4D97-AF65-F5344CB8AC3E}">
         <p14:creationId xmlns:p14="http://schemas.microsoft.com/office/powerpoint/2010/main" val="628770833"/>
+      </p:ext>
+    </p:extLst>
+  </p:cSld>
+  <p:clrMapOvr>
+    <a:masterClrMapping/>
+  </p:clrMapOvr>
+</p:sldLayout>
+</file>
+
+<file path=ppt/slideLayouts/slideLayout20.xml><?xml version="1.0" encoding="utf-8"?>
+<p:sldLayout xmlns:a="http://schemas.openxmlformats.org/drawingml/2006/main" xmlns:r="http://schemas.openxmlformats.org/officeDocument/2006/relationships" xmlns:p="http://schemas.openxmlformats.org/presentationml/2006/main" type="picTx" preserve="1">
+  <p:cSld name="图片与标题">
+    <p:spTree>
+      <p:nvGrpSpPr>
+        <p:cNvPr id="1" name=""/>
+        <p:cNvGrpSpPr/>
+        <p:nvPr/>
+      </p:nvGrpSpPr>
+      <p:grpSpPr>
+        <a:xfrm>
+          <a:off x="0" y="0"/>
+          <a:ext cx="0" cy="0"/>
+          <a:chOff x="0" y="0"/>
+          <a:chExt cx="0" cy="0"/>
+        </a:xfrm>
+      </p:grpSpPr>
+      <p:grpSp>
+        <p:nvGrpSpPr>
+          <p:cNvPr id="8" name="Group 7"/>
+          <p:cNvGrpSpPr/>
+          <p:nvPr/>
+        </p:nvGrpSpPr>
+        <p:grpSpPr>
+          <a:xfrm>
+            <a:off x="7477387" y="482170"/>
+            <a:ext cx="4074533" cy="5149101"/>
+            <a:chOff x="7477387" y="482170"/>
+            <a:chExt cx="4074533" cy="5149101"/>
+          </a:xfrm>
+        </p:grpSpPr>
+        <p:sp>
+          <p:nvSpPr>
+            <p:cNvPr id="18" name="Rectangle 17"/>
+            <p:cNvSpPr/>
+            <p:nvPr/>
+          </p:nvSpPr>
+          <p:spPr bwMode="black">
+            <a:xfrm>
+              <a:off x="7477387" y="482170"/>
+              <a:ext cx="4074533" cy="5149101"/>
+            </a:xfrm>
+            <a:prstGeom prst="rect">
+              <a:avLst/>
+            </a:prstGeom>
+            <a:gradFill>
+              <a:gsLst>
+                <a:gs pos="0">
+                  <a:srgbClr val="000001"/>
+                </a:gs>
+                <a:gs pos="100000">
+                  <a:srgbClr val="191919"/>
+                </a:gs>
+              </a:gsLst>
+            </a:gradFill>
+            <a:ln w="76200" cmpd="sng">
+              <a:noFill/>
+              <a:miter lim="800000"/>
+            </a:ln>
+            <a:effectLst>
+              <a:outerShdw blurRad="127000" dist="228600" dir="4740000" sx="98000" sy="98000" algn="tl" rotWithShape="0">
+                <a:srgbClr val="000000">
+                  <a:alpha val="34000"/>
+                </a:srgbClr>
+              </a:outerShdw>
+            </a:effectLst>
+            <a:scene3d>
+              <a:camera prst="orthographicFront"/>
+              <a:lightRig rig="threePt" dir="t"/>
+            </a:scene3d>
+            <a:sp3d>
+              <a:bevelT w="152400" h="50800" prst="softRound"/>
+            </a:sp3d>
+          </p:spPr>
+          <p:style>
+            <a:lnRef idx="1">
+              <a:schemeClr val="accent1"/>
+            </a:lnRef>
+            <a:fillRef idx="3">
+              <a:schemeClr val="accent1"/>
+            </a:fillRef>
+            <a:effectRef idx="2">
+              <a:schemeClr val="accent1"/>
+            </a:effectRef>
+            <a:fontRef idx="minor">
+              <a:schemeClr val="lt1"/>
+            </a:fontRef>
+          </p:style>
+        </p:sp>
+        <p:sp>
+          <p:nvSpPr>
+            <p:cNvPr id="19" name="Rectangle 18"/>
+            <p:cNvSpPr/>
+            <p:nvPr/>
+          </p:nvSpPr>
+          <p:spPr bwMode="blackWhite">
+            <a:xfrm>
+              <a:off x="7790446" y="812506"/>
+              <a:ext cx="3450289" cy="4466452"/>
+            </a:xfrm>
+            <a:prstGeom prst="rect">
+              <a:avLst/>
+            </a:prstGeom>
+            <a:gradFill>
+              <a:gsLst>
+                <a:gs pos="0">
+                  <a:srgbClr val="DADADA"/>
+                </a:gs>
+                <a:gs pos="100000">
+                  <a:srgbClr val="FFFFFE"/>
+                </a:gs>
+              </a:gsLst>
+              <a:lin ang="16200000" scaled="0"/>
+            </a:gradFill>
+            <a:ln w="50800" cmpd="sng">
+              <a:solidFill>
+                <a:srgbClr val="191919"/>
+              </a:solidFill>
+              <a:miter lim="800000"/>
+            </a:ln>
+            <a:effectLst>
+              <a:innerShdw blurRad="63500" dist="88900" dir="14100000">
+                <a:srgbClr val="000000">
+                  <a:alpha val="30000"/>
+                </a:srgbClr>
+              </a:innerShdw>
+            </a:effectLst>
+            <a:scene3d>
+              <a:camera prst="orthographicFront"/>
+              <a:lightRig rig="threePt" dir="t"/>
+            </a:scene3d>
+            <a:sp3d>
+              <a:bevelT prst="relaxedInset"/>
+            </a:sp3d>
+          </p:spPr>
+          <p:style>
+            <a:lnRef idx="1">
+              <a:schemeClr val="accent1"/>
+            </a:lnRef>
+            <a:fillRef idx="3">
+              <a:schemeClr val="accent1"/>
+            </a:fillRef>
+            <a:effectRef idx="2">
+              <a:schemeClr val="accent1"/>
+            </a:effectRef>
+            <a:fontRef idx="minor">
+              <a:schemeClr val="lt1"/>
+            </a:fontRef>
+          </p:style>
+        </p:sp>
+      </p:grpSp>
+      <p:sp>
+        <p:nvSpPr>
+          <p:cNvPr id="2" name="Title 1"/>
+          <p:cNvSpPr>
+            <a:spLocks noGrp="1"/>
+          </p:cNvSpPr>
+          <p:nvPr>
+            <p:ph type="title"/>
+          </p:nvPr>
+        </p:nvSpPr>
+        <p:spPr>
+          <a:xfrm>
+            <a:off x="1451206" y="1129513"/>
+            <a:ext cx="5532328" cy="1830584"/>
+          </a:xfrm>
+        </p:spPr>
+        <p:txBody>
+          <a:bodyPr anchor="b">
+            <a:normAutofit/>
+          </a:bodyPr>
+          <a:lstStyle>
+            <a:lvl1pPr>
+              <a:defRPr sz="3200"/>
+            </a:lvl1pPr>
+          </a:lstStyle>
+          <a:p>
+            <a:r>
+              <a:rPr lang="zh-CN" altLang="en-US"/>
+              <a:t>单击此处编辑母版标题样式</a:t>
+            </a:r>
+            <a:endParaRPr lang="en-US" dirty="0"/>
+          </a:p>
+        </p:txBody>
+      </p:sp>
+      <p:sp>
+        <p:nvSpPr>
+          <p:cNvPr id="3" name="Picture Placeholder 2"/>
+          <p:cNvSpPr>
+            <a:spLocks noGrp="1" noChangeAspect="1"/>
+          </p:cNvSpPr>
+          <p:nvPr>
+            <p:ph type="pic" idx="1"/>
+          </p:nvPr>
+        </p:nvSpPr>
+        <p:spPr>
+          <a:xfrm>
+            <a:off x="8124389" y="1122542"/>
+            <a:ext cx="2791171" cy="3866327"/>
+          </a:xfrm>
+          <a:solidFill>
+            <a:schemeClr val="bg1">
+              <a:lumMod val="85000"/>
+            </a:schemeClr>
+          </a:solidFill>
+          <a:ln w="9525" cap="sq">
+            <a:noFill/>
+            <a:miter lim="800000"/>
+          </a:ln>
+          <a:effectLst/>
+        </p:spPr>
+        <p:txBody>
+          <a:bodyPr anchor="t"/>
+          <a:lstStyle>
+            <a:lvl1pPr marL="0" indent="0" algn="ctr">
+              <a:buNone/>
+              <a:defRPr sz="3200"/>
+            </a:lvl1pPr>
+            <a:lvl2pPr marL="457200" indent="0">
+              <a:buNone/>
+              <a:defRPr sz="2800"/>
+            </a:lvl2pPr>
+            <a:lvl3pPr marL="914400" indent="0">
+              <a:buNone/>
+              <a:defRPr sz="2400"/>
+            </a:lvl3pPr>
+            <a:lvl4pPr marL="1371600" indent="0">
+              <a:buNone/>
+              <a:defRPr sz="2000"/>
+            </a:lvl4pPr>
+            <a:lvl5pPr marL="1828800" indent="0">
+              <a:buNone/>
+              <a:defRPr sz="2000"/>
+            </a:lvl5pPr>
+            <a:lvl6pPr marL="2286000" indent="0">
+              <a:buNone/>
+              <a:defRPr sz="2000"/>
+            </a:lvl6pPr>
+            <a:lvl7pPr marL="2743200" indent="0">
+              <a:buNone/>
+              <a:defRPr sz="2000"/>
+            </a:lvl7pPr>
+            <a:lvl8pPr marL="3200400" indent="0">
+              <a:buNone/>
+              <a:defRPr sz="2000"/>
+            </a:lvl8pPr>
+            <a:lvl9pPr marL="3657600" indent="0">
+              <a:buNone/>
+              <a:defRPr sz="2000"/>
+            </a:lvl9pPr>
+          </a:lstStyle>
+          <a:p>
+            <a:r>
+              <a:rPr lang="zh-CN" altLang="en-US"/>
+              <a:t>单击图标添加图片</a:t>
+            </a:r>
+            <a:endParaRPr lang="en-US" dirty="0"/>
+          </a:p>
+        </p:txBody>
+      </p:sp>
+      <p:sp>
+        <p:nvSpPr>
+          <p:cNvPr id="4" name="Text Placeholder 3"/>
+          <p:cNvSpPr>
+            <a:spLocks noGrp="1"/>
+          </p:cNvSpPr>
+          <p:nvPr>
+            <p:ph type="body" sz="half" idx="2"/>
+          </p:nvPr>
+        </p:nvSpPr>
+        <p:spPr>
+          <a:xfrm>
+            <a:off x="1450329" y="3145992"/>
+            <a:ext cx="5524404" cy="2003742"/>
+          </a:xfrm>
+        </p:spPr>
+        <p:txBody>
+          <a:bodyPr>
+            <a:normAutofit/>
+          </a:bodyPr>
+          <a:lstStyle>
+            <a:lvl1pPr marL="0" indent="0" algn="l">
+              <a:buNone/>
+              <a:defRPr sz="1800"/>
+            </a:lvl1pPr>
+            <a:lvl2pPr marL="457200" indent="0">
+              <a:buNone/>
+              <a:defRPr sz="1400"/>
+            </a:lvl2pPr>
+            <a:lvl3pPr marL="914400" indent="0">
+              <a:buNone/>
+              <a:defRPr sz="1200"/>
+            </a:lvl3pPr>
+            <a:lvl4pPr marL="1371600" indent="0">
+              <a:buNone/>
+              <a:defRPr sz="1000"/>
+            </a:lvl4pPr>
+            <a:lvl5pPr marL="1828800" indent="0">
+              <a:buNone/>
+              <a:defRPr sz="1000"/>
+            </a:lvl5pPr>
+            <a:lvl6pPr marL="2286000" indent="0">
+              <a:buNone/>
+              <a:defRPr sz="1000"/>
+            </a:lvl6pPr>
+            <a:lvl7pPr marL="2743200" indent="0">
+              <a:buNone/>
+              <a:defRPr sz="1000"/>
+            </a:lvl7pPr>
+            <a:lvl8pPr marL="3200400" indent="0">
+              <a:buNone/>
+              <a:defRPr sz="1000"/>
+            </a:lvl8pPr>
+            <a:lvl9pPr marL="3657600" indent="0">
+              <a:buNone/>
+              <a:defRPr sz="1000"/>
+            </a:lvl9pPr>
+          </a:lstStyle>
+          <a:p>
+            <a:pPr lvl="0"/>
+            <a:r>
+              <a:rPr lang="zh-CN" altLang="en-US"/>
+              <a:t>单击此处编辑母版文本样式</a:t>
+            </a:r>
+          </a:p>
+        </p:txBody>
+      </p:sp>
+      <p:sp>
+        <p:nvSpPr>
+          <p:cNvPr id="5" name="Date Placeholder 4"/>
+          <p:cNvSpPr>
+            <a:spLocks noGrp="1"/>
+          </p:cNvSpPr>
+          <p:nvPr>
+            <p:ph type="dt" sz="half" idx="10"/>
+          </p:nvPr>
+        </p:nvSpPr>
+        <p:spPr>
+          <a:xfrm>
+            <a:off x="1447382" y="5469856"/>
+            <a:ext cx="5527351" cy="320123"/>
+          </a:xfrm>
+        </p:spPr>
+        <p:txBody>
+          <a:bodyPr/>
+          <a:lstStyle>
+            <a:lvl1pPr algn="l">
+              <a:defRPr/>
+            </a:lvl1pPr>
+          </a:lstStyle>
+          <a:p>
+            <a:fld id="{9F2E0E96-8939-4B42-AD6D-D7AB4B81F72E}" type="datetimeFigureOut">
+              <a:rPr lang="zh-CN" altLang="en-US" smtClean="0"/>
+              <a:t>2019/11/1</a:t>
+            </a:fld>
+            <a:endParaRPr lang="zh-CN" altLang="en-US"/>
+          </a:p>
+        </p:txBody>
+      </p:sp>
+      <p:sp>
+        <p:nvSpPr>
+          <p:cNvPr id="6" name="Footer Placeholder 5"/>
+          <p:cNvSpPr>
+            <a:spLocks noGrp="1"/>
+          </p:cNvSpPr>
+          <p:nvPr>
+            <p:ph type="ftr" sz="quarter" idx="11"/>
+          </p:nvPr>
+        </p:nvSpPr>
+        <p:spPr>
+          <a:xfrm>
+            <a:off x="1447382" y="318640"/>
+            <a:ext cx="5541004" cy="320931"/>
+          </a:xfrm>
+        </p:spPr>
+        <p:txBody>
+          <a:bodyPr/>
+          <a:lstStyle/>
+          <a:p>
+            <a:endParaRPr lang="zh-CN" altLang="en-US"/>
+          </a:p>
+        </p:txBody>
+      </p:sp>
+      <p:sp>
+        <p:nvSpPr>
+          <p:cNvPr id="7" name="Slide Number Placeholder 6"/>
+          <p:cNvSpPr>
+            <a:spLocks noGrp="1"/>
+          </p:cNvSpPr>
+          <p:nvPr>
+            <p:ph type="sldNum" sz="quarter" idx="12"/>
+          </p:nvPr>
+        </p:nvSpPr>
+        <p:spPr/>
+        <p:txBody>
+          <a:bodyPr/>
+          <a:lstStyle/>
+          <a:p>
+            <a:fld id="{5B0FB5BB-E043-451F-907C-BF55034C2A75}" type="slidenum">
+              <a:rPr lang="zh-CN" altLang="en-US" smtClean="0"/>
+              <a:t>‹#›</a:t>
+            </a:fld>
+            <a:endParaRPr lang="zh-CN" altLang="en-US"/>
+          </a:p>
+        </p:txBody>
+      </p:sp>
+      <p:cxnSp>
+        <p:nvCxnSpPr>
+          <p:cNvPr id="31" name="Straight Connector 30"/>
+          <p:cNvCxnSpPr/>
+          <p:nvPr/>
+        </p:nvCxnSpPr>
+        <p:spPr>
+          <a:xfrm>
+            <a:off x="1447382" y="3143605"/>
+            <a:ext cx="5527351" cy="0"/>
+          </a:xfrm>
+          <a:prstGeom prst="line">
+            <a:avLst/>
+          </a:prstGeom>
+          <a:ln w="31750"/>
+        </p:spPr>
+        <p:style>
+          <a:lnRef idx="3">
+            <a:schemeClr val="accent1"/>
+          </a:lnRef>
+          <a:fillRef idx="0">
+            <a:schemeClr val="accent1"/>
+          </a:fillRef>
+          <a:effectRef idx="2">
+            <a:schemeClr val="accent1"/>
+          </a:effectRef>
+          <a:fontRef idx="minor">
+            <a:schemeClr val="tx1"/>
+          </a:fontRef>
+        </p:style>
+      </p:cxnSp>
+    </p:spTree>
+    <p:extLst>
+      <p:ext uri="{BB962C8B-B14F-4D97-AF65-F5344CB8AC3E}">
+        <p14:creationId xmlns:p14="http://schemas.microsoft.com/office/powerpoint/2010/main" val="226261302"/>
+      </p:ext>
+    </p:extLst>
+  </p:cSld>
+  <p:clrMapOvr>
+    <a:masterClrMapping/>
+  </p:clrMapOvr>
+</p:sldLayout>
+</file>
+
+<file path=ppt/slideLayouts/slideLayout21.xml><?xml version="1.0" encoding="utf-8"?>
+<p:sldLayout xmlns:a="http://schemas.openxmlformats.org/drawingml/2006/main" xmlns:r="http://schemas.openxmlformats.org/officeDocument/2006/relationships" xmlns:p="http://schemas.openxmlformats.org/presentationml/2006/main" type="vertTx" preserve="1">
+  <p:cSld name="标题和竖排文字">
+    <p:spTree>
+      <p:nvGrpSpPr>
+        <p:cNvPr id="1" name=""/>
+        <p:cNvGrpSpPr/>
+        <p:nvPr/>
+      </p:nvGrpSpPr>
+      <p:grpSpPr>
+        <a:xfrm>
+          <a:off x="0" y="0"/>
+          <a:ext cx="0" cy="0"/>
+          <a:chOff x="0" y="0"/>
+          <a:chExt cx="0" cy="0"/>
+        </a:xfrm>
+      </p:grpSpPr>
+      <p:sp>
+        <p:nvSpPr>
+          <p:cNvPr id="2" name="Title 1"/>
+          <p:cNvSpPr>
+            <a:spLocks noGrp="1"/>
+          </p:cNvSpPr>
+          <p:nvPr>
+            <p:ph type="title"/>
+          </p:nvPr>
+        </p:nvSpPr>
+        <p:spPr/>
+        <p:txBody>
+          <a:bodyPr/>
+          <a:lstStyle/>
+          <a:p>
+            <a:r>
+              <a:rPr lang="zh-CN" altLang="en-US"/>
+              <a:t>单击此处编辑母版标题样式</a:t>
+            </a:r>
+            <a:endParaRPr lang="en-US" dirty="0"/>
+          </a:p>
+        </p:txBody>
+      </p:sp>
+      <p:sp>
+        <p:nvSpPr>
+          <p:cNvPr id="3" name="Vertical Text Placeholder 2"/>
+          <p:cNvSpPr>
+            <a:spLocks noGrp="1"/>
+          </p:cNvSpPr>
+          <p:nvPr>
+            <p:ph type="body" orient="vert" idx="1"/>
+          </p:nvPr>
+        </p:nvSpPr>
+        <p:spPr/>
+        <p:txBody>
+          <a:bodyPr vert="eaVert"/>
+          <a:lstStyle/>
+          <a:p>
+            <a:pPr lvl="0"/>
+            <a:r>
+              <a:rPr lang="zh-CN" altLang="en-US"/>
+              <a:t>单击此处编辑母版文本样式</a:t>
+            </a:r>
+          </a:p>
+          <a:p>
+            <a:pPr lvl="1"/>
+            <a:r>
+              <a:rPr lang="zh-CN" altLang="en-US"/>
+              <a:t>二级</a:t>
+            </a:r>
+          </a:p>
+          <a:p>
+            <a:pPr lvl="2"/>
+            <a:r>
+              <a:rPr lang="zh-CN" altLang="en-US"/>
+              <a:t>三级</a:t>
+            </a:r>
+          </a:p>
+          <a:p>
+            <a:pPr lvl="3"/>
+            <a:r>
+              <a:rPr lang="zh-CN" altLang="en-US"/>
+              <a:t>四级</a:t>
+            </a:r>
+          </a:p>
+          <a:p>
+            <a:pPr lvl="4"/>
+            <a:r>
+              <a:rPr lang="zh-CN" altLang="en-US"/>
+              <a:t>五级</a:t>
+            </a:r>
+            <a:endParaRPr lang="en-US" dirty="0"/>
+          </a:p>
+        </p:txBody>
+      </p:sp>
+      <p:sp>
+        <p:nvSpPr>
+          <p:cNvPr id="4" name="Date Placeholder 3"/>
+          <p:cNvSpPr>
+            <a:spLocks noGrp="1"/>
+          </p:cNvSpPr>
+          <p:nvPr>
+            <p:ph type="dt" sz="half" idx="10"/>
+          </p:nvPr>
+        </p:nvSpPr>
+        <p:spPr/>
+        <p:txBody>
+          <a:bodyPr/>
+          <a:lstStyle/>
+          <a:p>
+            <a:fld id="{9F2E0E96-8939-4B42-AD6D-D7AB4B81F72E}" type="datetimeFigureOut">
+              <a:rPr lang="zh-CN" altLang="en-US" smtClean="0"/>
+              <a:t>2019/11/1</a:t>
+            </a:fld>
+            <a:endParaRPr lang="zh-CN" altLang="en-US"/>
+          </a:p>
+        </p:txBody>
+      </p:sp>
+      <p:sp>
+        <p:nvSpPr>
+          <p:cNvPr id="5" name="Footer Placeholder 4"/>
+          <p:cNvSpPr>
+            <a:spLocks noGrp="1"/>
+          </p:cNvSpPr>
+          <p:nvPr>
+            <p:ph type="ftr" sz="quarter" idx="11"/>
+          </p:nvPr>
+        </p:nvSpPr>
+        <p:spPr/>
+        <p:txBody>
+          <a:bodyPr/>
+          <a:lstStyle/>
+          <a:p>
+            <a:endParaRPr lang="zh-CN" altLang="en-US"/>
+          </a:p>
+        </p:txBody>
+      </p:sp>
+      <p:sp>
+        <p:nvSpPr>
+          <p:cNvPr id="6" name="Slide Number Placeholder 5"/>
+          <p:cNvSpPr>
+            <a:spLocks noGrp="1"/>
+          </p:cNvSpPr>
+          <p:nvPr>
+            <p:ph type="sldNum" sz="quarter" idx="12"/>
+          </p:nvPr>
+        </p:nvSpPr>
+        <p:spPr/>
+        <p:txBody>
+          <a:bodyPr/>
+          <a:lstStyle/>
+          <a:p>
+            <a:fld id="{5B0FB5BB-E043-451F-907C-BF55034C2A75}" type="slidenum">
+              <a:rPr lang="zh-CN" altLang="en-US" smtClean="0"/>
+              <a:t>‹#›</a:t>
+            </a:fld>
+            <a:endParaRPr lang="zh-CN" altLang="en-US"/>
+          </a:p>
+        </p:txBody>
+      </p:sp>
+      <p:cxnSp>
+        <p:nvCxnSpPr>
+          <p:cNvPr id="26" name="Straight Connector 25"/>
+          <p:cNvCxnSpPr/>
+          <p:nvPr/>
+        </p:nvCxnSpPr>
+        <p:spPr>
+          <a:xfrm>
+            <a:off x="1453896" y="1847088"/>
+            <a:ext cx="9607522" cy="0"/>
+          </a:xfrm>
+          <a:prstGeom prst="line">
+            <a:avLst/>
+          </a:prstGeom>
+          <a:ln w="31750"/>
+        </p:spPr>
+        <p:style>
+          <a:lnRef idx="3">
+            <a:schemeClr val="accent1"/>
+          </a:lnRef>
+          <a:fillRef idx="0">
+            <a:schemeClr val="accent1"/>
+          </a:fillRef>
+          <a:effectRef idx="2">
+            <a:schemeClr val="accent1"/>
+          </a:effectRef>
+          <a:fontRef idx="minor">
+            <a:schemeClr val="tx1"/>
+          </a:fontRef>
+        </p:style>
+      </p:cxnSp>
+    </p:spTree>
+    <p:extLst>
+      <p:ext uri="{BB962C8B-B14F-4D97-AF65-F5344CB8AC3E}">
+        <p14:creationId xmlns:p14="http://schemas.microsoft.com/office/powerpoint/2010/main" val="674987174"/>
+      </p:ext>
+    </p:extLst>
+  </p:cSld>
+  <p:clrMapOvr>
+    <a:masterClrMapping/>
+  </p:clrMapOvr>
+</p:sldLayout>
+</file>
+
+<file path=ppt/slideLayouts/slideLayout22.xml><?xml version="1.0" encoding="utf-8"?>
+<p:sldLayout xmlns:a="http://schemas.openxmlformats.org/drawingml/2006/main" xmlns:r="http://schemas.openxmlformats.org/officeDocument/2006/relationships" xmlns:p="http://schemas.openxmlformats.org/presentationml/2006/main" type="vertTitleAndTx" preserve="1">
+  <p:cSld name="竖排标题与文本">
+    <p:spTree>
+      <p:nvGrpSpPr>
+        <p:cNvPr id="1" name=""/>
+        <p:cNvGrpSpPr/>
+        <p:nvPr/>
+      </p:nvGrpSpPr>
+      <p:grpSpPr>
+        <a:xfrm>
+          <a:off x="0" y="0"/>
+          <a:ext cx="0" cy="0"/>
+          <a:chOff x="0" y="0"/>
+          <a:chExt cx="0" cy="0"/>
+        </a:xfrm>
+      </p:grpSpPr>
+      <p:sp>
+        <p:nvSpPr>
+          <p:cNvPr id="2" name="Vertical Title 1"/>
+          <p:cNvSpPr>
+            <a:spLocks noGrp="1"/>
+          </p:cNvSpPr>
+          <p:nvPr>
+            <p:ph type="title" orient="vert"/>
+          </p:nvPr>
+        </p:nvSpPr>
+        <p:spPr>
+          <a:xfrm>
+            <a:off x="9439111" y="798973"/>
+            <a:ext cx="1615742" cy="4659889"/>
+          </a:xfrm>
+        </p:spPr>
+        <p:txBody>
+          <a:bodyPr vert="eaVert"/>
+          <a:lstStyle>
+            <a:lvl1pPr algn="l">
+              <a:defRPr/>
+            </a:lvl1pPr>
+          </a:lstStyle>
+          <a:p>
+            <a:r>
+              <a:rPr lang="zh-CN" altLang="en-US"/>
+              <a:t>单击此处编辑母版标题样式</a:t>
+            </a:r>
+            <a:endParaRPr lang="en-US" dirty="0"/>
+          </a:p>
+        </p:txBody>
+      </p:sp>
+      <p:sp>
+        <p:nvSpPr>
+          <p:cNvPr id="3" name="Vertical Text Placeholder 2"/>
+          <p:cNvSpPr>
+            <a:spLocks noGrp="1"/>
+          </p:cNvSpPr>
+          <p:nvPr>
+            <p:ph type="body" orient="vert" idx="1"/>
+          </p:nvPr>
+        </p:nvSpPr>
+        <p:spPr>
+          <a:xfrm>
+            <a:off x="1444672" y="798973"/>
+            <a:ext cx="7828830" cy="4659889"/>
+          </a:xfrm>
+        </p:spPr>
+        <p:txBody>
+          <a:bodyPr vert="eaVert"/>
+          <a:lstStyle/>
+          <a:p>
+            <a:pPr lvl="0"/>
+            <a:r>
+              <a:rPr lang="zh-CN" altLang="en-US"/>
+              <a:t>单击此处编辑母版文本样式</a:t>
+            </a:r>
+          </a:p>
+          <a:p>
+            <a:pPr lvl="1"/>
+            <a:r>
+              <a:rPr lang="zh-CN" altLang="en-US"/>
+              <a:t>二级</a:t>
+            </a:r>
+          </a:p>
+          <a:p>
+            <a:pPr lvl="2"/>
+            <a:r>
+              <a:rPr lang="zh-CN" altLang="en-US"/>
+              <a:t>三级</a:t>
+            </a:r>
+          </a:p>
+          <a:p>
+            <a:pPr lvl="3"/>
+            <a:r>
+              <a:rPr lang="zh-CN" altLang="en-US"/>
+              <a:t>四级</a:t>
+            </a:r>
+          </a:p>
+          <a:p>
+            <a:pPr lvl="4"/>
+            <a:r>
+              <a:rPr lang="zh-CN" altLang="en-US"/>
+              <a:t>五级</a:t>
+            </a:r>
+            <a:endParaRPr lang="en-US" dirty="0"/>
+          </a:p>
+        </p:txBody>
+      </p:sp>
+      <p:sp>
+        <p:nvSpPr>
+          <p:cNvPr id="4" name="Date Placeholder 3"/>
+          <p:cNvSpPr>
+            <a:spLocks noGrp="1"/>
+          </p:cNvSpPr>
+          <p:nvPr>
+            <p:ph type="dt" sz="half" idx="10"/>
+          </p:nvPr>
+        </p:nvSpPr>
+        <p:spPr/>
+        <p:txBody>
+          <a:bodyPr/>
+          <a:lstStyle/>
+          <a:p>
+            <a:fld id="{9F2E0E96-8939-4B42-AD6D-D7AB4B81F72E}" type="datetimeFigureOut">
+              <a:rPr lang="zh-CN" altLang="en-US" smtClean="0"/>
+              <a:t>2019/11/1</a:t>
+            </a:fld>
+            <a:endParaRPr lang="zh-CN" altLang="en-US"/>
+          </a:p>
+        </p:txBody>
+      </p:sp>
+      <p:sp>
+        <p:nvSpPr>
+          <p:cNvPr id="5" name="Footer Placeholder 4"/>
+          <p:cNvSpPr>
+            <a:spLocks noGrp="1"/>
+          </p:cNvSpPr>
+          <p:nvPr>
+            <p:ph type="ftr" sz="quarter" idx="11"/>
+          </p:nvPr>
+        </p:nvSpPr>
+        <p:spPr/>
+        <p:txBody>
+          <a:bodyPr/>
+          <a:lstStyle/>
+          <a:p>
+            <a:endParaRPr lang="zh-CN" altLang="en-US"/>
+          </a:p>
+        </p:txBody>
+      </p:sp>
+      <p:sp>
+        <p:nvSpPr>
+          <p:cNvPr id="6" name="Slide Number Placeholder 5"/>
+          <p:cNvSpPr>
+            <a:spLocks noGrp="1"/>
+          </p:cNvSpPr>
+          <p:nvPr>
+            <p:ph type="sldNum" sz="quarter" idx="12"/>
+          </p:nvPr>
+        </p:nvSpPr>
+        <p:spPr/>
+        <p:txBody>
+          <a:bodyPr/>
+          <a:lstStyle/>
+          <a:p>
+            <a:fld id="{5B0FB5BB-E043-451F-907C-BF55034C2A75}" type="slidenum">
+              <a:rPr lang="zh-CN" altLang="en-US" smtClean="0"/>
+              <a:t>‹#›</a:t>
+            </a:fld>
+            <a:endParaRPr lang="zh-CN" altLang="en-US"/>
+          </a:p>
+        </p:txBody>
+      </p:sp>
+      <p:cxnSp>
+        <p:nvCxnSpPr>
+          <p:cNvPr id="15" name="Straight Connector 14"/>
+          <p:cNvCxnSpPr/>
+          <p:nvPr/>
+        </p:nvCxnSpPr>
+        <p:spPr>
+          <a:xfrm>
+            <a:off x="9439111" y="798973"/>
+            <a:ext cx="0" cy="4659889"/>
+          </a:xfrm>
+          <a:prstGeom prst="line">
+            <a:avLst/>
+          </a:prstGeom>
+          <a:ln w="31750"/>
+        </p:spPr>
+        <p:style>
+          <a:lnRef idx="3">
+            <a:schemeClr val="accent1"/>
+          </a:lnRef>
+          <a:fillRef idx="0">
+            <a:schemeClr val="accent1"/>
+          </a:fillRef>
+          <a:effectRef idx="2">
+            <a:schemeClr val="accent1"/>
+          </a:effectRef>
+          <a:fontRef idx="minor">
+            <a:schemeClr val="tx1"/>
+          </a:fontRef>
+        </p:style>
+      </p:cxnSp>
+    </p:spTree>
+    <p:extLst>
+      <p:ext uri="{BB962C8B-B14F-4D97-AF65-F5344CB8AC3E}">
+        <p14:creationId xmlns:p14="http://schemas.microsoft.com/office/powerpoint/2010/main" val="2034589013"/>
       </p:ext>
     </p:extLst>
   </p:cSld>
@@ -3310,6 +6109,705 @@
 </p:sldMaster>
 </file>
 
+<file path=ppt/slideMasters/slideMaster2.xml><?xml version="1.0" encoding="utf-8"?>
+<p:sldMaster xmlns:a="http://schemas.openxmlformats.org/drawingml/2006/main" xmlns:r="http://schemas.openxmlformats.org/officeDocument/2006/relationships" xmlns:p="http://schemas.openxmlformats.org/presentationml/2006/main">
+  <p:cSld>
+    <p:bg>
+      <p:bgRef idx="1003">
+        <a:schemeClr val="bg2"/>
+      </p:bgRef>
+    </p:bg>
+    <p:spTree>
+      <p:nvGrpSpPr>
+        <p:cNvPr id="1" name=""/>
+        <p:cNvGrpSpPr/>
+        <p:nvPr/>
+      </p:nvGrpSpPr>
+      <p:grpSpPr>
+        <a:xfrm>
+          <a:off x="0" y="0"/>
+          <a:ext cx="0" cy="0"/>
+          <a:chOff x="0" y="0"/>
+          <a:chExt cx="0" cy="0"/>
+        </a:xfrm>
+      </p:grpSpPr>
+      <p:sp>
+        <p:nvSpPr>
+          <p:cNvPr id="8" name="Rectangle 7"/>
+          <p:cNvSpPr/>
+          <p:nvPr/>
+        </p:nvSpPr>
+        <p:spPr>
+          <a:xfrm>
+            <a:off x="0" y="2019476"/>
+            <a:ext cx="12192000" cy="4105941"/>
+          </a:xfrm>
+          <a:prstGeom prst="rect">
+            <a:avLst/>
+          </a:prstGeom>
+          <a:gradFill flip="none" rotWithShape="1">
+            <a:gsLst>
+              <a:gs pos="0">
+                <a:schemeClr val="bg2">
+                  <a:alpha val="0"/>
+                </a:schemeClr>
+              </a:gs>
+              <a:gs pos="100000">
+                <a:schemeClr val="bg2"/>
+              </a:gs>
+            </a:gsLst>
+            <a:lin ang="5400000" scaled="0"/>
+            <a:tileRect/>
+          </a:gradFill>
+          <a:ln>
+            <a:noFill/>
+          </a:ln>
+        </p:spPr>
+        <p:style>
+          <a:lnRef idx="2">
+            <a:schemeClr val="accent1">
+              <a:shade val="50000"/>
+            </a:schemeClr>
+          </a:lnRef>
+          <a:fillRef idx="1">
+            <a:schemeClr val="accent1"/>
+          </a:fillRef>
+          <a:effectRef idx="0">
+            <a:schemeClr val="accent1"/>
+          </a:effectRef>
+          <a:fontRef idx="minor">
+            <a:schemeClr val="lt1"/>
+          </a:fontRef>
+        </p:style>
+      </p:sp>
+      <p:pic>
+        <p:nvPicPr>
+          <p:cNvPr id="7" name="Picture 6"/>
+          <p:cNvPicPr>
+            <a:picLocks noChangeAspect="1"/>
+          </p:cNvPicPr>
+          <p:nvPr/>
+        </p:nvPicPr>
+        <p:blipFill rotWithShape="1">
+          <a:blip r:embed="rId13">
+            <a:extLst>
+              <a:ext uri="{28A0092B-C50C-407E-A947-70E740481C1C}">
+                <a14:useLocalDpi xmlns:a14="http://schemas.microsoft.com/office/drawing/2010/main" val="0"/>
+              </a:ext>
+            </a:extLst>
+          </a:blip>
+          <a:srcRect t="1538" b="-1538"/>
+          <a:stretch/>
+        </p:blipFill>
+        <p:spPr bwMode="black">
+          <a:xfrm>
+            <a:off x="0" y="6126480"/>
+            <a:ext cx="12192000" cy="742950"/>
+          </a:xfrm>
+          <a:prstGeom prst="rect">
+            <a:avLst/>
+          </a:prstGeom>
+        </p:spPr>
+      </p:pic>
+      <p:sp>
+        <p:nvSpPr>
+          <p:cNvPr id="2" name="Title Placeholder 1"/>
+          <p:cNvSpPr>
+            <a:spLocks noGrp="1"/>
+          </p:cNvSpPr>
+          <p:nvPr>
+            <p:ph type="title"/>
+          </p:nvPr>
+        </p:nvSpPr>
+        <p:spPr>
+          <a:xfrm>
+            <a:off x="1451579" y="804519"/>
+            <a:ext cx="9603275" cy="1049235"/>
+          </a:xfrm>
+          <a:prstGeom prst="rect">
+            <a:avLst/>
+          </a:prstGeom>
+        </p:spPr>
+        <p:txBody>
+          <a:bodyPr vert="horz" lIns="91440" tIns="45720" rIns="91440" bIns="45720" rtlCol="0" anchor="t">
+            <a:normAutofit/>
+          </a:bodyPr>
+          <a:lstStyle/>
+          <a:p>
+            <a:r>
+              <a:rPr lang="zh-CN" altLang="en-US"/>
+              <a:t>单击此处编辑母版标题样式</a:t>
+            </a:r>
+            <a:endParaRPr lang="en-US" dirty="0"/>
+          </a:p>
+        </p:txBody>
+      </p:sp>
+      <p:sp>
+        <p:nvSpPr>
+          <p:cNvPr id="3" name="Text Placeholder 2"/>
+          <p:cNvSpPr>
+            <a:spLocks noGrp="1"/>
+          </p:cNvSpPr>
+          <p:nvPr>
+            <p:ph type="body" idx="1"/>
+          </p:nvPr>
+        </p:nvSpPr>
+        <p:spPr>
+          <a:xfrm>
+            <a:off x="1451579" y="2015732"/>
+            <a:ext cx="9603275" cy="3450613"/>
+          </a:xfrm>
+          <a:prstGeom prst="rect">
+            <a:avLst/>
+          </a:prstGeom>
+        </p:spPr>
+        <p:txBody>
+          <a:bodyPr vert="horz" lIns="91440" tIns="45720" rIns="91440" bIns="45720" rtlCol="0">
+            <a:normAutofit/>
+          </a:bodyPr>
+          <a:lstStyle/>
+          <a:p>
+            <a:pPr lvl="0"/>
+            <a:r>
+              <a:rPr lang="zh-CN" altLang="en-US"/>
+              <a:t>单击此处编辑母版文本样式</a:t>
+            </a:r>
+          </a:p>
+          <a:p>
+            <a:pPr lvl="1"/>
+            <a:r>
+              <a:rPr lang="zh-CN" altLang="en-US"/>
+              <a:t>二级</a:t>
+            </a:r>
+          </a:p>
+          <a:p>
+            <a:pPr lvl="2"/>
+            <a:r>
+              <a:rPr lang="zh-CN" altLang="en-US"/>
+              <a:t>三级</a:t>
+            </a:r>
+          </a:p>
+          <a:p>
+            <a:pPr lvl="3"/>
+            <a:r>
+              <a:rPr lang="zh-CN" altLang="en-US"/>
+              <a:t>四级</a:t>
+            </a:r>
+          </a:p>
+          <a:p>
+            <a:pPr lvl="4"/>
+            <a:r>
+              <a:rPr lang="zh-CN" altLang="en-US"/>
+              <a:t>五级</a:t>
+            </a:r>
+            <a:endParaRPr lang="en-US" dirty="0"/>
+          </a:p>
+        </p:txBody>
+      </p:sp>
+      <p:sp>
+        <p:nvSpPr>
+          <p:cNvPr id="4" name="Date Placeholder 3"/>
+          <p:cNvSpPr>
+            <a:spLocks noGrp="1"/>
+          </p:cNvSpPr>
+          <p:nvPr>
+            <p:ph type="dt" sz="half" idx="2"/>
+          </p:nvPr>
+        </p:nvSpPr>
+        <p:spPr>
+          <a:xfrm>
+            <a:off x="7554138" y="330370"/>
+            <a:ext cx="3500715" cy="309201"/>
+          </a:xfrm>
+          <a:prstGeom prst="rect">
+            <a:avLst/>
+          </a:prstGeom>
+        </p:spPr>
+        <p:txBody>
+          <a:bodyPr vert="horz" lIns="91440" tIns="45720" rIns="91440" bIns="45720" rtlCol="0" anchor="ctr"/>
+          <a:lstStyle>
+            <a:lvl1pPr algn="r">
+              <a:defRPr sz="1000">
+                <a:solidFill>
+                  <a:schemeClr val="tx1">
+                    <a:tint val="75000"/>
+                  </a:schemeClr>
+                </a:solidFill>
+              </a:defRPr>
+            </a:lvl1pPr>
+          </a:lstStyle>
+          <a:p>
+            <a:fld id="{9F2E0E96-8939-4B42-AD6D-D7AB4B81F72E}" type="datetimeFigureOut">
+              <a:rPr lang="zh-CN" altLang="en-US" smtClean="0"/>
+              <a:t>2019/11/1</a:t>
+            </a:fld>
+            <a:endParaRPr lang="zh-CN" altLang="en-US"/>
+          </a:p>
+        </p:txBody>
+      </p:sp>
+      <p:sp>
+        <p:nvSpPr>
+          <p:cNvPr id="5" name="Footer Placeholder 4"/>
+          <p:cNvSpPr>
+            <a:spLocks noGrp="1"/>
+          </p:cNvSpPr>
+          <p:nvPr>
+            <p:ph type="ftr" sz="quarter" idx="3"/>
+          </p:nvPr>
+        </p:nvSpPr>
+        <p:spPr>
+          <a:xfrm>
+            <a:off x="1451579" y="329307"/>
+            <a:ext cx="5938836" cy="309201"/>
+          </a:xfrm>
+          <a:prstGeom prst="rect">
+            <a:avLst/>
+          </a:prstGeom>
+        </p:spPr>
+        <p:txBody>
+          <a:bodyPr vert="horz" lIns="91440" tIns="45720" rIns="91440" bIns="45720" rtlCol="0" anchor="ctr"/>
+          <a:lstStyle>
+            <a:lvl1pPr algn="l">
+              <a:defRPr sz="1000">
+                <a:solidFill>
+                  <a:schemeClr val="tx1">
+                    <a:tint val="75000"/>
+                  </a:schemeClr>
+                </a:solidFill>
+              </a:defRPr>
+            </a:lvl1pPr>
+          </a:lstStyle>
+          <a:p>
+            <a:endParaRPr lang="zh-CN" altLang="en-US"/>
+          </a:p>
+        </p:txBody>
+      </p:sp>
+      <p:sp>
+        <p:nvSpPr>
+          <p:cNvPr id="6" name="Slide Number Placeholder 5"/>
+          <p:cNvSpPr>
+            <a:spLocks noGrp="1"/>
+          </p:cNvSpPr>
+          <p:nvPr>
+            <p:ph type="sldNum" sz="quarter" idx="4"/>
+          </p:nvPr>
+        </p:nvSpPr>
+        <p:spPr>
+          <a:xfrm>
+            <a:off x="480060" y="798973"/>
+            <a:ext cx="811019" cy="503578"/>
+          </a:xfrm>
+          <a:prstGeom prst="rect">
+            <a:avLst/>
+          </a:prstGeom>
+        </p:spPr>
+        <p:txBody>
+          <a:bodyPr vert="horz" lIns="91440" tIns="45720" rIns="91440" bIns="45720" rtlCol="0" anchor="t"/>
+          <a:lstStyle>
+            <a:lvl1pPr algn="r">
+              <a:defRPr sz="2800">
+                <a:solidFill>
+                  <a:schemeClr val="accent1"/>
+                </a:solidFill>
+              </a:defRPr>
+            </a:lvl1pPr>
+          </a:lstStyle>
+          <a:p>
+            <a:fld id="{5B0FB5BB-E043-451F-907C-BF55034C2A75}" type="slidenum">
+              <a:rPr lang="zh-CN" altLang="en-US" smtClean="0"/>
+              <a:t>‹#›</a:t>
+            </a:fld>
+            <a:endParaRPr lang="zh-CN" altLang="en-US"/>
+          </a:p>
+        </p:txBody>
+      </p:sp>
+      <p:cxnSp>
+        <p:nvCxnSpPr>
+          <p:cNvPr id="10" name="Straight Connector 9"/>
+          <p:cNvCxnSpPr/>
+          <p:nvPr/>
+        </p:nvCxnSpPr>
+        <p:spPr>
+          <a:xfrm>
+            <a:off x="0" y="6128413"/>
+            <a:ext cx="12192000" cy="0"/>
+          </a:xfrm>
+          <a:prstGeom prst="line">
+            <a:avLst/>
+          </a:prstGeom>
+          <a:ln w="12700">
+            <a:solidFill>
+              <a:srgbClr val="000001">
+                <a:alpha val="20000"/>
+              </a:srgbClr>
+            </a:solidFill>
+          </a:ln>
+        </p:spPr>
+        <p:style>
+          <a:lnRef idx="1">
+            <a:schemeClr val="accent1"/>
+          </a:lnRef>
+          <a:fillRef idx="0">
+            <a:schemeClr val="accent1"/>
+          </a:fillRef>
+          <a:effectRef idx="0">
+            <a:schemeClr val="accent1"/>
+          </a:effectRef>
+          <a:fontRef idx="minor">
+            <a:schemeClr val="tx1"/>
+          </a:fontRef>
+        </p:style>
+      </p:cxnSp>
+    </p:spTree>
+    <p:extLst>
+      <p:ext uri="{BB962C8B-B14F-4D97-AF65-F5344CB8AC3E}">
+        <p14:creationId xmlns:p14="http://schemas.microsoft.com/office/powerpoint/2010/main" val="203192264"/>
+      </p:ext>
+    </p:extLst>
+  </p:cSld>
+  <p:clrMap bg1="lt1" tx1="dk1" bg2="lt2" tx2="dk2" accent1="accent1" accent2="accent2" accent3="accent3" accent4="accent4" accent5="accent5" accent6="accent6" hlink="hlink" folHlink="folHlink"/>
+  <p:sldLayoutIdLst>
+    <p:sldLayoutId id="2147483661" r:id="rId1"/>
+    <p:sldLayoutId id="2147483662" r:id="rId2"/>
+    <p:sldLayoutId id="2147483663" r:id="rId3"/>
+    <p:sldLayoutId id="2147483664" r:id="rId4"/>
+    <p:sldLayoutId id="2147483665" r:id="rId5"/>
+    <p:sldLayoutId id="2147483666" r:id="rId6"/>
+    <p:sldLayoutId id="2147483667" r:id="rId7"/>
+    <p:sldLayoutId id="2147483668" r:id="rId8"/>
+    <p:sldLayoutId id="2147483669" r:id="rId9"/>
+    <p:sldLayoutId id="2147483670" r:id="rId10"/>
+    <p:sldLayoutId id="2147483671" r:id="rId11"/>
+  </p:sldLayoutIdLst>
+  <p:txStyles>
+    <p:titleStyle>
+      <a:lvl1pPr algn="l" defTabSz="914400" rtl="0" eaLnBrk="1" latinLnBrk="0" hangingPunct="1">
+        <a:lnSpc>
+          <a:spcPct val="90000"/>
+        </a:lnSpc>
+        <a:spcBef>
+          <a:spcPct val="0"/>
+        </a:spcBef>
+        <a:buNone/>
+        <a:defRPr sz="3200" b="0" i="0" kern="1200" cap="all">
+          <a:solidFill>
+            <a:schemeClr val="tx1"/>
+          </a:solidFill>
+          <a:effectLst/>
+          <a:latin typeface="+mj-lt"/>
+          <a:ea typeface="+mj-ea"/>
+          <a:cs typeface="+mj-cs"/>
+        </a:defRPr>
+      </a:lvl1pPr>
+    </p:titleStyle>
+    <p:bodyStyle>
+      <a:lvl1pPr marL="228600" indent="-228600" algn="l" defTabSz="914400" rtl="0" eaLnBrk="1" latinLnBrk="0" hangingPunct="1">
+        <a:lnSpc>
+          <a:spcPct val="120000"/>
+        </a:lnSpc>
+        <a:spcBef>
+          <a:spcPts val="1000"/>
+        </a:spcBef>
+        <a:buClr>
+          <a:schemeClr val="accent1"/>
+        </a:buClr>
+        <a:buSzPct val="100000"/>
+        <a:buFont typeface="Arial" panose="020B0604020202020204" pitchFamily="34" charset="0"/>
+        <a:buChar char="•"/>
+        <a:defRPr sz="2000" kern="1200">
+          <a:solidFill>
+            <a:schemeClr val="tx1"/>
+          </a:solidFill>
+          <a:effectLst/>
+          <a:latin typeface="+mn-lt"/>
+          <a:ea typeface="+mn-ea"/>
+          <a:cs typeface="+mn-cs"/>
+        </a:defRPr>
+      </a:lvl1pPr>
+      <a:lvl2pPr marL="685800" indent="-228600" algn="l" defTabSz="914400" rtl="0" eaLnBrk="1" latinLnBrk="0" hangingPunct="1">
+        <a:lnSpc>
+          <a:spcPct val="120000"/>
+        </a:lnSpc>
+        <a:spcBef>
+          <a:spcPts val="500"/>
+        </a:spcBef>
+        <a:buClr>
+          <a:schemeClr val="accent1"/>
+        </a:buClr>
+        <a:buSzPct val="100000"/>
+        <a:buFont typeface="Arial" panose="020B0604020202020204" pitchFamily="34" charset="0"/>
+        <a:buChar char="•"/>
+        <a:defRPr sz="1800" kern="1200" cap="none" baseline="0">
+          <a:solidFill>
+            <a:schemeClr val="tx1"/>
+          </a:solidFill>
+          <a:effectLst/>
+          <a:latin typeface="+mn-lt"/>
+          <a:ea typeface="+mn-ea"/>
+          <a:cs typeface="+mn-cs"/>
+        </a:defRPr>
+      </a:lvl2pPr>
+      <a:lvl3pPr marL="1143000" indent="-228600" algn="l" defTabSz="914400" rtl="0" eaLnBrk="1" latinLnBrk="0" hangingPunct="1">
+        <a:lnSpc>
+          <a:spcPct val="120000"/>
+        </a:lnSpc>
+        <a:spcBef>
+          <a:spcPts val="500"/>
+        </a:spcBef>
+        <a:buClr>
+          <a:schemeClr val="accent1"/>
+        </a:buClr>
+        <a:buSzPct val="100000"/>
+        <a:buFont typeface="Arial" panose="020B0604020202020204" pitchFamily="34" charset="0"/>
+        <a:buChar char="•"/>
+        <a:defRPr sz="1600" kern="1200">
+          <a:solidFill>
+            <a:schemeClr val="tx1"/>
+          </a:solidFill>
+          <a:effectLst/>
+          <a:latin typeface="+mn-lt"/>
+          <a:ea typeface="+mn-ea"/>
+          <a:cs typeface="+mn-cs"/>
+        </a:defRPr>
+      </a:lvl3pPr>
+      <a:lvl4pPr marL="1600200" indent="-228600" algn="l" defTabSz="914400" rtl="0" eaLnBrk="1" latinLnBrk="0" hangingPunct="1">
+        <a:lnSpc>
+          <a:spcPct val="120000"/>
+        </a:lnSpc>
+        <a:spcBef>
+          <a:spcPts val="500"/>
+        </a:spcBef>
+        <a:buClr>
+          <a:schemeClr val="accent1"/>
+        </a:buClr>
+        <a:buSzPct val="100000"/>
+        <a:buFont typeface="Arial" panose="020B0604020202020204" pitchFamily="34" charset="0"/>
+        <a:buChar char="•"/>
+        <a:defRPr sz="1400" kern="1200" cap="none" baseline="0">
+          <a:solidFill>
+            <a:schemeClr val="tx1"/>
+          </a:solidFill>
+          <a:effectLst/>
+          <a:latin typeface="+mn-lt"/>
+          <a:ea typeface="+mn-ea"/>
+          <a:cs typeface="+mn-cs"/>
+        </a:defRPr>
+      </a:lvl4pPr>
+      <a:lvl5pPr marL="2057400" indent="-228600" algn="l" defTabSz="914400" rtl="0" eaLnBrk="1" latinLnBrk="0" hangingPunct="1">
+        <a:lnSpc>
+          <a:spcPct val="120000"/>
+        </a:lnSpc>
+        <a:spcBef>
+          <a:spcPts val="500"/>
+        </a:spcBef>
+        <a:buClr>
+          <a:schemeClr val="accent1"/>
+        </a:buClr>
+        <a:buSzPct val="100000"/>
+        <a:buFont typeface="Arial" panose="020B0604020202020204" pitchFamily="34" charset="0"/>
+        <a:buChar char="•"/>
+        <a:defRPr sz="1200" kern="1200">
+          <a:solidFill>
+            <a:schemeClr val="tx1"/>
+          </a:solidFill>
+          <a:effectLst/>
+          <a:latin typeface="+mn-lt"/>
+          <a:ea typeface="+mn-ea"/>
+          <a:cs typeface="+mn-cs"/>
+        </a:defRPr>
+      </a:lvl5pPr>
+      <a:lvl6pPr marL="2514600" indent="-228600" algn="l" defTabSz="914400" rtl="0" eaLnBrk="1" latinLnBrk="0" hangingPunct="1">
+        <a:lnSpc>
+          <a:spcPct val="120000"/>
+        </a:lnSpc>
+        <a:spcBef>
+          <a:spcPts val="500"/>
+        </a:spcBef>
+        <a:buClr>
+          <a:schemeClr val="accent1"/>
+        </a:buClr>
+        <a:buSzPct val="100000"/>
+        <a:buFont typeface="Arial" panose="020B0604020202020204" pitchFamily="34" charset="0"/>
+        <a:buChar char="•"/>
+        <a:defRPr sz="1200" kern="1200">
+          <a:solidFill>
+            <a:schemeClr val="tx1"/>
+          </a:solidFill>
+          <a:effectLst/>
+          <a:latin typeface="+mn-lt"/>
+          <a:ea typeface="+mn-ea"/>
+          <a:cs typeface="+mn-cs"/>
+        </a:defRPr>
+      </a:lvl6pPr>
+      <a:lvl7pPr marL="2971800" indent="-228600" algn="l" defTabSz="914400" rtl="0" eaLnBrk="1" latinLnBrk="0" hangingPunct="1">
+        <a:lnSpc>
+          <a:spcPct val="120000"/>
+        </a:lnSpc>
+        <a:spcBef>
+          <a:spcPts val="500"/>
+        </a:spcBef>
+        <a:buClr>
+          <a:schemeClr val="accent1"/>
+        </a:buClr>
+        <a:buSzPct val="100000"/>
+        <a:buFont typeface="Arial" panose="020B0604020202020204" pitchFamily="34" charset="0"/>
+        <a:buChar char="•"/>
+        <a:defRPr sz="1200" kern="1200">
+          <a:solidFill>
+            <a:schemeClr val="tx1"/>
+          </a:solidFill>
+          <a:effectLst/>
+          <a:latin typeface="+mn-lt"/>
+          <a:ea typeface="+mn-ea"/>
+          <a:cs typeface="+mn-cs"/>
+        </a:defRPr>
+      </a:lvl7pPr>
+      <a:lvl8pPr marL="3429000" indent="-228600" algn="l" defTabSz="914400" rtl="0" eaLnBrk="1" latinLnBrk="0" hangingPunct="1">
+        <a:lnSpc>
+          <a:spcPct val="120000"/>
+        </a:lnSpc>
+        <a:spcBef>
+          <a:spcPts val="500"/>
+        </a:spcBef>
+        <a:buClr>
+          <a:schemeClr val="accent1"/>
+        </a:buClr>
+        <a:buSzPct val="100000"/>
+        <a:buFont typeface="Arial" panose="020B0604020202020204" pitchFamily="34" charset="0"/>
+        <a:buChar char="•"/>
+        <a:defRPr sz="1200" kern="1200" baseline="0">
+          <a:solidFill>
+            <a:schemeClr val="tx1"/>
+          </a:solidFill>
+          <a:effectLst/>
+          <a:latin typeface="+mn-lt"/>
+          <a:ea typeface="+mn-ea"/>
+          <a:cs typeface="+mn-cs"/>
+        </a:defRPr>
+      </a:lvl8pPr>
+      <a:lvl9pPr marL="3886200" indent="-228600" algn="l" defTabSz="914400" rtl="0" eaLnBrk="1" latinLnBrk="0" hangingPunct="1">
+        <a:lnSpc>
+          <a:spcPct val="120000"/>
+        </a:lnSpc>
+        <a:spcBef>
+          <a:spcPts val="500"/>
+        </a:spcBef>
+        <a:buClr>
+          <a:schemeClr val="accent1"/>
+        </a:buClr>
+        <a:buSzPct val="100000"/>
+        <a:buFont typeface="Arial" panose="020B0604020202020204" pitchFamily="34" charset="0"/>
+        <a:buChar char="•"/>
+        <a:defRPr sz="1200" kern="1200" baseline="0">
+          <a:solidFill>
+            <a:schemeClr val="tx1"/>
+          </a:solidFill>
+          <a:effectLst/>
+          <a:latin typeface="+mn-lt"/>
+          <a:ea typeface="+mn-ea"/>
+          <a:cs typeface="+mn-cs"/>
+        </a:defRPr>
+      </a:lvl9pPr>
+    </p:bodyStyle>
+    <p:otherStyle>
+      <a:defPPr>
+        <a:defRPr lang="en-US"/>
+      </a:defPPr>
+      <a:lvl1pPr marL="0" algn="l" defTabSz="914400" rtl="0" eaLnBrk="1" latinLnBrk="0" hangingPunct="1">
+        <a:defRPr sz="1800" kern="1200">
+          <a:solidFill>
+            <a:schemeClr val="tx1"/>
+          </a:solidFill>
+          <a:latin typeface="+mn-lt"/>
+          <a:ea typeface="+mn-ea"/>
+          <a:cs typeface="+mn-cs"/>
+        </a:defRPr>
+      </a:lvl1pPr>
+      <a:lvl2pPr marL="457200" algn="l" defTabSz="914400" rtl="0" eaLnBrk="1" latinLnBrk="0" hangingPunct="1">
+        <a:defRPr sz="1800" kern="1200">
+          <a:solidFill>
+            <a:schemeClr val="tx1"/>
+          </a:solidFill>
+          <a:latin typeface="+mn-lt"/>
+          <a:ea typeface="+mn-ea"/>
+          <a:cs typeface="+mn-cs"/>
+        </a:defRPr>
+      </a:lvl2pPr>
+      <a:lvl3pPr marL="914400" algn="l" defTabSz="914400" rtl="0" eaLnBrk="1" latinLnBrk="0" hangingPunct="1">
+        <a:defRPr sz="1800" kern="1200">
+          <a:solidFill>
+            <a:schemeClr val="tx1"/>
+          </a:solidFill>
+          <a:latin typeface="+mn-lt"/>
+          <a:ea typeface="+mn-ea"/>
+          <a:cs typeface="+mn-cs"/>
+        </a:defRPr>
+      </a:lvl3pPr>
+      <a:lvl4pPr marL="1371600" algn="l" defTabSz="914400" rtl="0" eaLnBrk="1" latinLnBrk="0" hangingPunct="1">
+        <a:defRPr sz="1800" kern="1200">
+          <a:solidFill>
+            <a:schemeClr val="tx1"/>
+          </a:solidFill>
+          <a:latin typeface="+mn-lt"/>
+          <a:ea typeface="+mn-ea"/>
+          <a:cs typeface="+mn-cs"/>
+        </a:defRPr>
+      </a:lvl4pPr>
+      <a:lvl5pPr marL="1828800" algn="l" defTabSz="914400" rtl="0" eaLnBrk="1" latinLnBrk="0" hangingPunct="1">
+        <a:defRPr sz="1800" kern="1200">
+          <a:solidFill>
+            <a:schemeClr val="tx1"/>
+          </a:solidFill>
+          <a:latin typeface="+mn-lt"/>
+          <a:ea typeface="+mn-ea"/>
+          <a:cs typeface="+mn-cs"/>
+        </a:defRPr>
+      </a:lvl5pPr>
+      <a:lvl6pPr marL="2286000" algn="l" defTabSz="914400" rtl="0" eaLnBrk="1" latinLnBrk="0" hangingPunct="1">
+        <a:defRPr sz="1800" kern="1200">
+          <a:solidFill>
+            <a:schemeClr val="tx1"/>
+          </a:solidFill>
+          <a:latin typeface="+mn-lt"/>
+          <a:ea typeface="+mn-ea"/>
+          <a:cs typeface="+mn-cs"/>
+        </a:defRPr>
+      </a:lvl6pPr>
+      <a:lvl7pPr marL="2743200" algn="l" defTabSz="914400" rtl="0" eaLnBrk="1" latinLnBrk="0" hangingPunct="1">
+        <a:defRPr sz="1800" kern="1200">
+          <a:solidFill>
+            <a:schemeClr val="tx1"/>
+          </a:solidFill>
+          <a:latin typeface="+mn-lt"/>
+          <a:ea typeface="+mn-ea"/>
+          <a:cs typeface="+mn-cs"/>
+        </a:defRPr>
+      </a:lvl7pPr>
+      <a:lvl8pPr marL="3200400" algn="l" defTabSz="914400" rtl="0" eaLnBrk="1" latinLnBrk="0" hangingPunct="1">
+        <a:defRPr sz="1800" kern="1200">
+          <a:solidFill>
+            <a:schemeClr val="tx1"/>
+          </a:solidFill>
+          <a:latin typeface="+mn-lt"/>
+          <a:ea typeface="+mn-ea"/>
+          <a:cs typeface="+mn-cs"/>
+        </a:defRPr>
+      </a:lvl8pPr>
+      <a:lvl9pPr marL="3657600" algn="l" defTabSz="914400" rtl="0" eaLnBrk="1" latinLnBrk="0" hangingPunct="1">
+        <a:defRPr sz="1800" kern="1200">
+          <a:solidFill>
+            <a:schemeClr val="tx1"/>
+          </a:solidFill>
+          <a:latin typeface="+mn-lt"/>
+          <a:ea typeface="+mn-ea"/>
+          <a:cs typeface="+mn-cs"/>
+        </a:defRPr>
+      </a:lvl9pPr>
+    </p:otherStyle>
+  </p:txStyles>
+</p:sldMaster>
+</file>
+
 <file path=ppt/slides/slide1.xml><?xml version="1.0" encoding="utf-8"?>
 <p:sld xmlns:a="http://schemas.openxmlformats.org/drawingml/2006/main" xmlns:r="http://schemas.openxmlformats.org/officeDocument/2006/relationships" xmlns:p="http://schemas.openxmlformats.org/presentationml/2006/main">
   <p:cSld>
@@ -6332,6 +9830,225 @@
     <p:extLst>
       <p:ext uri="{BB962C8B-B14F-4D97-AF65-F5344CB8AC3E}">
         <p14:creationId xmlns:p14="http://schemas.microsoft.com/office/powerpoint/2010/main" val="691079010"/>
+      </p:ext>
+    </p:extLst>
+  </p:cSld>
+  <p:clrMapOvr>
+    <a:masterClrMapping/>
+  </p:clrMapOvr>
+</p:sld>
+</file>
+
+<file path=ppt/slides/slide3.xml><?xml version="1.0" encoding="utf-8"?>
+<p:sld xmlns:a="http://schemas.openxmlformats.org/drawingml/2006/main" xmlns:r="http://schemas.openxmlformats.org/officeDocument/2006/relationships" xmlns:p="http://schemas.openxmlformats.org/presentationml/2006/main">
+  <p:cSld>
+    <p:bg>
+      <p:bgPr>
+        <a:gradFill rotWithShape="1">
+          <a:gsLst>
+            <a:gs pos="0">
+              <a:schemeClr val="bg2">
+                <a:tint val="94000"/>
+                <a:satMod val="80000"/>
+                <a:lumMod val="92000"/>
+                <a:lumOff val="8000"/>
+              </a:schemeClr>
+            </a:gs>
+            <a:gs pos="100000">
+              <a:schemeClr val="bg2">
+                <a:shade val="80000"/>
+              </a:schemeClr>
+            </a:gs>
+          </a:gsLst>
+          <a:path path="circle">
+            <a:fillToRect l="43000" r="43000" b="100000"/>
+          </a:path>
+        </a:gradFill>
+        <a:effectLst/>
+      </p:bgPr>
+    </p:bg>
+    <p:spTree>
+      <p:nvGrpSpPr>
+        <p:cNvPr id="1" name=""/>
+        <p:cNvGrpSpPr/>
+        <p:nvPr/>
+      </p:nvGrpSpPr>
+      <p:grpSpPr>
+        <a:xfrm>
+          <a:off x="0" y="0"/>
+          <a:ext cx="0" cy="0"/>
+          <a:chOff x="0" y="0"/>
+          <a:chExt cx="0" cy="0"/>
+        </a:xfrm>
+      </p:grpSpPr>
+      <p:pic>
+        <p:nvPicPr>
+          <p:cNvPr id="3" name="图片 2">
+            <a:extLst>
+              <a:ext uri="{FF2B5EF4-FFF2-40B4-BE49-F238E27FC236}">
+                <a16:creationId xmlns:a16="http://schemas.microsoft.com/office/drawing/2014/main" id="{AE942F88-2597-4139-A147-BC25E3CB4366}"/>
+              </a:ext>
+            </a:extLst>
+          </p:cNvPr>
+          <p:cNvPicPr>
+            <a:picLocks noChangeAspect="1"/>
+          </p:cNvPicPr>
+          <p:nvPr/>
+        </p:nvPicPr>
+        <p:blipFill>
+          <a:blip r:embed="rId2">
+            <a:extLst>
+              <a:ext uri="{28A0092B-C50C-407E-A947-70E740481C1C}">
+                <a14:useLocalDpi xmlns:a14="http://schemas.microsoft.com/office/drawing/2010/main" val="0"/>
+              </a:ext>
+            </a:extLst>
+          </a:blip>
+          <a:stretch>
+            <a:fillRect/>
+          </a:stretch>
+        </p:blipFill>
+        <p:spPr>
+          <a:xfrm>
+            <a:off x="4191000" y="1369994"/>
+            <a:ext cx="3810000" cy="3810000"/>
+          </a:xfrm>
+          <a:prstGeom prst="rect">
+            <a:avLst/>
+          </a:prstGeom>
+        </p:spPr>
+      </p:pic>
+      <p:pic>
+        <p:nvPicPr>
+          <p:cNvPr id="5" name="图片 4">
+            <a:extLst>
+              <a:ext uri="{FF2B5EF4-FFF2-40B4-BE49-F238E27FC236}">
+                <a16:creationId xmlns:a16="http://schemas.microsoft.com/office/drawing/2014/main" id="{A1F5D68E-AE25-4757-88BB-DB78C9D751B1}"/>
+              </a:ext>
+            </a:extLst>
+          </p:cNvPr>
+          <p:cNvPicPr>
+            <a:picLocks noChangeAspect="1"/>
+          </p:cNvPicPr>
+          <p:nvPr/>
+        </p:nvPicPr>
+        <p:blipFill>
+          <a:blip r:embed="rId3">
+            <a:extLst>
+              <a:ext uri="{28A0092B-C50C-407E-A947-70E740481C1C}">
+                <a14:useLocalDpi xmlns:a14="http://schemas.microsoft.com/office/drawing/2010/main" val="0"/>
+              </a:ext>
+            </a:extLst>
+          </a:blip>
+          <a:stretch>
+            <a:fillRect/>
+          </a:stretch>
+        </p:blipFill>
+        <p:spPr>
+          <a:xfrm>
+            <a:off x="3141446" y="324488"/>
+            <a:ext cx="679785" cy="679785"/>
+          </a:xfrm>
+          <a:prstGeom prst="rect">
+            <a:avLst/>
+          </a:prstGeom>
+        </p:spPr>
+      </p:pic>
+      <p:sp>
+        <p:nvSpPr>
+          <p:cNvPr id="6" name="文本框 5">
+            <a:extLst>
+              <a:ext uri="{FF2B5EF4-FFF2-40B4-BE49-F238E27FC236}">
+                <a16:creationId xmlns:a16="http://schemas.microsoft.com/office/drawing/2014/main" id="{791EA223-BB3F-476D-A9AD-1FA19F5D6D2C}"/>
+              </a:ext>
+            </a:extLst>
+          </p:cNvPr>
+          <p:cNvSpPr txBox="1"/>
+          <p:nvPr/>
+        </p:nvSpPr>
+        <p:spPr>
+          <a:xfrm>
+            <a:off x="3850104" y="372755"/>
+            <a:ext cx="4466122" cy="584775"/>
+          </a:xfrm>
+          <a:prstGeom prst="rect">
+            <a:avLst/>
+          </a:prstGeom>
+          <a:noFill/>
+        </p:spPr>
+        <p:txBody>
+          <a:bodyPr wrap="square" rtlCol="0">
+            <a:spAutoFit/>
+          </a:bodyPr>
+          <a:lstStyle/>
+          <a:p>
+            <a:pPr algn="ctr"/>
+            <a:r>
+              <a:rPr lang="en-GB" altLang="zh-CN" sz="3200" dirty="0">
+                <a:latin typeface="Times New Roman" panose="02020603050405020304" pitchFamily="18" charset="0"/>
+                <a:cs typeface="Times New Roman" panose="02020603050405020304" pitchFamily="18" charset="0"/>
+              </a:rPr>
+              <a:t>Fork me on GitHub!</a:t>
+            </a:r>
+            <a:endParaRPr lang="zh-CN" altLang="en-US" sz="3200" dirty="0">
+              <a:latin typeface="Times New Roman" panose="02020603050405020304" pitchFamily="18" charset="0"/>
+              <a:cs typeface="Times New Roman" panose="02020603050405020304" pitchFamily="18" charset="0"/>
+            </a:endParaRPr>
+          </a:p>
+        </p:txBody>
+      </p:sp>
+      <p:sp>
+        <p:nvSpPr>
+          <p:cNvPr id="7" name="文本框 6">
+            <a:extLst>
+              <a:ext uri="{FF2B5EF4-FFF2-40B4-BE49-F238E27FC236}">
+                <a16:creationId xmlns:a16="http://schemas.microsoft.com/office/drawing/2014/main" id="{7276E5E7-A17E-4438-8E52-063B8B33CD44}"/>
+              </a:ext>
+            </a:extLst>
+          </p:cNvPr>
+          <p:cNvSpPr txBox="1"/>
+          <p:nvPr/>
+        </p:nvSpPr>
+        <p:spPr>
+          <a:xfrm>
+            <a:off x="1934676" y="5515631"/>
+            <a:ext cx="8296977" cy="461665"/>
+          </a:xfrm>
+          <a:prstGeom prst="rect">
+            <a:avLst/>
+          </a:prstGeom>
+          <a:noFill/>
+        </p:spPr>
+        <p:txBody>
+          <a:bodyPr wrap="square" rtlCol="0">
+            <a:spAutoFit/>
+          </a:bodyPr>
+          <a:lstStyle/>
+          <a:p>
+            <a:pPr algn="ctr"/>
+            <a:r>
+              <a:rPr lang="en-GB" altLang="zh-CN" sz="2400" b="1" u="sng" dirty="0">
+                <a:solidFill>
+                  <a:schemeClr val="accent5"/>
+                </a:solidFill>
+                <a:latin typeface="Times New Roman" panose="02020603050405020304" pitchFamily="18" charset="0"/>
+                <a:cs typeface="Times New Roman" panose="02020603050405020304" pitchFamily="18" charset="0"/>
+              </a:rPr>
+              <a:t>https://github.com/wolverinn/Depth-Estimation-PyTorch</a:t>
+            </a:r>
+            <a:endParaRPr lang="zh-CN" altLang="en-US" sz="2400" b="1" u="sng" dirty="0">
+              <a:solidFill>
+                <a:schemeClr val="accent5"/>
+              </a:solidFill>
+              <a:latin typeface="Times New Roman" panose="02020603050405020304" pitchFamily="18" charset="0"/>
+              <a:cs typeface="Times New Roman" panose="02020603050405020304" pitchFamily="18" charset="0"/>
+            </a:endParaRPr>
+          </a:p>
+        </p:txBody>
+      </p:sp>
+    </p:spTree>
+    <p:extLst>
+      <p:ext uri="{BB962C8B-B14F-4D97-AF65-F5344CB8AC3E}">
+        <p14:creationId xmlns:p14="http://schemas.microsoft.com/office/powerpoint/2010/main" val="3772765222"/>
       </p:ext>
     </p:extLst>
   </p:cSld>
@@ -6634,4 +10351,257 @@
     </a:ext>
   </a:extLst>
 </a:theme>
+</file>
+
+<file path=ppt/theme/theme2.xml><?xml version="1.0" encoding="utf-8"?>
+<a:theme xmlns:a="http://schemas.openxmlformats.org/drawingml/2006/main" name="画廊">
+  <a:themeElements>
+    <a:clrScheme name="画廊">
+      <a:dk1>
+        <a:sysClr val="windowText" lastClr="000000"/>
+      </a:dk1>
+      <a:lt1>
+        <a:sysClr val="window" lastClr="FFFFFF"/>
+      </a:lt1>
+      <a:dk2>
+        <a:srgbClr val="454545"/>
+      </a:dk2>
+      <a:lt2>
+        <a:srgbClr val="DFDBD5"/>
+      </a:lt2>
+      <a:accent1>
+        <a:srgbClr val="B71E42"/>
+      </a:accent1>
+      <a:accent2>
+        <a:srgbClr val="DE478E"/>
+      </a:accent2>
+      <a:accent3>
+        <a:srgbClr val="BC72F0"/>
+      </a:accent3>
+      <a:accent4>
+        <a:srgbClr val="795FAF"/>
+      </a:accent4>
+      <a:accent5>
+        <a:srgbClr val="586EA6"/>
+      </a:accent5>
+      <a:accent6>
+        <a:srgbClr val="6892A0"/>
+      </a:accent6>
+      <a:hlink>
+        <a:srgbClr val="FA2B5C"/>
+      </a:hlink>
+      <a:folHlink>
+        <a:srgbClr val="BC658E"/>
+      </a:folHlink>
+    </a:clrScheme>
+    <a:fontScheme name="画廊">
+      <a:majorFont>
+        <a:latin typeface="Gill Sans MT" panose="020B0502020104020203"/>
+        <a:ea typeface=""/>
+        <a:cs typeface=""/>
+        <a:font script="Jpan" typeface="游ゴシック Light"/>
+        <a:font script="Hang" typeface="맑은 고딕"/>
+        <a:font script="Hans" typeface="等线 Light"/>
+        <a:font script="Hant" typeface="新細明體"/>
+        <a:font script="Arab" typeface="Times New Roman"/>
+        <a:font script="Hebr" typeface="Times New Roman"/>
+        <a:font script="Thai" typeface="Angsana New"/>
+        <a:font script="Ethi" typeface="Nyala"/>
+        <a:font script="Beng" typeface="Vrinda"/>
+        <a:font script="Gujr" typeface="Shruti"/>
+        <a:font script="Khmr" typeface="MoolBoran"/>
+        <a:font script="Knda" typeface="Tunga"/>
+        <a:font script="Guru" typeface="Raavi"/>
+        <a:font script="Cans" typeface="Euphemia"/>
+        <a:font script="Cher" typeface="Plantagenet Cherokee"/>
+        <a:font script="Yiii" typeface="Microsoft Yi Baiti"/>
+        <a:font script="Tibt" typeface="Microsoft Himalaya"/>
+        <a:font script="Thaa" typeface="MV Boli"/>
+        <a:font script="Deva" typeface="Mangal"/>
+        <a:font script="Telu" typeface="Gautami"/>
+        <a:font script="Taml" typeface="Latha"/>
+        <a:font script="Syrc" typeface="Estrangelo Edessa"/>
+        <a:font script="Orya" typeface="Kalinga"/>
+        <a:font script="Mlym" typeface="Kartika"/>
+        <a:font script="Laoo" typeface="DokChampa"/>
+        <a:font script="Sinh" typeface="Iskoola Pota"/>
+        <a:font script="Mong" typeface="Mongolian Baiti"/>
+        <a:font script="Viet" typeface="Times New Roman"/>
+        <a:font script="Uigh" typeface="Microsoft Uighur"/>
+        <a:font script="Geor" typeface="Sylfaen"/>
+      </a:majorFont>
+      <a:minorFont>
+        <a:latin typeface="Gill Sans MT" panose="020B0502020104020203"/>
+        <a:ea typeface=""/>
+        <a:cs typeface=""/>
+        <a:font script="Jpan" typeface="游ゴシック"/>
+        <a:font script="Hang" typeface="맑은 고딕"/>
+        <a:font script="Hans" typeface="等线"/>
+        <a:font script="Hant" typeface="新細明體"/>
+        <a:font script="Arab" typeface="Arial"/>
+        <a:font script="Hebr" typeface="Arial"/>
+        <a:font script="Thai" typeface="Cordia New"/>
+        <a:font script="Ethi" typeface="Nyala"/>
+        <a:font script="Beng" typeface="Vrinda"/>
+        <a:font script="Gujr" typeface="Shruti"/>
+        <a:font script="Khmr" typeface="DaunPenh"/>
+        <a:font script="Knda" typeface="Tunga"/>
+        <a:font script="Guru" typeface="Raavi"/>
+        <a:font script="Cans" typeface="Euphemia"/>
+        <a:font script="Cher" typeface="Plantagenet Cherokee"/>
+        <a:font script="Yiii" typeface="Microsoft Yi Baiti"/>
+        <a:font script="Tibt" typeface="Microsoft Himalaya"/>
+        <a:font script="Thaa" typeface="MV Boli"/>
+        <a:font script="Deva" typeface="Mangal"/>
+        <a:font script="Telu" typeface="Gautami"/>
+        <a:font script="Taml" typeface="Latha"/>
+        <a:font script="Syrc" typeface="Estrangelo Edessa"/>
+        <a:font script="Orya" typeface="Kalinga"/>
+        <a:font script="Mlym" typeface="Kartika"/>
+        <a:font script="Laoo" typeface="DokChampa"/>
+        <a:font script="Sinh" typeface="Iskoola Pota"/>
+        <a:font script="Mong" typeface="Mongolian Baiti"/>
+        <a:font script="Viet" typeface="Arial"/>
+        <a:font script="Uigh" typeface="Microsoft Uighur"/>
+        <a:font script="Geor" typeface="Sylfaen"/>
+      </a:minorFont>
+    </a:fontScheme>
+    <a:fmtScheme name="画廊">
+      <a:fillStyleLst>
+        <a:solidFill>
+          <a:schemeClr val="phClr"/>
+        </a:solidFill>
+        <a:gradFill rotWithShape="1">
+          <a:gsLst>
+            <a:gs pos="0">
+              <a:schemeClr val="phClr">
+                <a:tint val="54000"/>
+                <a:alpha val="100000"/>
+                <a:satMod val="105000"/>
+                <a:lumMod val="110000"/>
+              </a:schemeClr>
+            </a:gs>
+            <a:gs pos="100000">
+              <a:schemeClr val="phClr">
+                <a:tint val="78000"/>
+                <a:alpha val="92000"/>
+                <a:satMod val="109000"/>
+                <a:lumMod val="100000"/>
+              </a:schemeClr>
+            </a:gs>
+          </a:gsLst>
+          <a:lin ang="5400000" scaled="0"/>
+        </a:gradFill>
+        <a:gradFill rotWithShape="1">
+          <a:gsLst>
+            <a:gs pos="0">
+              <a:schemeClr val="phClr">
+                <a:tint val="98000"/>
+                <a:satMod val="110000"/>
+                <a:lumMod val="104000"/>
+              </a:schemeClr>
+            </a:gs>
+            <a:gs pos="69000">
+              <a:schemeClr val="phClr">
+                <a:shade val="88000"/>
+                <a:satMod val="130000"/>
+                <a:lumMod val="92000"/>
+              </a:schemeClr>
+            </a:gs>
+            <a:gs pos="100000">
+              <a:schemeClr val="phClr">
+                <a:shade val="78000"/>
+                <a:satMod val="130000"/>
+                <a:lumMod val="92000"/>
+              </a:schemeClr>
+            </a:gs>
+          </a:gsLst>
+          <a:lin ang="5400000" scaled="0"/>
+        </a:gradFill>
+      </a:fillStyleLst>
+      <a:lnStyleLst>
+        <a:ln w="9525" cap="flat" cmpd="sng" algn="ctr">
+          <a:solidFill>
+            <a:schemeClr val="phClr"/>
+          </a:solidFill>
+          <a:prstDash val="solid"/>
+        </a:ln>
+        <a:ln w="15875" cap="flat" cmpd="sng" algn="ctr">
+          <a:solidFill>
+            <a:schemeClr val="phClr"/>
+          </a:solidFill>
+          <a:prstDash val="solid"/>
+        </a:ln>
+        <a:ln w="22225" cap="flat" cmpd="sng" algn="ctr">
+          <a:solidFill>
+            <a:schemeClr val="phClr"/>
+          </a:solidFill>
+          <a:prstDash val="solid"/>
+        </a:ln>
+      </a:lnStyleLst>
+      <a:effectStyleLst>
+        <a:effectStyle>
+          <a:effectLst/>
+        </a:effectStyle>
+        <a:effectStyle>
+          <a:effectLst/>
+        </a:effectStyle>
+        <a:effectStyle>
+          <a:effectLst>
+            <a:outerShdw blurRad="50800" dist="50800" dir="5400000" sx="96000" sy="96000" rotWithShape="0">
+              <a:srgbClr val="000000">
+                <a:alpha val="48000"/>
+              </a:srgbClr>
+            </a:outerShdw>
+          </a:effectLst>
+          <a:scene3d>
+            <a:camera prst="orthographicFront">
+              <a:rot lat="0" lon="0" rev="0"/>
+            </a:camera>
+            <a:lightRig rig="balanced" dir="t">
+              <a:rot lat="0" lon="0" rev="1080000"/>
+            </a:lightRig>
+          </a:scene3d>
+          <a:sp3d>
+            <a:bevelT w="38100" h="12700" prst="softRound"/>
+          </a:sp3d>
+        </a:effectStyle>
+      </a:effectStyleLst>
+      <a:bgFillStyleLst>
+        <a:solidFill>
+          <a:schemeClr val="phClr"/>
+        </a:solidFill>
+        <a:solidFill>
+          <a:schemeClr val="phClr"/>
+        </a:solidFill>
+        <a:gradFill rotWithShape="1">
+          <a:gsLst>
+            <a:gs pos="0">
+              <a:schemeClr val="phClr">
+                <a:tint val="94000"/>
+                <a:satMod val="80000"/>
+                <a:lumMod val="106000"/>
+              </a:schemeClr>
+            </a:gs>
+            <a:gs pos="100000">
+              <a:schemeClr val="phClr">
+                <a:shade val="80000"/>
+              </a:schemeClr>
+            </a:gs>
+          </a:gsLst>
+          <a:path path="circle">
+            <a:fillToRect l="43000" r="43000" b="100000"/>
+          </a:path>
+        </a:gradFill>
+      </a:bgFillStyleLst>
+    </a:fmtScheme>
+  </a:themeElements>
+  <a:objectDefaults/>
+  <a:extraClrSchemeLst/>
+  <a:extLst>
+    <a:ext uri="{05A4C25C-085E-4340-85A3-A5531E510DB2}">
+      <thm15:themeFamily xmlns:thm15="http://schemas.microsoft.com/office/thememl/2012/main" name="Gallery" id="{BBFCD31E-59A1-489D-B089-A3EAD7CAE12E}" vid="{F5E91637-A7B6-4E27-B710-77DA7014EE1E}"/>
+    </a:ext>
+  </a:extLst>
+</a:theme>
 </file>
--- a/_v_images/FYN architecture.pptx
+++ b/_v_images/FYN architecture.pptx
@@ -8,7 +8,9 @@
   <p:sldIdLst>
     <p:sldId id="256" r:id="rId3"/>
     <p:sldId id="257" r:id="rId4"/>
-    <p:sldId id="258" r:id="rId5"/>
+    <p:sldId id="259" r:id="rId5"/>
+    <p:sldId id="260" r:id="rId6"/>
+    <p:sldId id="258" r:id="rId7"/>
   </p:sldIdLst>
   <p:sldSz cx="12192000" cy="6858000"/>
   <p:notesSz cx="6858000" cy="9144000"/>
@@ -262,7 +264,7 @@
           <a:p>
             <a:fld id="{9F2E0E96-8939-4B42-AD6D-D7AB4B81F72E}" type="datetimeFigureOut">
               <a:rPr lang="zh-CN" altLang="en-US" smtClean="0"/>
-              <a:t>2019/11/1</a:t>
+              <a:t>2019/11/3</a:t>
             </a:fld>
             <a:endParaRPr lang="zh-CN" altLang="en-US"/>
           </a:p>
@@ -460,7 +462,7 @@
           <a:p>
             <a:fld id="{9F2E0E96-8939-4B42-AD6D-D7AB4B81F72E}" type="datetimeFigureOut">
               <a:rPr lang="zh-CN" altLang="en-US" smtClean="0"/>
-              <a:t>2019/11/1</a:t>
+              <a:t>2019/11/3</a:t>
             </a:fld>
             <a:endParaRPr lang="zh-CN" altLang="en-US"/>
           </a:p>
@@ -668,7 +670,7 @@
           <a:p>
             <a:fld id="{9F2E0E96-8939-4B42-AD6D-D7AB4B81F72E}" type="datetimeFigureOut">
               <a:rPr lang="zh-CN" altLang="en-US" smtClean="0"/>
-              <a:t>2019/11/1</a:t>
+              <a:t>2019/11/3</a:t>
             </a:fld>
             <a:endParaRPr lang="zh-CN" altLang="en-US"/>
           </a:p>
@@ -880,7 +882,7 @@
           <a:p>
             <a:fld id="{9F2E0E96-8939-4B42-AD6D-D7AB4B81F72E}" type="datetimeFigureOut">
               <a:rPr lang="zh-CN" altLang="en-US" smtClean="0"/>
-              <a:t>2019/11/1</a:t>
+              <a:t>2019/11/3</a:t>
             </a:fld>
             <a:endParaRPr lang="zh-CN" altLang="en-US"/>
           </a:p>
@@ -1091,7 +1093,7 @@
           <a:p>
             <a:fld id="{9F2E0E96-8939-4B42-AD6D-D7AB4B81F72E}" type="datetimeFigureOut">
               <a:rPr lang="zh-CN" altLang="en-US" smtClean="0"/>
-              <a:t>2019/11/1</a:t>
+              <a:t>2019/11/3</a:t>
             </a:fld>
             <a:endParaRPr lang="zh-CN" altLang="en-US"/>
           </a:p>
@@ -1370,7 +1372,7 @@
           <a:p>
             <a:fld id="{9F2E0E96-8939-4B42-AD6D-D7AB4B81F72E}" type="datetimeFigureOut">
               <a:rPr lang="zh-CN" altLang="en-US" smtClean="0"/>
-              <a:t>2019/11/1</a:t>
+              <a:t>2019/11/3</a:t>
             </a:fld>
             <a:endParaRPr lang="zh-CN" altLang="en-US"/>
           </a:p>
@@ -1638,7 +1640,7 @@
           <a:p>
             <a:fld id="{9F2E0E96-8939-4B42-AD6D-D7AB4B81F72E}" type="datetimeFigureOut">
               <a:rPr lang="zh-CN" altLang="en-US" smtClean="0"/>
-              <a:t>2019/11/1</a:t>
+              <a:t>2019/11/3</a:t>
             </a:fld>
             <a:endParaRPr lang="zh-CN" altLang="en-US"/>
           </a:p>
@@ -2054,7 +2056,7 @@
           <a:p>
             <a:fld id="{9F2E0E96-8939-4B42-AD6D-D7AB4B81F72E}" type="datetimeFigureOut">
               <a:rPr lang="zh-CN" altLang="en-US" smtClean="0"/>
-              <a:t>2019/11/1</a:t>
+              <a:t>2019/11/3</a:t>
             </a:fld>
             <a:endParaRPr lang="zh-CN" altLang="en-US"/>
           </a:p>
@@ -2203,7 +2205,7 @@
           <a:p>
             <a:fld id="{9F2E0E96-8939-4B42-AD6D-D7AB4B81F72E}" type="datetimeFigureOut">
               <a:rPr lang="zh-CN" altLang="en-US" smtClean="0"/>
-              <a:t>2019/11/1</a:t>
+              <a:t>2019/11/3</a:t>
             </a:fld>
             <a:endParaRPr lang="zh-CN" altLang="en-US"/>
           </a:p>
@@ -2329,7 +2331,7 @@
           <a:p>
             <a:fld id="{9F2E0E96-8939-4B42-AD6D-D7AB4B81F72E}" type="datetimeFigureOut">
               <a:rPr lang="zh-CN" altLang="en-US" smtClean="0"/>
-              <a:t>2019/11/1</a:t>
+              <a:t>2019/11/3</a:t>
             </a:fld>
             <a:endParaRPr lang="zh-CN" altLang="en-US"/>
           </a:p>
@@ -2580,7 +2582,7 @@
           <a:p>
             <a:fld id="{9F2E0E96-8939-4B42-AD6D-D7AB4B81F72E}" type="datetimeFigureOut">
               <a:rPr lang="zh-CN" altLang="en-US" smtClean="0"/>
-              <a:t>2019/11/1</a:t>
+              <a:t>2019/11/3</a:t>
             </a:fld>
             <a:endParaRPr lang="zh-CN" altLang="en-US"/>
           </a:p>
@@ -2797,7 +2799,7 @@
           <a:p>
             <a:fld id="{9F2E0E96-8939-4B42-AD6D-D7AB4B81F72E}" type="datetimeFigureOut">
               <a:rPr lang="zh-CN" altLang="en-US" smtClean="0"/>
-              <a:t>2019/11/1</a:t>
+              <a:t>2019/11/3</a:t>
             </a:fld>
             <a:endParaRPr lang="zh-CN" altLang="en-US"/>
           </a:p>
@@ -3223,7 +3225,7 @@
           <a:p>
             <a:fld id="{9F2E0E96-8939-4B42-AD6D-D7AB4B81F72E}" type="datetimeFigureOut">
               <a:rPr lang="zh-CN" altLang="en-US" smtClean="0"/>
-              <a:t>2019/11/1</a:t>
+              <a:t>2019/11/3</a:t>
             </a:fld>
             <a:endParaRPr lang="zh-CN" altLang="en-US"/>
           </a:p>
@@ -3429,7 +3431,7 @@
           <a:p>
             <a:fld id="{9F2E0E96-8939-4B42-AD6D-D7AB4B81F72E}" type="datetimeFigureOut">
               <a:rPr lang="zh-CN" altLang="en-US" smtClean="0"/>
-              <a:t>2019/11/1</a:t>
+              <a:t>2019/11/3</a:t>
             </a:fld>
             <a:endParaRPr lang="zh-CN" altLang="en-US"/>
           </a:p>
@@ -3644,7 +3646,7 @@
           <a:p>
             <a:fld id="{9F2E0E96-8939-4B42-AD6D-D7AB4B81F72E}" type="datetimeFigureOut">
               <a:rPr lang="zh-CN" altLang="en-US" smtClean="0"/>
-              <a:t>2019/11/1</a:t>
+              <a:t>2019/11/3</a:t>
             </a:fld>
             <a:endParaRPr lang="zh-CN" altLang="en-US"/>
           </a:p>
@@ -3938,7 +3940,7 @@
           <a:p>
             <a:fld id="{9F2E0E96-8939-4B42-AD6D-D7AB4B81F72E}" type="datetimeFigureOut">
               <a:rPr lang="zh-CN" altLang="en-US" smtClean="0"/>
-              <a:t>2019/11/1</a:t>
+              <a:t>2019/11/3</a:t>
             </a:fld>
             <a:endParaRPr lang="zh-CN" altLang="en-US"/>
           </a:p>
@@ -4203,7 +4205,7 @@
           <a:p>
             <a:fld id="{9F2E0E96-8939-4B42-AD6D-D7AB4B81F72E}" type="datetimeFigureOut">
               <a:rPr lang="zh-CN" altLang="en-US" smtClean="0"/>
-              <a:t>2019/11/1</a:t>
+              <a:t>2019/11/3</a:t>
             </a:fld>
             <a:endParaRPr lang="zh-CN" altLang="en-US"/>
           </a:p>
@@ -4615,7 +4617,7 @@
           <a:p>
             <a:fld id="{9F2E0E96-8939-4B42-AD6D-D7AB4B81F72E}" type="datetimeFigureOut">
               <a:rPr lang="zh-CN" altLang="en-US" smtClean="0"/>
-              <a:t>2019/11/1</a:t>
+              <a:t>2019/11/3</a:t>
             </a:fld>
             <a:endParaRPr lang="zh-CN" altLang="en-US"/>
           </a:p>
@@ -4756,7 +4758,7 @@
           <a:p>
             <a:fld id="{9F2E0E96-8939-4B42-AD6D-D7AB4B81F72E}" type="datetimeFigureOut">
               <a:rPr lang="zh-CN" altLang="en-US" smtClean="0"/>
-              <a:t>2019/11/1</a:t>
+              <a:t>2019/11/3</a:t>
             </a:fld>
             <a:endParaRPr lang="zh-CN" altLang="en-US"/>
           </a:p>
@@ -4869,7 +4871,7 @@
           <a:p>
             <a:fld id="{9F2E0E96-8939-4B42-AD6D-D7AB4B81F72E}" type="datetimeFigureOut">
               <a:rPr lang="zh-CN" altLang="en-US" smtClean="0"/>
-              <a:t>2019/11/1</a:t>
+              <a:t>2019/11/3</a:t>
             </a:fld>
             <a:endParaRPr lang="zh-CN" altLang="en-US"/>
           </a:p>
@@ -5180,7 +5182,7 @@
           <a:p>
             <a:fld id="{9F2E0E96-8939-4B42-AD6D-D7AB4B81F72E}" type="datetimeFigureOut">
               <a:rPr lang="zh-CN" altLang="en-US" smtClean="0"/>
-              <a:t>2019/11/1</a:t>
+              <a:t>2019/11/3</a:t>
             </a:fld>
             <a:endParaRPr lang="zh-CN" altLang="en-US"/>
           </a:p>
@@ -5468,7 +5470,7 @@
           <a:p>
             <a:fld id="{9F2E0E96-8939-4B42-AD6D-D7AB4B81F72E}" type="datetimeFigureOut">
               <a:rPr lang="zh-CN" altLang="en-US" smtClean="0"/>
-              <a:t>2019/11/1</a:t>
+              <a:t>2019/11/3</a:t>
             </a:fld>
             <a:endParaRPr lang="zh-CN" altLang="en-US"/>
           </a:p>
@@ -5709,7 +5711,7 @@
           <a:p>
             <a:fld id="{9F2E0E96-8939-4B42-AD6D-D7AB4B81F72E}" type="datetimeFigureOut">
               <a:rPr lang="zh-CN" altLang="en-US" smtClean="0"/>
-              <a:t>2019/11/1</a:t>
+              <a:t>2019/11/3</a:t>
             </a:fld>
             <a:endParaRPr lang="zh-CN" altLang="en-US"/>
           </a:p>
@@ -6339,7 +6341,7 @@
           <a:p>
             <a:fld id="{9F2E0E96-8939-4B42-AD6D-D7AB4B81F72E}" type="datetimeFigureOut">
               <a:rPr lang="zh-CN" altLang="en-US" smtClean="0"/>
-              <a:t>2019/11/1</a:t>
+              <a:t>2019/11/3</a:t>
             </a:fld>
             <a:endParaRPr lang="zh-CN" altLang="en-US"/>
           </a:p>
@@ -9840,6 +9842,1166 @@
 </file>
 
 <file path=ppt/slides/slide3.xml><?xml version="1.0" encoding="utf-8"?>
+<p:sld xmlns:a="http://schemas.openxmlformats.org/drawingml/2006/main" xmlns:r="http://schemas.openxmlformats.org/officeDocument/2006/relationships" xmlns:p="http://schemas.openxmlformats.org/presentationml/2006/main">
+  <p:cSld>
+    <p:spTree>
+      <p:nvGrpSpPr>
+        <p:cNvPr id="1" name=""/>
+        <p:cNvGrpSpPr/>
+        <p:nvPr/>
+      </p:nvGrpSpPr>
+      <p:grpSpPr>
+        <a:xfrm>
+          <a:off x="0" y="0"/>
+          <a:ext cx="0" cy="0"/>
+          <a:chOff x="0" y="0"/>
+          <a:chExt cx="0" cy="0"/>
+        </a:xfrm>
+      </p:grpSpPr>
+      <p:pic>
+        <p:nvPicPr>
+          <p:cNvPr id="2" name="Picture 2">
+            <a:extLst>
+              <a:ext uri="{FF2B5EF4-FFF2-40B4-BE49-F238E27FC236}">
+                <a16:creationId xmlns:a16="http://schemas.microsoft.com/office/drawing/2014/main" id="{4691CF63-ECD9-4490-8DD4-EDD98F58A399}"/>
+              </a:ext>
+            </a:extLst>
+          </p:cNvPr>
+          <p:cNvPicPr>
+            <a:picLocks noChangeAspect="1" noChangeArrowheads="1"/>
+          </p:cNvPicPr>
+          <p:nvPr/>
+        </p:nvPicPr>
+        <p:blipFill>
+          <a:blip r:embed="rId2">
+            <a:extLst>
+              <a:ext uri="{28A0092B-C50C-407E-A947-70E740481C1C}">
+                <a14:useLocalDpi xmlns:a14="http://schemas.microsoft.com/office/drawing/2010/main" val="0"/>
+              </a:ext>
+            </a:extLst>
+          </a:blip>
+          <a:srcRect/>
+          <a:stretch>
+            <a:fillRect/>
+          </a:stretch>
+        </p:blipFill>
+        <p:spPr bwMode="auto">
+          <a:xfrm>
+            <a:off x="2843027" y="518558"/>
+            <a:ext cx="2160000" cy="1620001"/>
+          </a:xfrm>
+          <a:prstGeom prst="rect">
+            <a:avLst/>
+          </a:prstGeom>
+          <a:noFill/>
+          <a:extLst>
+            <a:ext uri="{909E8E84-426E-40DD-AFC4-6F175D3DCCD1}">
+              <a14:hiddenFill xmlns:a14="http://schemas.microsoft.com/office/drawing/2010/main">
+                <a:solidFill>
+                  <a:srgbClr val="FFFFFF"/>
+                </a:solidFill>
+              </a14:hiddenFill>
+            </a:ext>
+          </a:extLst>
+        </p:spPr>
+      </p:pic>
+      <p:pic>
+        <p:nvPicPr>
+          <p:cNvPr id="3" name="Picture 4">
+            <a:extLst>
+              <a:ext uri="{FF2B5EF4-FFF2-40B4-BE49-F238E27FC236}">
+                <a16:creationId xmlns:a16="http://schemas.microsoft.com/office/drawing/2014/main" id="{D52BA03C-D5BF-48D5-B2A9-841B87D51DE4}"/>
+              </a:ext>
+            </a:extLst>
+          </p:cNvPr>
+          <p:cNvPicPr>
+            <a:picLocks noChangeAspect="1" noChangeArrowheads="1"/>
+          </p:cNvPicPr>
+          <p:nvPr/>
+        </p:nvPicPr>
+        <p:blipFill>
+          <a:blip r:embed="rId3">
+            <a:extLst>
+              <a:ext uri="{28A0092B-C50C-407E-A947-70E740481C1C}">
+                <a14:useLocalDpi xmlns:a14="http://schemas.microsoft.com/office/drawing/2010/main" val="0"/>
+              </a:ext>
+            </a:extLst>
+          </a:blip>
+          <a:srcRect/>
+          <a:stretch>
+            <a:fillRect/>
+          </a:stretch>
+        </p:blipFill>
+        <p:spPr bwMode="auto">
+          <a:xfrm>
+            <a:off x="7188978" y="516811"/>
+            <a:ext cx="2160000" cy="1620000"/>
+          </a:xfrm>
+          <a:prstGeom prst="rect">
+            <a:avLst/>
+          </a:prstGeom>
+          <a:noFill/>
+          <a:extLst>
+            <a:ext uri="{909E8E84-426E-40DD-AFC4-6F175D3DCCD1}">
+              <a14:hiddenFill xmlns:a14="http://schemas.microsoft.com/office/drawing/2010/main">
+                <a:solidFill>
+                  <a:srgbClr val="FFFFFF"/>
+                </a:solidFill>
+              </a14:hiddenFill>
+            </a:ext>
+          </a:extLst>
+        </p:spPr>
+      </p:pic>
+      <p:pic>
+        <p:nvPicPr>
+          <p:cNvPr id="4" name="Picture 6">
+            <a:extLst>
+              <a:ext uri="{FF2B5EF4-FFF2-40B4-BE49-F238E27FC236}">
+                <a16:creationId xmlns:a16="http://schemas.microsoft.com/office/drawing/2014/main" id="{3197F2F0-7FB1-4F67-A85D-44C9788F6B1A}"/>
+              </a:ext>
+            </a:extLst>
+          </p:cNvPr>
+          <p:cNvPicPr>
+            <a:picLocks noChangeAspect="1" noChangeArrowheads="1"/>
+          </p:cNvPicPr>
+          <p:nvPr/>
+        </p:nvPicPr>
+        <p:blipFill>
+          <a:blip r:embed="rId4">
+            <a:extLst>
+              <a:ext uri="{28A0092B-C50C-407E-A947-70E740481C1C}">
+                <a14:useLocalDpi xmlns:a14="http://schemas.microsoft.com/office/drawing/2010/main" val="0"/>
+              </a:ext>
+            </a:extLst>
+          </a:blip>
+          <a:srcRect/>
+          <a:stretch>
+            <a:fillRect/>
+          </a:stretch>
+        </p:blipFill>
+        <p:spPr bwMode="auto">
+          <a:xfrm>
+            <a:off x="5016000" y="516811"/>
+            <a:ext cx="2160000" cy="1620000"/>
+          </a:xfrm>
+          <a:prstGeom prst="rect">
+            <a:avLst/>
+          </a:prstGeom>
+          <a:noFill/>
+          <a:extLst>
+            <a:ext uri="{909E8E84-426E-40DD-AFC4-6F175D3DCCD1}">
+              <a14:hiddenFill xmlns:a14="http://schemas.microsoft.com/office/drawing/2010/main">
+                <a:solidFill>
+                  <a:srgbClr val="FFFFFF"/>
+                </a:solidFill>
+              </a14:hiddenFill>
+            </a:ext>
+          </a:extLst>
+        </p:spPr>
+      </p:pic>
+      <p:pic>
+        <p:nvPicPr>
+          <p:cNvPr id="5" name="Picture 8">
+            <a:extLst>
+              <a:ext uri="{FF2B5EF4-FFF2-40B4-BE49-F238E27FC236}">
+                <a16:creationId xmlns:a16="http://schemas.microsoft.com/office/drawing/2014/main" id="{463BC76A-9176-47B4-A51A-DEE40FA1DB2B}"/>
+              </a:ext>
+            </a:extLst>
+          </p:cNvPr>
+          <p:cNvPicPr>
+            <a:picLocks noChangeAspect="1" noChangeArrowheads="1"/>
+          </p:cNvPicPr>
+          <p:nvPr/>
+        </p:nvPicPr>
+        <p:blipFill>
+          <a:blip r:embed="rId5">
+            <a:extLst>
+              <a:ext uri="{28A0092B-C50C-407E-A947-70E740481C1C}">
+                <a14:useLocalDpi xmlns:a14="http://schemas.microsoft.com/office/drawing/2010/main" val="0"/>
+              </a:ext>
+            </a:extLst>
+          </a:blip>
+          <a:srcRect/>
+          <a:stretch>
+            <a:fillRect/>
+          </a:stretch>
+        </p:blipFill>
+        <p:spPr bwMode="auto">
+          <a:xfrm>
+            <a:off x="2843026" y="2345614"/>
+            <a:ext cx="2160001" cy="1620001"/>
+          </a:xfrm>
+          <a:prstGeom prst="rect">
+            <a:avLst/>
+          </a:prstGeom>
+          <a:noFill/>
+          <a:extLst>
+            <a:ext uri="{909E8E84-426E-40DD-AFC4-6F175D3DCCD1}">
+              <a14:hiddenFill xmlns:a14="http://schemas.microsoft.com/office/drawing/2010/main">
+                <a:solidFill>
+                  <a:srgbClr val="FFFFFF"/>
+                </a:solidFill>
+              </a14:hiddenFill>
+            </a:ext>
+          </a:extLst>
+        </p:spPr>
+      </p:pic>
+      <p:pic>
+        <p:nvPicPr>
+          <p:cNvPr id="6" name="Picture 10">
+            <a:extLst>
+              <a:ext uri="{FF2B5EF4-FFF2-40B4-BE49-F238E27FC236}">
+                <a16:creationId xmlns:a16="http://schemas.microsoft.com/office/drawing/2014/main" id="{610A2725-BF21-4BAD-B11D-7EE4357544D6}"/>
+              </a:ext>
+            </a:extLst>
+          </p:cNvPr>
+          <p:cNvPicPr>
+            <a:picLocks noChangeAspect="1" noChangeArrowheads="1"/>
+          </p:cNvPicPr>
+          <p:nvPr/>
+        </p:nvPicPr>
+        <p:blipFill>
+          <a:blip r:embed="rId6">
+            <a:extLst>
+              <a:ext uri="{28A0092B-C50C-407E-A947-70E740481C1C}">
+                <a14:useLocalDpi xmlns:a14="http://schemas.microsoft.com/office/drawing/2010/main" val="0"/>
+              </a:ext>
+            </a:extLst>
+          </a:blip>
+          <a:srcRect/>
+          <a:stretch>
+            <a:fillRect/>
+          </a:stretch>
+        </p:blipFill>
+        <p:spPr bwMode="auto">
+          <a:xfrm>
+            <a:off x="5016000" y="2345614"/>
+            <a:ext cx="2160000" cy="1620000"/>
+          </a:xfrm>
+          <a:prstGeom prst="rect">
+            <a:avLst/>
+          </a:prstGeom>
+          <a:noFill/>
+          <a:extLst>
+            <a:ext uri="{909E8E84-426E-40DD-AFC4-6F175D3DCCD1}">
+              <a14:hiddenFill xmlns:a14="http://schemas.microsoft.com/office/drawing/2010/main">
+                <a:solidFill>
+                  <a:srgbClr val="FFFFFF"/>
+                </a:solidFill>
+              </a14:hiddenFill>
+            </a:ext>
+          </a:extLst>
+        </p:spPr>
+      </p:pic>
+      <p:pic>
+        <p:nvPicPr>
+          <p:cNvPr id="7" name="Picture 12">
+            <a:extLst>
+              <a:ext uri="{FF2B5EF4-FFF2-40B4-BE49-F238E27FC236}">
+                <a16:creationId xmlns:a16="http://schemas.microsoft.com/office/drawing/2014/main" id="{789D0BC5-B4B3-452A-A9DA-657368734423}"/>
+              </a:ext>
+            </a:extLst>
+          </p:cNvPr>
+          <p:cNvPicPr>
+            <a:picLocks noChangeAspect="1" noChangeArrowheads="1"/>
+          </p:cNvPicPr>
+          <p:nvPr/>
+        </p:nvPicPr>
+        <p:blipFill>
+          <a:blip r:embed="rId7">
+            <a:extLst>
+              <a:ext uri="{28A0092B-C50C-407E-A947-70E740481C1C}">
+                <a14:useLocalDpi xmlns:a14="http://schemas.microsoft.com/office/drawing/2010/main" val="0"/>
+              </a:ext>
+            </a:extLst>
+          </a:blip>
+          <a:srcRect/>
+          <a:stretch>
+            <a:fillRect/>
+          </a:stretch>
+        </p:blipFill>
+        <p:spPr bwMode="auto">
+          <a:xfrm>
+            <a:off x="7188977" y="2345613"/>
+            <a:ext cx="2159999" cy="1619999"/>
+          </a:xfrm>
+          <a:prstGeom prst="rect">
+            <a:avLst/>
+          </a:prstGeom>
+          <a:noFill/>
+          <a:extLst>
+            <a:ext uri="{909E8E84-426E-40DD-AFC4-6F175D3DCCD1}">
+              <a14:hiddenFill xmlns:a14="http://schemas.microsoft.com/office/drawing/2010/main">
+                <a:solidFill>
+                  <a:srgbClr val="FFFFFF"/>
+                </a:solidFill>
+              </a14:hiddenFill>
+            </a:ext>
+          </a:extLst>
+        </p:spPr>
+      </p:pic>
+      <p:pic>
+        <p:nvPicPr>
+          <p:cNvPr id="8" name="Picture 14">
+            <a:extLst>
+              <a:ext uri="{FF2B5EF4-FFF2-40B4-BE49-F238E27FC236}">
+                <a16:creationId xmlns:a16="http://schemas.microsoft.com/office/drawing/2014/main" id="{BE0B85F8-C79B-4125-A4D9-779927AAA5A1}"/>
+              </a:ext>
+            </a:extLst>
+          </p:cNvPr>
+          <p:cNvPicPr>
+            <a:picLocks noChangeAspect="1" noChangeArrowheads="1"/>
+          </p:cNvPicPr>
+          <p:nvPr/>
+        </p:nvPicPr>
+        <p:blipFill>
+          <a:blip r:embed="rId8">
+            <a:extLst>
+              <a:ext uri="{28A0092B-C50C-407E-A947-70E740481C1C}">
+                <a14:useLocalDpi xmlns:a14="http://schemas.microsoft.com/office/drawing/2010/main" val="0"/>
+              </a:ext>
+            </a:extLst>
+          </a:blip>
+          <a:srcRect/>
+          <a:stretch>
+            <a:fillRect/>
+          </a:stretch>
+        </p:blipFill>
+        <p:spPr bwMode="auto">
+          <a:xfrm>
+            <a:off x="2843027" y="4172667"/>
+            <a:ext cx="2160000" cy="1620000"/>
+          </a:xfrm>
+          <a:prstGeom prst="rect">
+            <a:avLst/>
+          </a:prstGeom>
+          <a:noFill/>
+          <a:extLst>
+            <a:ext uri="{909E8E84-426E-40DD-AFC4-6F175D3DCCD1}">
+              <a14:hiddenFill xmlns:a14="http://schemas.microsoft.com/office/drawing/2010/main">
+                <a:solidFill>
+                  <a:srgbClr val="FFFFFF"/>
+                </a:solidFill>
+              </a14:hiddenFill>
+            </a:ext>
+          </a:extLst>
+        </p:spPr>
+      </p:pic>
+      <p:pic>
+        <p:nvPicPr>
+          <p:cNvPr id="9" name="Picture 16">
+            <a:extLst>
+              <a:ext uri="{FF2B5EF4-FFF2-40B4-BE49-F238E27FC236}">
+                <a16:creationId xmlns:a16="http://schemas.microsoft.com/office/drawing/2014/main" id="{54B43D6A-FF07-4008-990C-82635A67B82D}"/>
+              </a:ext>
+            </a:extLst>
+          </p:cNvPr>
+          <p:cNvPicPr>
+            <a:picLocks noChangeAspect="1" noChangeArrowheads="1"/>
+          </p:cNvPicPr>
+          <p:nvPr/>
+        </p:nvPicPr>
+        <p:blipFill>
+          <a:blip r:embed="rId9">
+            <a:extLst>
+              <a:ext uri="{28A0092B-C50C-407E-A947-70E740481C1C}">
+                <a14:useLocalDpi xmlns:a14="http://schemas.microsoft.com/office/drawing/2010/main" val="0"/>
+              </a:ext>
+            </a:extLst>
+          </a:blip>
+          <a:srcRect/>
+          <a:stretch>
+            <a:fillRect/>
+          </a:stretch>
+        </p:blipFill>
+        <p:spPr bwMode="auto">
+          <a:xfrm>
+            <a:off x="5016001" y="4172667"/>
+            <a:ext cx="2160000" cy="1620000"/>
+          </a:xfrm>
+          <a:prstGeom prst="rect">
+            <a:avLst/>
+          </a:prstGeom>
+          <a:noFill/>
+          <a:extLst>
+            <a:ext uri="{909E8E84-426E-40DD-AFC4-6F175D3DCCD1}">
+              <a14:hiddenFill xmlns:a14="http://schemas.microsoft.com/office/drawing/2010/main">
+                <a:solidFill>
+                  <a:srgbClr val="FFFFFF"/>
+                </a:solidFill>
+              </a14:hiddenFill>
+            </a:ext>
+          </a:extLst>
+        </p:spPr>
+      </p:pic>
+      <p:pic>
+        <p:nvPicPr>
+          <p:cNvPr id="10" name="Picture 18">
+            <a:extLst>
+              <a:ext uri="{FF2B5EF4-FFF2-40B4-BE49-F238E27FC236}">
+                <a16:creationId xmlns:a16="http://schemas.microsoft.com/office/drawing/2014/main" id="{B301D0FC-1EDF-445C-9959-EE0DF4A001EB}"/>
+              </a:ext>
+            </a:extLst>
+          </p:cNvPr>
+          <p:cNvPicPr>
+            <a:picLocks noChangeAspect="1" noChangeArrowheads="1"/>
+          </p:cNvPicPr>
+          <p:nvPr/>
+        </p:nvPicPr>
+        <p:blipFill>
+          <a:blip r:embed="rId10">
+            <a:extLst>
+              <a:ext uri="{28A0092B-C50C-407E-A947-70E740481C1C}">
+                <a14:useLocalDpi xmlns:a14="http://schemas.microsoft.com/office/drawing/2010/main" val="0"/>
+              </a:ext>
+            </a:extLst>
+          </a:blip>
+          <a:srcRect/>
+          <a:stretch>
+            <a:fillRect/>
+          </a:stretch>
+        </p:blipFill>
+        <p:spPr bwMode="auto">
+          <a:xfrm>
+            <a:off x="7188977" y="4172667"/>
+            <a:ext cx="2159999" cy="1620000"/>
+          </a:xfrm>
+          <a:prstGeom prst="rect">
+            <a:avLst/>
+          </a:prstGeom>
+          <a:noFill/>
+          <a:extLst>
+            <a:ext uri="{909E8E84-426E-40DD-AFC4-6F175D3DCCD1}">
+              <a14:hiddenFill xmlns:a14="http://schemas.microsoft.com/office/drawing/2010/main">
+                <a:solidFill>
+                  <a:srgbClr val="FFFFFF"/>
+                </a:solidFill>
+              </a14:hiddenFill>
+            </a:ext>
+          </a:extLst>
+        </p:spPr>
+      </p:pic>
+      <p:sp>
+        <p:nvSpPr>
+          <p:cNvPr id="11" name="文本框 10">
+            <a:extLst>
+              <a:ext uri="{FF2B5EF4-FFF2-40B4-BE49-F238E27FC236}">
+                <a16:creationId xmlns:a16="http://schemas.microsoft.com/office/drawing/2014/main" id="{6D99BEA6-B680-4676-9A97-85F5682E5D7D}"/>
+              </a:ext>
+            </a:extLst>
+          </p:cNvPr>
+          <p:cNvSpPr txBox="1"/>
+          <p:nvPr/>
+        </p:nvSpPr>
+        <p:spPr>
+          <a:xfrm>
+            <a:off x="3278133" y="6122288"/>
+            <a:ext cx="1289785" cy="369332"/>
+          </a:xfrm>
+          <a:prstGeom prst="rect">
+            <a:avLst/>
+          </a:prstGeom>
+          <a:noFill/>
+        </p:spPr>
+        <p:txBody>
+          <a:bodyPr wrap="square" rtlCol="0">
+            <a:spAutoFit/>
+          </a:bodyPr>
+          <a:lstStyle/>
+          <a:p>
+            <a:pPr algn="ctr"/>
+            <a:r>
+              <a:rPr lang="en-GB" altLang="zh-CN" b="1" dirty="0">
+                <a:latin typeface="Times New Roman" panose="02020603050405020304" pitchFamily="18" charset="0"/>
+                <a:cs typeface="Times New Roman" panose="02020603050405020304" pitchFamily="18" charset="0"/>
+              </a:rPr>
+              <a:t>Original</a:t>
+            </a:r>
+            <a:endParaRPr lang="zh-CN" altLang="en-US" b="1" dirty="0">
+              <a:latin typeface="Times New Roman" panose="02020603050405020304" pitchFamily="18" charset="0"/>
+              <a:cs typeface="Times New Roman" panose="02020603050405020304" pitchFamily="18" charset="0"/>
+            </a:endParaRPr>
+          </a:p>
+        </p:txBody>
+      </p:sp>
+      <p:sp>
+        <p:nvSpPr>
+          <p:cNvPr id="12" name="矩形 11">
+            <a:extLst>
+              <a:ext uri="{FF2B5EF4-FFF2-40B4-BE49-F238E27FC236}">
+                <a16:creationId xmlns:a16="http://schemas.microsoft.com/office/drawing/2014/main" id="{42194C34-2D6B-4A90-AD85-D59A90D69A92}"/>
+              </a:ext>
+            </a:extLst>
+          </p:cNvPr>
+          <p:cNvSpPr/>
+          <p:nvPr/>
+        </p:nvSpPr>
+        <p:spPr>
+          <a:xfrm>
+            <a:off x="5301455" y="6122288"/>
+            <a:ext cx="1589089" cy="369332"/>
+          </a:xfrm>
+          <a:prstGeom prst="rect">
+            <a:avLst/>
+          </a:prstGeom>
+        </p:spPr>
+        <p:txBody>
+          <a:bodyPr wrap="none">
+            <a:spAutoFit/>
+          </a:bodyPr>
+          <a:lstStyle/>
+          <a:p>
+            <a:pPr algn="ctr"/>
+            <a:r>
+              <a:rPr lang="en-GB" altLang="zh-CN" b="1" dirty="0">
+                <a:latin typeface="Times New Roman" panose="02020603050405020304" pitchFamily="18" charset="0"/>
+                <a:cs typeface="Times New Roman" panose="02020603050405020304" pitchFamily="18" charset="0"/>
+              </a:rPr>
+              <a:t>Ground Truth</a:t>
+            </a:r>
+            <a:endParaRPr lang="zh-CN" altLang="en-US" b="1" dirty="0">
+              <a:latin typeface="Times New Roman" panose="02020603050405020304" pitchFamily="18" charset="0"/>
+              <a:cs typeface="Times New Roman" panose="02020603050405020304" pitchFamily="18" charset="0"/>
+            </a:endParaRPr>
+          </a:p>
+        </p:txBody>
+      </p:sp>
+      <p:sp>
+        <p:nvSpPr>
+          <p:cNvPr id="22" name="矩形 21">
+            <a:extLst>
+              <a:ext uri="{FF2B5EF4-FFF2-40B4-BE49-F238E27FC236}">
+                <a16:creationId xmlns:a16="http://schemas.microsoft.com/office/drawing/2014/main" id="{B70DE949-0DEA-4497-B9FB-0A030E9DF8C7}"/>
+              </a:ext>
+            </a:extLst>
+          </p:cNvPr>
+          <p:cNvSpPr/>
+          <p:nvPr/>
+        </p:nvSpPr>
+        <p:spPr>
+          <a:xfrm>
+            <a:off x="7374020" y="6122288"/>
+            <a:ext cx="1789914" cy="369332"/>
+          </a:xfrm>
+          <a:prstGeom prst="rect">
+            <a:avLst/>
+          </a:prstGeom>
+        </p:spPr>
+        <p:txBody>
+          <a:bodyPr wrap="none">
+            <a:spAutoFit/>
+          </a:bodyPr>
+          <a:lstStyle/>
+          <a:p>
+            <a:pPr algn="ctr"/>
+            <a:r>
+              <a:rPr lang="en-GB" altLang="zh-CN" b="1" dirty="0">
+                <a:latin typeface="Times New Roman" panose="02020603050405020304" pitchFamily="18" charset="0"/>
+                <a:cs typeface="Times New Roman" panose="02020603050405020304" pitchFamily="18" charset="0"/>
+              </a:rPr>
+              <a:t>Predicted Depth</a:t>
+            </a:r>
+            <a:endParaRPr lang="zh-CN" altLang="en-US" b="1" dirty="0">
+              <a:latin typeface="Times New Roman" panose="02020603050405020304" pitchFamily="18" charset="0"/>
+              <a:cs typeface="Times New Roman" panose="02020603050405020304" pitchFamily="18" charset="0"/>
+            </a:endParaRPr>
+          </a:p>
+        </p:txBody>
+      </p:sp>
+    </p:spTree>
+    <p:extLst>
+      <p:ext uri="{BB962C8B-B14F-4D97-AF65-F5344CB8AC3E}">
+        <p14:creationId xmlns:p14="http://schemas.microsoft.com/office/powerpoint/2010/main" val="1338274799"/>
+      </p:ext>
+    </p:extLst>
+  </p:cSld>
+  <p:clrMapOvr>
+    <a:masterClrMapping/>
+  </p:clrMapOvr>
+</p:sld>
+</file>
+
+<file path=ppt/slides/slide4.xml><?xml version="1.0" encoding="utf-8"?>
+<p:sld xmlns:a="http://schemas.openxmlformats.org/drawingml/2006/main" xmlns:r="http://schemas.openxmlformats.org/officeDocument/2006/relationships" xmlns:p="http://schemas.openxmlformats.org/presentationml/2006/main">
+  <p:cSld>
+    <p:spTree>
+      <p:nvGrpSpPr>
+        <p:cNvPr id="1" name=""/>
+        <p:cNvGrpSpPr/>
+        <p:nvPr/>
+      </p:nvGrpSpPr>
+      <p:grpSpPr>
+        <a:xfrm>
+          <a:off x="0" y="0"/>
+          <a:ext cx="0" cy="0"/>
+          <a:chOff x="0" y="0"/>
+          <a:chExt cx="0" cy="0"/>
+        </a:xfrm>
+      </p:grpSpPr>
+      <p:sp>
+        <p:nvSpPr>
+          <p:cNvPr id="11" name="文本框 10">
+            <a:extLst>
+              <a:ext uri="{FF2B5EF4-FFF2-40B4-BE49-F238E27FC236}">
+                <a16:creationId xmlns:a16="http://schemas.microsoft.com/office/drawing/2014/main" id="{6D99BEA6-B680-4676-9A97-85F5682E5D7D}"/>
+              </a:ext>
+            </a:extLst>
+          </p:cNvPr>
+          <p:cNvSpPr txBox="1"/>
+          <p:nvPr/>
+        </p:nvSpPr>
+        <p:spPr>
+          <a:xfrm>
+            <a:off x="3278133" y="6122288"/>
+            <a:ext cx="1289785" cy="369332"/>
+          </a:xfrm>
+          <a:prstGeom prst="rect">
+            <a:avLst/>
+          </a:prstGeom>
+          <a:noFill/>
+        </p:spPr>
+        <p:txBody>
+          <a:bodyPr wrap="square" rtlCol="0">
+            <a:spAutoFit/>
+          </a:bodyPr>
+          <a:lstStyle/>
+          <a:p>
+            <a:pPr algn="ctr"/>
+            <a:r>
+              <a:rPr lang="en-GB" altLang="zh-CN" b="1" dirty="0">
+                <a:latin typeface="Times New Roman" panose="02020603050405020304" pitchFamily="18" charset="0"/>
+                <a:cs typeface="Times New Roman" panose="02020603050405020304" pitchFamily="18" charset="0"/>
+              </a:rPr>
+              <a:t>Original</a:t>
+            </a:r>
+            <a:endParaRPr lang="zh-CN" altLang="en-US" b="1" dirty="0">
+              <a:latin typeface="Times New Roman" panose="02020603050405020304" pitchFamily="18" charset="0"/>
+              <a:cs typeface="Times New Roman" panose="02020603050405020304" pitchFamily="18" charset="0"/>
+            </a:endParaRPr>
+          </a:p>
+        </p:txBody>
+      </p:sp>
+      <p:sp>
+        <p:nvSpPr>
+          <p:cNvPr id="12" name="矩形 11">
+            <a:extLst>
+              <a:ext uri="{FF2B5EF4-FFF2-40B4-BE49-F238E27FC236}">
+                <a16:creationId xmlns:a16="http://schemas.microsoft.com/office/drawing/2014/main" id="{42194C34-2D6B-4A90-AD85-D59A90D69A92}"/>
+              </a:ext>
+            </a:extLst>
+          </p:cNvPr>
+          <p:cNvSpPr/>
+          <p:nvPr/>
+        </p:nvSpPr>
+        <p:spPr>
+          <a:xfrm>
+            <a:off x="5301455" y="6122288"/>
+            <a:ext cx="1589089" cy="369332"/>
+          </a:xfrm>
+          <a:prstGeom prst="rect">
+            <a:avLst/>
+          </a:prstGeom>
+        </p:spPr>
+        <p:txBody>
+          <a:bodyPr wrap="none">
+            <a:spAutoFit/>
+          </a:bodyPr>
+          <a:lstStyle/>
+          <a:p>
+            <a:pPr algn="ctr"/>
+            <a:r>
+              <a:rPr lang="en-GB" altLang="zh-CN" b="1" dirty="0">
+                <a:latin typeface="Times New Roman" panose="02020603050405020304" pitchFamily="18" charset="0"/>
+                <a:cs typeface="Times New Roman" panose="02020603050405020304" pitchFamily="18" charset="0"/>
+              </a:rPr>
+              <a:t>Ground Truth</a:t>
+            </a:r>
+            <a:endParaRPr lang="zh-CN" altLang="en-US" b="1" dirty="0">
+              <a:latin typeface="Times New Roman" panose="02020603050405020304" pitchFamily="18" charset="0"/>
+              <a:cs typeface="Times New Roman" panose="02020603050405020304" pitchFamily="18" charset="0"/>
+            </a:endParaRPr>
+          </a:p>
+        </p:txBody>
+      </p:sp>
+      <p:sp>
+        <p:nvSpPr>
+          <p:cNvPr id="22" name="矩形 21">
+            <a:extLst>
+              <a:ext uri="{FF2B5EF4-FFF2-40B4-BE49-F238E27FC236}">
+                <a16:creationId xmlns:a16="http://schemas.microsoft.com/office/drawing/2014/main" id="{B70DE949-0DEA-4497-B9FB-0A030E9DF8C7}"/>
+              </a:ext>
+            </a:extLst>
+          </p:cNvPr>
+          <p:cNvSpPr/>
+          <p:nvPr/>
+        </p:nvSpPr>
+        <p:spPr>
+          <a:xfrm>
+            <a:off x="7374020" y="6122288"/>
+            <a:ext cx="1789914" cy="369332"/>
+          </a:xfrm>
+          <a:prstGeom prst="rect">
+            <a:avLst/>
+          </a:prstGeom>
+        </p:spPr>
+        <p:txBody>
+          <a:bodyPr wrap="none">
+            <a:spAutoFit/>
+          </a:bodyPr>
+          <a:lstStyle/>
+          <a:p>
+            <a:pPr algn="ctr"/>
+            <a:r>
+              <a:rPr lang="en-GB" altLang="zh-CN" b="1" dirty="0">
+                <a:latin typeface="Times New Roman" panose="02020603050405020304" pitchFamily="18" charset="0"/>
+                <a:cs typeface="Times New Roman" panose="02020603050405020304" pitchFamily="18" charset="0"/>
+              </a:rPr>
+              <a:t>Predicted Depth</a:t>
+            </a:r>
+            <a:endParaRPr lang="zh-CN" altLang="en-US" b="1" dirty="0">
+              <a:latin typeface="Times New Roman" panose="02020603050405020304" pitchFamily="18" charset="0"/>
+              <a:cs typeface="Times New Roman" panose="02020603050405020304" pitchFamily="18" charset="0"/>
+            </a:endParaRPr>
+          </a:p>
+        </p:txBody>
+      </p:sp>
+      <p:pic>
+        <p:nvPicPr>
+          <p:cNvPr id="2050" name="Picture 2">
+            <a:extLst>
+              <a:ext uri="{FF2B5EF4-FFF2-40B4-BE49-F238E27FC236}">
+                <a16:creationId xmlns:a16="http://schemas.microsoft.com/office/drawing/2014/main" id="{731D704B-DE17-48B6-8CD1-1C6D3337C06C}"/>
+              </a:ext>
+            </a:extLst>
+          </p:cNvPr>
+          <p:cNvPicPr>
+            <a:picLocks noChangeAspect="1" noChangeArrowheads="1"/>
+          </p:cNvPicPr>
+          <p:nvPr/>
+        </p:nvPicPr>
+        <p:blipFill>
+          <a:blip r:embed="rId2">
+            <a:extLst>
+              <a:ext uri="{28A0092B-C50C-407E-A947-70E740481C1C}">
+                <a14:useLocalDpi xmlns:a14="http://schemas.microsoft.com/office/drawing/2010/main" val="0"/>
+              </a:ext>
+            </a:extLst>
+          </a:blip>
+          <a:srcRect/>
+          <a:stretch>
+            <a:fillRect/>
+          </a:stretch>
+        </p:blipFill>
+        <p:spPr bwMode="auto">
+          <a:xfrm>
+            <a:off x="2843021" y="516810"/>
+            <a:ext cx="2159999" cy="1619999"/>
+          </a:xfrm>
+          <a:prstGeom prst="rect">
+            <a:avLst/>
+          </a:prstGeom>
+          <a:noFill/>
+          <a:extLst>
+            <a:ext uri="{909E8E84-426E-40DD-AFC4-6F175D3DCCD1}">
+              <a14:hiddenFill xmlns:a14="http://schemas.microsoft.com/office/drawing/2010/main">
+                <a:solidFill>
+                  <a:srgbClr val="FFFFFF"/>
+                </a:solidFill>
+              </a14:hiddenFill>
+            </a:ext>
+          </a:extLst>
+        </p:spPr>
+      </p:pic>
+      <p:pic>
+        <p:nvPicPr>
+          <p:cNvPr id="2052" name="Picture 4">
+            <a:extLst>
+              <a:ext uri="{FF2B5EF4-FFF2-40B4-BE49-F238E27FC236}">
+                <a16:creationId xmlns:a16="http://schemas.microsoft.com/office/drawing/2014/main" id="{A99FC638-46E8-406B-ADDD-80FFE3D4DDB7}"/>
+              </a:ext>
+            </a:extLst>
+          </p:cNvPr>
+          <p:cNvPicPr>
+            <a:picLocks noChangeAspect="1" noChangeArrowheads="1"/>
+          </p:cNvPicPr>
+          <p:nvPr/>
+        </p:nvPicPr>
+        <p:blipFill>
+          <a:blip r:embed="rId3">
+            <a:extLst>
+              <a:ext uri="{28A0092B-C50C-407E-A947-70E740481C1C}">
+                <a14:useLocalDpi xmlns:a14="http://schemas.microsoft.com/office/drawing/2010/main" val="0"/>
+              </a:ext>
+            </a:extLst>
+          </a:blip>
+          <a:srcRect/>
+          <a:stretch>
+            <a:fillRect/>
+          </a:stretch>
+        </p:blipFill>
+        <p:spPr bwMode="auto">
+          <a:xfrm>
+            <a:off x="5003020" y="516809"/>
+            <a:ext cx="2159998" cy="1619999"/>
+          </a:xfrm>
+          <a:prstGeom prst="rect">
+            <a:avLst/>
+          </a:prstGeom>
+          <a:noFill/>
+          <a:extLst>
+            <a:ext uri="{909E8E84-426E-40DD-AFC4-6F175D3DCCD1}">
+              <a14:hiddenFill xmlns:a14="http://schemas.microsoft.com/office/drawing/2010/main">
+                <a:solidFill>
+                  <a:srgbClr val="FFFFFF"/>
+                </a:solidFill>
+              </a14:hiddenFill>
+            </a:ext>
+          </a:extLst>
+        </p:spPr>
+      </p:pic>
+      <p:pic>
+        <p:nvPicPr>
+          <p:cNvPr id="2054" name="Picture 6">
+            <a:extLst>
+              <a:ext uri="{FF2B5EF4-FFF2-40B4-BE49-F238E27FC236}">
+                <a16:creationId xmlns:a16="http://schemas.microsoft.com/office/drawing/2014/main" id="{406FD9E9-EE43-41CD-9537-EDA624B05593}"/>
+              </a:ext>
+            </a:extLst>
+          </p:cNvPr>
+          <p:cNvPicPr>
+            <a:picLocks noChangeAspect="1" noChangeArrowheads="1"/>
+          </p:cNvPicPr>
+          <p:nvPr/>
+        </p:nvPicPr>
+        <p:blipFill>
+          <a:blip r:embed="rId4">
+            <a:extLst>
+              <a:ext uri="{28A0092B-C50C-407E-A947-70E740481C1C}">
+                <a14:useLocalDpi xmlns:a14="http://schemas.microsoft.com/office/drawing/2010/main" val="0"/>
+              </a:ext>
+            </a:extLst>
+          </a:blip>
+          <a:srcRect/>
+          <a:stretch>
+            <a:fillRect/>
+          </a:stretch>
+        </p:blipFill>
+        <p:spPr bwMode="auto">
+          <a:xfrm>
+            <a:off x="7163017" y="516807"/>
+            <a:ext cx="2159999" cy="1619999"/>
+          </a:xfrm>
+          <a:prstGeom prst="rect">
+            <a:avLst/>
+          </a:prstGeom>
+          <a:noFill/>
+          <a:extLst>
+            <a:ext uri="{909E8E84-426E-40DD-AFC4-6F175D3DCCD1}">
+              <a14:hiddenFill xmlns:a14="http://schemas.microsoft.com/office/drawing/2010/main">
+                <a:solidFill>
+                  <a:srgbClr val="FFFFFF"/>
+                </a:solidFill>
+              </a14:hiddenFill>
+            </a:ext>
+          </a:extLst>
+        </p:spPr>
+      </p:pic>
+      <p:pic>
+        <p:nvPicPr>
+          <p:cNvPr id="2056" name="Picture 8">
+            <a:extLst>
+              <a:ext uri="{FF2B5EF4-FFF2-40B4-BE49-F238E27FC236}">
+                <a16:creationId xmlns:a16="http://schemas.microsoft.com/office/drawing/2014/main" id="{9E50499D-D210-4C6B-8EEF-5FF3CB73040E}"/>
+              </a:ext>
+            </a:extLst>
+          </p:cNvPr>
+          <p:cNvPicPr>
+            <a:picLocks noChangeAspect="1" noChangeArrowheads="1"/>
+          </p:cNvPicPr>
+          <p:nvPr/>
+        </p:nvPicPr>
+        <p:blipFill>
+          <a:blip r:embed="rId5">
+            <a:extLst>
+              <a:ext uri="{28A0092B-C50C-407E-A947-70E740481C1C}">
+                <a14:useLocalDpi xmlns:a14="http://schemas.microsoft.com/office/drawing/2010/main" val="0"/>
+              </a:ext>
+            </a:extLst>
+          </a:blip>
+          <a:srcRect/>
+          <a:stretch>
+            <a:fillRect/>
+          </a:stretch>
+        </p:blipFill>
+        <p:spPr bwMode="auto">
+          <a:xfrm>
+            <a:off x="2843021" y="2345612"/>
+            <a:ext cx="2159998" cy="1619999"/>
+          </a:xfrm>
+          <a:prstGeom prst="rect">
+            <a:avLst/>
+          </a:prstGeom>
+          <a:noFill/>
+          <a:extLst>
+            <a:ext uri="{909E8E84-426E-40DD-AFC4-6F175D3DCCD1}">
+              <a14:hiddenFill xmlns:a14="http://schemas.microsoft.com/office/drawing/2010/main">
+                <a:solidFill>
+                  <a:srgbClr val="FFFFFF"/>
+                </a:solidFill>
+              </a14:hiddenFill>
+            </a:ext>
+          </a:extLst>
+        </p:spPr>
+      </p:pic>
+      <p:pic>
+        <p:nvPicPr>
+          <p:cNvPr id="2058" name="Picture 10">
+            <a:extLst>
+              <a:ext uri="{FF2B5EF4-FFF2-40B4-BE49-F238E27FC236}">
+                <a16:creationId xmlns:a16="http://schemas.microsoft.com/office/drawing/2014/main" id="{015829F7-7446-4657-B61E-BEE986C89C86}"/>
+              </a:ext>
+            </a:extLst>
+          </p:cNvPr>
+          <p:cNvPicPr>
+            <a:picLocks noChangeAspect="1" noChangeArrowheads="1"/>
+          </p:cNvPicPr>
+          <p:nvPr/>
+        </p:nvPicPr>
+        <p:blipFill>
+          <a:blip r:embed="rId6">
+            <a:extLst>
+              <a:ext uri="{28A0092B-C50C-407E-A947-70E740481C1C}">
+                <a14:useLocalDpi xmlns:a14="http://schemas.microsoft.com/office/drawing/2010/main" val="0"/>
+              </a:ext>
+            </a:extLst>
+          </a:blip>
+          <a:srcRect/>
+          <a:stretch>
+            <a:fillRect/>
+          </a:stretch>
+        </p:blipFill>
+        <p:spPr bwMode="auto">
+          <a:xfrm>
+            <a:off x="5016000" y="2345611"/>
+            <a:ext cx="2159999" cy="1619999"/>
+          </a:xfrm>
+          <a:prstGeom prst="rect">
+            <a:avLst/>
+          </a:prstGeom>
+          <a:noFill/>
+          <a:extLst>
+            <a:ext uri="{909E8E84-426E-40DD-AFC4-6F175D3DCCD1}">
+              <a14:hiddenFill xmlns:a14="http://schemas.microsoft.com/office/drawing/2010/main">
+                <a:solidFill>
+                  <a:srgbClr val="FFFFFF"/>
+                </a:solidFill>
+              </a14:hiddenFill>
+            </a:ext>
+          </a:extLst>
+        </p:spPr>
+      </p:pic>
+      <p:pic>
+        <p:nvPicPr>
+          <p:cNvPr id="2060" name="Picture 12">
+            <a:extLst>
+              <a:ext uri="{FF2B5EF4-FFF2-40B4-BE49-F238E27FC236}">
+                <a16:creationId xmlns:a16="http://schemas.microsoft.com/office/drawing/2014/main" id="{17D20864-54A9-4CA5-8482-E371B33D6410}"/>
+              </a:ext>
+            </a:extLst>
+          </p:cNvPr>
+          <p:cNvPicPr>
+            <a:picLocks noChangeAspect="1" noChangeArrowheads="1"/>
+          </p:cNvPicPr>
+          <p:nvPr/>
+        </p:nvPicPr>
+        <p:blipFill>
+          <a:blip r:embed="rId7">
+            <a:extLst>
+              <a:ext uri="{28A0092B-C50C-407E-A947-70E740481C1C}">
+                <a14:useLocalDpi xmlns:a14="http://schemas.microsoft.com/office/drawing/2010/main" val="0"/>
+              </a:ext>
+            </a:extLst>
+          </a:blip>
+          <a:srcRect/>
+          <a:stretch>
+            <a:fillRect/>
+          </a:stretch>
+        </p:blipFill>
+        <p:spPr bwMode="auto">
+          <a:xfrm>
+            <a:off x="7163016" y="2343890"/>
+            <a:ext cx="2159997" cy="1619998"/>
+          </a:xfrm>
+          <a:prstGeom prst="rect">
+            <a:avLst/>
+          </a:prstGeom>
+          <a:noFill/>
+          <a:extLst>
+            <a:ext uri="{909E8E84-426E-40DD-AFC4-6F175D3DCCD1}">
+              <a14:hiddenFill xmlns:a14="http://schemas.microsoft.com/office/drawing/2010/main">
+                <a:solidFill>
+                  <a:srgbClr val="FFFFFF"/>
+                </a:solidFill>
+              </a14:hiddenFill>
+            </a:ext>
+          </a:extLst>
+        </p:spPr>
+      </p:pic>
+      <p:pic>
+        <p:nvPicPr>
+          <p:cNvPr id="2062" name="Picture 14">
+            <a:extLst>
+              <a:ext uri="{FF2B5EF4-FFF2-40B4-BE49-F238E27FC236}">
+                <a16:creationId xmlns:a16="http://schemas.microsoft.com/office/drawing/2014/main" id="{0A414891-35E7-4F63-BEAD-79B36C435E8A}"/>
+              </a:ext>
+            </a:extLst>
+          </p:cNvPr>
+          <p:cNvPicPr>
+            <a:picLocks noChangeAspect="1" noChangeArrowheads="1"/>
+          </p:cNvPicPr>
+          <p:nvPr/>
+        </p:nvPicPr>
+        <p:blipFill>
+          <a:blip r:embed="rId8">
+            <a:extLst>
+              <a:ext uri="{28A0092B-C50C-407E-A947-70E740481C1C}">
+                <a14:useLocalDpi xmlns:a14="http://schemas.microsoft.com/office/drawing/2010/main" val="0"/>
+              </a:ext>
+            </a:extLst>
+          </a:blip>
+          <a:srcRect/>
+          <a:stretch>
+            <a:fillRect/>
+          </a:stretch>
+        </p:blipFill>
+        <p:spPr bwMode="auto">
+          <a:xfrm>
+            <a:off x="2843020" y="4172667"/>
+            <a:ext cx="2159997" cy="1619998"/>
+          </a:xfrm>
+          <a:prstGeom prst="rect">
+            <a:avLst/>
+          </a:prstGeom>
+          <a:noFill/>
+          <a:extLst>
+            <a:ext uri="{909E8E84-426E-40DD-AFC4-6F175D3DCCD1}">
+              <a14:hiddenFill xmlns:a14="http://schemas.microsoft.com/office/drawing/2010/main">
+                <a:solidFill>
+                  <a:srgbClr val="FFFFFF"/>
+                </a:solidFill>
+              </a14:hiddenFill>
+            </a:ext>
+          </a:extLst>
+        </p:spPr>
+      </p:pic>
+      <p:pic>
+        <p:nvPicPr>
+          <p:cNvPr id="2064" name="Picture 16">
+            <a:extLst>
+              <a:ext uri="{FF2B5EF4-FFF2-40B4-BE49-F238E27FC236}">
+                <a16:creationId xmlns:a16="http://schemas.microsoft.com/office/drawing/2014/main" id="{FF7FBAC6-2CA9-4B6A-9F4C-2801CB8F8991}"/>
+              </a:ext>
+            </a:extLst>
+          </p:cNvPr>
+          <p:cNvPicPr>
+            <a:picLocks noChangeAspect="1" noChangeArrowheads="1"/>
+          </p:cNvPicPr>
+          <p:nvPr/>
+        </p:nvPicPr>
+        <p:blipFill>
+          <a:blip r:embed="rId9">
+            <a:extLst>
+              <a:ext uri="{28A0092B-C50C-407E-A947-70E740481C1C}">
+                <a14:useLocalDpi xmlns:a14="http://schemas.microsoft.com/office/drawing/2010/main" val="0"/>
+              </a:ext>
+            </a:extLst>
+          </a:blip>
+          <a:srcRect/>
+          <a:stretch>
+            <a:fillRect/>
+          </a:stretch>
+        </p:blipFill>
+        <p:spPr bwMode="auto">
+          <a:xfrm>
+            <a:off x="5015999" y="4172667"/>
+            <a:ext cx="2159997" cy="1619998"/>
+          </a:xfrm>
+          <a:prstGeom prst="rect">
+            <a:avLst/>
+          </a:prstGeom>
+          <a:noFill/>
+          <a:extLst>
+            <a:ext uri="{909E8E84-426E-40DD-AFC4-6F175D3DCCD1}">
+              <a14:hiddenFill xmlns:a14="http://schemas.microsoft.com/office/drawing/2010/main">
+                <a:solidFill>
+                  <a:srgbClr val="FFFFFF"/>
+                </a:solidFill>
+              </a14:hiddenFill>
+            </a:ext>
+          </a:extLst>
+        </p:spPr>
+      </p:pic>
+      <p:pic>
+        <p:nvPicPr>
+          <p:cNvPr id="2066" name="Picture 18">
+            <a:extLst>
+              <a:ext uri="{FF2B5EF4-FFF2-40B4-BE49-F238E27FC236}">
+                <a16:creationId xmlns:a16="http://schemas.microsoft.com/office/drawing/2014/main" id="{71C8FF3F-B8CF-46D1-BAE7-D598616B1EA0}"/>
+              </a:ext>
+            </a:extLst>
+          </p:cNvPr>
+          <p:cNvPicPr>
+            <a:picLocks noChangeAspect="1" noChangeArrowheads="1"/>
+          </p:cNvPicPr>
+          <p:nvPr/>
+        </p:nvPicPr>
+        <p:blipFill>
+          <a:blip r:embed="rId10">
+            <a:extLst>
+              <a:ext uri="{28A0092B-C50C-407E-A947-70E740481C1C}">
+                <a14:useLocalDpi xmlns:a14="http://schemas.microsoft.com/office/drawing/2010/main" val="0"/>
+              </a:ext>
+            </a:extLst>
+          </a:blip>
+          <a:srcRect/>
+          <a:stretch>
+            <a:fillRect/>
+          </a:stretch>
+        </p:blipFill>
+        <p:spPr bwMode="auto">
+          <a:xfrm>
+            <a:off x="7175995" y="4170970"/>
+            <a:ext cx="2159997" cy="1619998"/>
+          </a:xfrm>
+          <a:prstGeom prst="rect">
+            <a:avLst/>
+          </a:prstGeom>
+          <a:noFill/>
+          <a:extLst>
+            <a:ext uri="{909E8E84-426E-40DD-AFC4-6F175D3DCCD1}">
+              <a14:hiddenFill xmlns:a14="http://schemas.microsoft.com/office/drawing/2010/main">
+                <a:solidFill>
+                  <a:srgbClr val="FFFFFF"/>
+                </a:solidFill>
+              </a14:hiddenFill>
+            </a:ext>
+          </a:extLst>
+        </p:spPr>
+      </p:pic>
+    </p:spTree>
+    <p:extLst>
+      <p:ext uri="{BB962C8B-B14F-4D97-AF65-F5344CB8AC3E}">
+        <p14:creationId xmlns:p14="http://schemas.microsoft.com/office/powerpoint/2010/main" val="3617994721"/>
+      </p:ext>
+    </p:extLst>
+  </p:cSld>
+  <p:clrMapOvr>
+    <a:masterClrMapping/>
+  </p:clrMapOvr>
+</p:sld>
+</file>
+
+<file path=ppt/slides/slide5.xml><?xml version="1.0" encoding="utf-8"?>
 <p:sld xmlns:a="http://schemas.openxmlformats.org/drawingml/2006/main" xmlns:r="http://schemas.openxmlformats.org/officeDocument/2006/relationships" xmlns:p="http://schemas.openxmlformats.org/presentationml/2006/main">
   <p:cSld>
     <p:bg>
